--- a/new_technology/Wordpress - WooCommerce.pptx
+++ b/new_technology/Wordpress - WooCommerce.pptx
@@ -21,21 +21,23 @@
     <p:sldId id="278" r:id="rId15"/>
     <p:sldId id="285" r:id="rId16"/>
     <p:sldId id="275" r:id="rId17"/>
-    <p:sldId id="284" r:id="rId18"/>
-    <p:sldId id="276" r:id="rId19"/>
-    <p:sldId id="280" r:id="rId20"/>
-    <p:sldId id="277" r:id="rId21"/>
-    <p:sldId id="261" r:id="rId22"/>
-    <p:sldId id="262" r:id="rId23"/>
-    <p:sldId id="263" r:id="rId24"/>
-    <p:sldId id="264" r:id="rId25"/>
-    <p:sldId id="286" r:id="rId26"/>
-    <p:sldId id="283" r:id="rId27"/>
-    <p:sldId id="281" r:id="rId28"/>
-    <p:sldId id="282" r:id="rId29"/>
-    <p:sldId id="268" r:id="rId30"/>
-    <p:sldId id="269" r:id="rId31"/>
-    <p:sldId id="265" r:id="rId32"/>
+    <p:sldId id="288" r:id="rId18"/>
+    <p:sldId id="287" r:id="rId19"/>
+    <p:sldId id="284" r:id="rId20"/>
+    <p:sldId id="276" r:id="rId21"/>
+    <p:sldId id="280" r:id="rId22"/>
+    <p:sldId id="277" r:id="rId23"/>
+    <p:sldId id="261" r:id="rId24"/>
+    <p:sldId id="262" r:id="rId25"/>
+    <p:sldId id="263" r:id="rId26"/>
+    <p:sldId id="264" r:id="rId27"/>
+    <p:sldId id="286" r:id="rId28"/>
+    <p:sldId id="283" r:id="rId29"/>
+    <p:sldId id="281" r:id="rId30"/>
+    <p:sldId id="282" r:id="rId31"/>
+    <p:sldId id="268" r:id="rId32"/>
+    <p:sldId id="269" r:id="rId33"/>
+    <p:sldId id="265" r:id="rId34"/>
   </p:sldIdLst>
   <p:sldSz cx="12192000" cy="6858000"/>
   <p:notesSz cx="6858000" cy="9144000"/>
@@ -864,7 +866,7 @@
           <a:p>
             <a:fld id="{A9D523DF-0EA4-4117-A99B-D3A7F1E0B22C}" type="datetimeFigureOut">
               <a:rPr lang="nl-BE" smtClean="0"/>
-              <a:t>8/10/2016</a:t>
+              <a:t>11/10/2016</a:t>
             </a:fld>
             <a:endParaRPr lang="nl-BE"/>
           </a:p>
@@ -1115,7 +1117,7 @@
           <a:p>
             <a:fld id="{A9D523DF-0EA4-4117-A99B-D3A7F1E0B22C}" type="datetimeFigureOut">
               <a:rPr lang="nl-BE" smtClean="0"/>
-              <a:t>8/10/2016</a:t>
+              <a:t>11/10/2016</a:t>
             </a:fld>
             <a:endParaRPr lang="nl-BE"/>
           </a:p>
@@ -1429,7 +1431,7 @@
           <a:p>
             <a:fld id="{A9D523DF-0EA4-4117-A99B-D3A7F1E0B22C}" type="datetimeFigureOut">
               <a:rPr lang="nl-BE" smtClean="0"/>
-              <a:t>8/10/2016</a:t>
+              <a:t>11/10/2016</a:t>
             </a:fld>
             <a:endParaRPr lang="nl-BE"/>
           </a:p>
@@ -1770,7 +1772,7 @@
           <a:p>
             <a:fld id="{A9D523DF-0EA4-4117-A99B-D3A7F1E0B22C}" type="datetimeFigureOut">
               <a:rPr lang="nl-BE" smtClean="0"/>
-              <a:t>8/10/2016</a:t>
+              <a:t>11/10/2016</a:t>
             </a:fld>
             <a:endParaRPr lang="nl-BE"/>
           </a:p>
@@ -2084,7 +2086,7 @@
           <a:p>
             <a:fld id="{A9D523DF-0EA4-4117-A99B-D3A7F1E0B22C}" type="datetimeFigureOut">
               <a:rPr lang="nl-BE" smtClean="0"/>
-              <a:t>8/10/2016</a:t>
+              <a:t>11/10/2016</a:t>
             </a:fld>
             <a:endParaRPr lang="nl-BE"/>
           </a:p>
@@ -2477,7 +2479,7 @@
           <a:p>
             <a:fld id="{A9D523DF-0EA4-4117-A99B-D3A7F1E0B22C}" type="datetimeFigureOut">
               <a:rPr lang="nl-BE" smtClean="0"/>
-              <a:t>8/10/2016</a:t>
+              <a:t>11/10/2016</a:t>
             </a:fld>
             <a:endParaRPr lang="nl-BE"/>
           </a:p>
@@ -2647,7 +2649,7 @@
           <a:p>
             <a:fld id="{A9D523DF-0EA4-4117-A99B-D3A7F1E0B22C}" type="datetimeFigureOut">
               <a:rPr lang="nl-BE" smtClean="0"/>
-              <a:t>8/10/2016</a:t>
+              <a:t>11/10/2016</a:t>
             </a:fld>
             <a:endParaRPr lang="nl-BE"/>
           </a:p>
@@ -2827,7 +2829,7 @@
           <a:p>
             <a:fld id="{A9D523DF-0EA4-4117-A99B-D3A7F1E0B22C}" type="datetimeFigureOut">
               <a:rPr lang="nl-BE" smtClean="0"/>
-              <a:t>8/10/2016</a:t>
+              <a:t>11/10/2016</a:t>
             </a:fld>
             <a:endParaRPr lang="nl-BE"/>
           </a:p>
@@ -3003,7 +3005,7 @@
           <a:p>
             <a:fld id="{A9D523DF-0EA4-4117-A99B-D3A7F1E0B22C}" type="datetimeFigureOut">
               <a:rPr lang="nl-BE" smtClean="0"/>
-              <a:t>8/10/2016</a:t>
+              <a:t>11/10/2016</a:t>
             </a:fld>
             <a:endParaRPr lang="nl-BE"/>
           </a:p>
@@ -3250,7 +3252,7 @@
           <a:p>
             <a:fld id="{A9D523DF-0EA4-4117-A99B-D3A7F1E0B22C}" type="datetimeFigureOut">
               <a:rPr lang="nl-BE" smtClean="0"/>
-              <a:t>8/10/2016</a:t>
+              <a:t>11/10/2016</a:t>
             </a:fld>
             <a:endParaRPr lang="nl-BE"/>
           </a:p>
@@ -3482,7 +3484,7 @@
           <a:p>
             <a:fld id="{A9D523DF-0EA4-4117-A99B-D3A7F1E0B22C}" type="datetimeFigureOut">
               <a:rPr lang="nl-BE" smtClean="0"/>
-              <a:t>8/10/2016</a:t>
+              <a:t>11/10/2016</a:t>
             </a:fld>
             <a:endParaRPr lang="nl-BE"/>
           </a:p>
@@ -3856,7 +3858,7 @@
           <a:p>
             <a:fld id="{A9D523DF-0EA4-4117-A99B-D3A7F1E0B22C}" type="datetimeFigureOut">
               <a:rPr lang="nl-BE" smtClean="0"/>
-              <a:t>8/10/2016</a:t>
+              <a:t>11/10/2016</a:t>
             </a:fld>
             <a:endParaRPr lang="nl-BE"/>
           </a:p>
@@ -3979,7 +3981,7 @@
           <a:p>
             <a:fld id="{A9D523DF-0EA4-4117-A99B-D3A7F1E0B22C}" type="datetimeFigureOut">
               <a:rPr lang="nl-BE" smtClean="0"/>
-              <a:t>8/10/2016</a:t>
+              <a:t>11/10/2016</a:t>
             </a:fld>
             <a:endParaRPr lang="nl-BE"/>
           </a:p>
@@ -4074,7 +4076,7 @@
           <a:p>
             <a:fld id="{A9D523DF-0EA4-4117-A99B-D3A7F1E0B22C}" type="datetimeFigureOut">
               <a:rPr lang="nl-BE" smtClean="0"/>
-              <a:t>8/10/2016</a:t>
+              <a:t>11/10/2016</a:t>
             </a:fld>
             <a:endParaRPr lang="nl-BE"/>
           </a:p>
@@ -4329,7 +4331,7 @@
           <a:p>
             <a:fld id="{A9D523DF-0EA4-4117-A99B-D3A7F1E0B22C}" type="datetimeFigureOut">
               <a:rPr lang="nl-BE" smtClean="0"/>
-              <a:t>8/10/2016</a:t>
+              <a:t>11/10/2016</a:t>
             </a:fld>
             <a:endParaRPr lang="nl-BE"/>
           </a:p>
@@ -4592,7 +4594,7 @@
           <a:p>
             <a:fld id="{A9D523DF-0EA4-4117-A99B-D3A7F1E0B22C}" type="datetimeFigureOut">
               <a:rPr lang="nl-BE" smtClean="0"/>
-              <a:t>8/10/2016</a:t>
+              <a:t>11/10/2016</a:t>
             </a:fld>
             <a:endParaRPr lang="nl-BE"/>
           </a:p>
@@ -5335,7 +5337,7 @@
           <a:p>
             <a:fld id="{A9D523DF-0EA4-4117-A99B-D3A7F1E0B22C}" type="datetimeFigureOut">
               <a:rPr lang="nl-BE" smtClean="0"/>
-              <a:t>8/10/2016</a:t>
+              <a:t>11/10/2016</a:t>
             </a:fld>
             <a:endParaRPr lang="nl-BE"/>
           </a:p>
@@ -7198,16 +7200,8 @@
           <a:lstStyle/>
           <a:p>
             <a:r>
-              <a:rPr lang="nl-BE" dirty="0" err="1" smtClean="0"/>
-              <a:t>Featured</a:t>
-            </a:r>
-            <a:r>
-              <a:rPr lang="nl-BE" dirty="0" smtClean="0"/>
-              <a:t> </a:t>
-            </a:r>
-            <a:r>
-              <a:rPr lang="nl-BE" dirty="0" err="1" smtClean="0"/>
-              <a:t>products</a:t>
+              <a:rPr lang="nl-BE" dirty="0" smtClean="0"/>
+              <a:t>Belastingen</a:t>
             </a:r>
             <a:endParaRPr lang="nl-BE" dirty="0"/>
           </a:p>
@@ -7232,10 +7226,34 @@
           </a:p>
         </p:txBody>
       </p:sp>
+      <p:pic>
+        <p:nvPicPr>
+          <p:cNvPr id="4" name="Afbeelding 3"/>
+          <p:cNvPicPr>
+            <a:picLocks noChangeAspect="1"/>
+          </p:cNvPicPr>
+          <p:nvPr/>
+        </p:nvPicPr>
+        <p:blipFill>
+          <a:blip r:embed="rId2"/>
+          <a:stretch>
+            <a:fillRect/>
+          </a:stretch>
+        </p:blipFill>
+        <p:spPr>
+          <a:xfrm>
+            <a:off x="923635" y="3859748"/>
+            <a:ext cx="10548505" cy="2026123"/>
+          </a:xfrm>
+          <a:prstGeom prst="rect">
+            <a:avLst/>
+          </a:prstGeom>
+        </p:spPr>
+      </p:pic>
     </p:spTree>
     <p:extLst>
       <p:ext uri="{BB962C8B-B14F-4D97-AF65-F5344CB8AC3E}">
-        <p14:creationId xmlns:p14="http://schemas.microsoft.com/office/powerpoint/2010/main" val="2073899773"/>
+        <p14:creationId xmlns:p14="http://schemas.microsoft.com/office/powerpoint/2010/main" val="1749079804"/>
       </p:ext>
     </p:extLst>
   </p:cSld>
@@ -7279,6 +7297,372 @@
             <p:ph type="title"/>
           </p:nvPr>
         </p:nvSpPr>
+        <p:spPr>
+          <a:xfrm>
+            <a:off x="677334" y="609600"/>
+            <a:ext cx="9318922" cy="1320800"/>
+          </a:xfrm>
+        </p:spPr>
+        <p:txBody>
+          <a:bodyPr/>
+          <a:lstStyle/>
+          <a:p>
+            <a:r>
+              <a:rPr lang="nl-BE" dirty="0" err="1" smtClean="0"/>
+              <a:t>Shipping</a:t>
+            </a:r>
+            <a:r>
+              <a:rPr lang="nl-BE" dirty="0" smtClean="0"/>
+              <a:t> </a:t>
+            </a:r>
+            <a:r>
+              <a:rPr lang="nl-BE" dirty="0" err="1" smtClean="0"/>
+              <a:t>methods</a:t>
+            </a:r>
+            <a:r>
+              <a:rPr lang="nl-BE" dirty="0" smtClean="0"/>
+              <a:t> / verzendingsmethodes</a:t>
+            </a:r>
+            <a:endParaRPr lang="nl-BE" dirty="0"/>
+          </a:p>
+        </p:txBody>
+      </p:sp>
+      <p:sp>
+        <p:nvSpPr>
+          <p:cNvPr id="3" name="Tijdelijke aanduiding voor inhoud 2"/>
+          <p:cNvSpPr>
+            <a:spLocks noGrp="1"/>
+          </p:cNvSpPr>
+          <p:nvPr>
+            <p:ph idx="1"/>
+          </p:nvPr>
+        </p:nvSpPr>
+        <p:spPr/>
+        <p:txBody>
+          <a:bodyPr/>
+          <a:lstStyle/>
+          <a:p>
+            <a:r>
+              <a:rPr lang="nl-BE" dirty="0" smtClean="0"/>
+              <a:t>Opzetten per regio (land, staat, postcode, …)</a:t>
+            </a:r>
+          </a:p>
+          <a:p>
+            <a:r>
+              <a:rPr lang="nl-BE" dirty="0" smtClean="0"/>
+              <a:t>Bepalen of het voor het hele winkelwagentje geldt, of per product</a:t>
+            </a:r>
+          </a:p>
+          <a:p>
+            <a:r>
+              <a:rPr lang="nl-BE" dirty="0" smtClean="0"/>
+              <a:t>Bepalen of het een percentage of vast bedrag is</a:t>
+            </a:r>
+          </a:p>
+          <a:p>
+            <a:endParaRPr lang="nl-BE" dirty="0"/>
+          </a:p>
+        </p:txBody>
+      </p:sp>
+      <p:pic>
+        <p:nvPicPr>
+          <p:cNvPr id="4" name="Afbeelding 3"/>
+          <p:cNvPicPr>
+            <a:picLocks noChangeAspect="1"/>
+          </p:cNvPicPr>
+          <p:nvPr/>
+        </p:nvPicPr>
+        <p:blipFill>
+          <a:blip r:embed="rId2"/>
+          <a:stretch>
+            <a:fillRect/>
+          </a:stretch>
+        </p:blipFill>
+        <p:spPr>
+          <a:xfrm>
+            <a:off x="7041267" y="1234621"/>
+            <a:ext cx="4980373" cy="4369514"/>
+          </a:xfrm>
+          <a:prstGeom prst="rect">
+            <a:avLst/>
+          </a:prstGeom>
+        </p:spPr>
+      </p:pic>
+      <p:pic>
+        <p:nvPicPr>
+          <p:cNvPr id="5" name="Afbeelding 4"/>
+          <p:cNvPicPr>
+            <a:picLocks noChangeAspect="1"/>
+          </p:cNvPicPr>
+          <p:nvPr/>
+        </p:nvPicPr>
+        <p:blipFill>
+          <a:blip r:embed="rId3"/>
+          <a:stretch>
+            <a:fillRect/>
+          </a:stretch>
+        </p:blipFill>
+        <p:spPr>
+          <a:xfrm>
+            <a:off x="7402394" y="5570950"/>
+            <a:ext cx="4258118" cy="874316"/>
+          </a:xfrm>
+          <a:prstGeom prst="rect">
+            <a:avLst/>
+          </a:prstGeom>
+        </p:spPr>
+      </p:pic>
+    </p:spTree>
+    <p:extLst>
+      <p:ext uri="{BB962C8B-B14F-4D97-AF65-F5344CB8AC3E}">
+        <p14:creationId xmlns:p14="http://schemas.microsoft.com/office/powerpoint/2010/main" val="1220370993"/>
+      </p:ext>
+    </p:extLst>
+  </p:cSld>
+  <p:clrMapOvr>
+    <a:masterClrMapping/>
+  </p:clrMapOvr>
+  <p:timing>
+    <p:tnLst>
+      <p:par>
+        <p:cTn id="1" dur="indefinite" restart="never" nodeType="tmRoot"/>
+      </p:par>
+    </p:tnLst>
+  </p:timing>
+</p:sld>
+</file>
+
+<file path=ppt/slides/slide19.xml><?xml version="1.0" encoding="utf-8"?>
+<p:sld xmlns:a="http://schemas.openxmlformats.org/drawingml/2006/main" xmlns:r="http://schemas.openxmlformats.org/officeDocument/2006/relationships" xmlns:p="http://schemas.openxmlformats.org/presentationml/2006/main">
+  <p:cSld>
+    <p:spTree>
+      <p:nvGrpSpPr>
+        <p:cNvPr id="1" name=""/>
+        <p:cNvGrpSpPr/>
+        <p:nvPr/>
+      </p:nvGrpSpPr>
+      <p:grpSpPr>
+        <a:xfrm>
+          <a:off x="0" y="0"/>
+          <a:ext cx="0" cy="0"/>
+          <a:chOff x="0" y="0"/>
+          <a:chExt cx="0" cy="0"/>
+        </a:xfrm>
+      </p:grpSpPr>
+      <p:sp>
+        <p:nvSpPr>
+          <p:cNvPr id="2" name="Titel 1"/>
+          <p:cNvSpPr>
+            <a:spLocks noGrp="1"/>
+          </p:cNvSpPr>
+          <p:nvPr>
+            <p:ph type="title"/>
+          </p:nvPr>
+        </p:nvSpPr>
+        <p:spPr/>
+        <p:txBody>
+          <a:bodyPr/>
+          <a:lstStyle/>
+          <a:p>
+            <a:r>
+              <a:rPr lang="nl-BE" dirty="0" err="1" smtClean="0"/>
+              <a:t>Featured</a:t>
+            </a:r>
+            <a:r>
+              <a:rPr lang="nl-BE" dirty="0" smtClean="0"/>
+              <a:t> </a:t>
+            </a:r>
+            <a:r>
+              <a:rPr lang="nl-BE" dirty="0" err="1" smtClean="0"/>
+              <a:t>products</a:t>
+            </a:r>
+            <a:endParaRPr lang="nl-BE" dirty="0"/>
+          </a:p>
+        </p:txBody>
+      </p:sp>
+      <p:sp>
+        <p:nvSpPr>
+          <p:cNvPr id="3" name="Tijdelijke aanduiding voor inhoud 2"/>
+          <p:cNvSpPr>
+            <a:spLocks noGrp="1"/>
+          </p:cNvSpPr>
+          <p:nvPr>
+            <p:ph idx="1"/>
+          </p:nvPr>
+        </p:nvSpPr>
+        <p:spPr/>
+        <p:txBody>
+          <a:bodyPr/>
+          <a:lstStyle/>
+          <a:p>
+            <a:endParaRPr lang="nl-BE"/>
+          </a:p>
+        </p:txBody>
+      </p:sp>
+    </p:spTree>
+    <p:extLst>
+      <p:ext uri="{BB962C8B-B14F-4D97-AF65-F5344CB8AC3E}">
+        <p14:creationId xmlns:p14="http://schemas.microsoft.com/office/powerpoint/2010/main" val="2073899773"/>
+      </p:ext>
+    </p:extLst>
+  </p:cSld>
+  <p:clrMapOvr>
+    <a:masterClrMapping/>
+  </p:clrMapOvr>
+  <p:timing>
+    <p:tnLst>
+      <p:par>
+        <p:cTn id="1" dur="indefinite" restart="never" nodeType="tmRoot"/>
+      </p:par>
+    </p:tnLst>
+  </p:timing>
+</p:sld>
+</file>
+
+<file path=ppt/slides/slide2.xml><?xml version="1.0" encoding="utf-8"?>
+<p:sld xmlns:a="http://schemas.openxmlformats.org/drawingml/2006/main" xmlns:r="http://schemas.openxmlformats.org/officeDocument/2006/relationships" xmlns:p="http://schemas.openxmlformats.org/presentationml/2006/main">
+  <p:cSld>
+    <p:spTree>
+      <p:nvGrpSpPr>
+        <p:cNvPr id="1" name=""/>
+        <p:cNvGrpSpPr/>
+        <p:nvPr/>
+      </p:nvGrpSpPr>
+      <p:grpSpPr>
+        <a:xfrm>
+          <a:off x="0" y="0"/>
+          <a:ext cx="0" cy="0"/>
+          <a:chOff x="0" y="0"/>
+          <a:chExt cx="0" cy="0"/>
+        </a:xfrm>
+      </p:grpSpPr>
+      <p:sp>
+        <p:nvSpPr>
+          <p:cNvPr id="2" name="Titel 1"/>
+          <p:cNvSpPr>
+            <a:spLocks noGrp="1"/>
+          </p:cNvSpPr>
+          <p:nvPr>
+            <p:ph type="title"/>
+          </p:nvPr>
+        </p:nvSpPr>
+        <p:spPr/>
+        <p:txBody>
+          <a:bodyPr/>
+          <a:lstStyle/>
+          <a:p>
+            <a:r>
+              <a:rPr lang="nl-BE" dirty="0" smtClean="0"/>
+              <a:t>Wat is </a:t>
+            </a:r>
+            <a:r>
+              <a:rPr lang="nl-BE" dirty="0" err="1" smtClean="0"/>
+              <a:t>WooCommerce</a:t>
+            </a:r>
+            <a:r>
+              <a:rPr lang="nl-BE" dirty="0" smtClean="0"/>
+              <a:t>?</a:t>
+            </a:r>
+            <a:endParaRPr lang="nl-BE" dirty="0"/>
+          </a:p>
+        </p:txBody>
+      </p:sp>
+      <p:sp>
+        <p:nvSpPr>
+          <p:cNvPr id="3" name="Tijdelijke aanduiding voor inhoud 2"/>
+          <p:cNvSpPr>
+            <a:spLocks noGrp="1"/>
+          </p:cNvSpPr>
+          <p:nvPr>
+            <p:ph idx="1"/>
+          </p:nvPr>
+        </p:nvSpPr>
+        <p:spPr/>
+        <p:txBody>
+          <a:bodyPr/>
+          <a:lstStyle/>
+          <a:p>
+            <a:r>
+              <a:rPr lang="nl-BE" dirty="0" smtClean="0"/>
+              <a:t>E-commerce platform (webshop)</a:t>
+            </a:r>
+          </a:p>
+          <a:p>
+            <a:r>
+              <a:rPr lang="nl-BE" dirty="0" err="1" smtClean="0"/>
+              <a:t>WordPress</a:t>
+            </a:r>
+            <a:r>
+              <a:rPr lang="nl-BE" dirty="0" smtClean="0"/>
+              <a:t> </a:t>
+            </a:r>
+            <a:r>
+              <a:rPr lang="nl-BE" dirty="0" err="1" smtClean="0"/>
+              <a:t>plugin</a:t>
+            </a:r>
+            <a:r>
+              <a:rPr lang="nl-BE" dirty="0" smtClean="0"/>
+              <a:t> (CMS)</a:t>
+            </a:r>
+          </a:p>
+          <a:p>
+            <a:r>
+              <a:rPr lang="nl-BE" dirty="0" smtClean="0"/>
+              <a:t>Opensource</a:t>
+            </a:r>
+          </a:p>
+          <a:p>
+            <a:endParaRPr lang="nl-BE" dirty="0"/>
+          </a:p>
+        </p:txBody>
+      </p:sp>
+    </p:spTree>
+    <p:extLst>
+      <p:ext uri="{BB962C8B-B14F-4D97-AF65-F5344CB8AC3E}">
+        <p14:creationId xmlns:p14="http://schemas.microsoft.com/office/powerpoint/2010/main" val="3282187832"/>
+      </p:ext>
+    </p:extLst>
+  </p:cSld>
+  <p:clrMapOvr>
+    <a:masterClrMapping/>
+  </p:clrMapOvr>
+  <p:timing>
+    <p:tnLst>
+      <p:par>
+        <p:cTn id="1" dur="indefinite" restart="never" nodeType="tmRoot"/>
+      </p:par>
+    </p:tnLst>
+  </p:timing>
+</p:sld>
+</file>
+
+<file path=ppt/slides/slide20.xml><?xml version="1.0" encoding="utf-8"?>
+<p:sld xmlns:a="http://schemas.openxmlformats.org/drawingml/2006/main" xmlns:r="http://schemas.openxmlformats.org/officeDocument/2006/relationships" xmlns:p="http://schemas.openxmlformats.org/presentationml/2006/main">
+  <p:cSld>
+    <p:spTree>
+      <p:nvGrpSpPr>
+        <p:cNvPr id="1" name=""/>
+        <p:cNvGrpSpPr/>
+        <p:nvPr/>
+      </p:nvGrpSpPr>
+      <p:grpSpPr>
+        <a:xfrm>
+          <a:off x="0" y="0"/>
+          <a:ext cx="0" cy="0"/>
+          <a:chOff x="0" y="0"/>
+          <a:chExt cx="0" cy="0"/>
+        </a:xfrm>
+      </p:grpSpPr>
+      <p:sp>
+        <p:nvSpPr>
+          <p:cNvPr id="2" name="Titel 1"/>
+          <p:cNvSpPr>
+            <a:spLocks noGrp="1"/>
+          </p:cNvSpPr>
+          <p:nvPr>
+            <p:ph type="title"/>
+          </p:nvPr>
+        </p:nvSpPr>
         <p:spPr/>
         <p:txBody>
           <a:bodyPr/>
@@ -7391,31 +7775,13 @@
             </a:r>
             <a:r>
               <a:rPr lang="nl-BE" dirty="0" smtClean="0"/>
-              <a:t> bij inladen </a:t>
-            </a:r>
-            <a:r>
-              <a:rPr lang="nl-BE" dirty="0" smtClean="0"/>
-              <a:t>van </a:t>
-            </a:r>
-            <a:r>
-              <a:rPr lang="nl-BE" dirty="0" smtClean="0"/>
-              <a:t>CSV </a:t>
-            </a:r>
-            <a:r>
-              <a:rPr lang="nl-BE" dirty="0" smtClean="0"/>
-              <a:t>file </a:t>
+              <a:t> bij inladen van CSV file </a:t>
             </a:r>
             <a:r>
               <a:rPr lang="nl-BE" dirty="0" smtClean="0">
                 <a:sym typeface="Wingdings" panose="05000000000000000000" pitchFamily="2" charset="2"/>
               </a:rPr>
-              <a:t> </a:t>
-            </a:r>
-            <a:r>
-              <a:rPr lang="nl-BE" dirty="0" smtClean="0">
-                <a:sym typeface="Wingdings" panose="05000000000000000000" pitchFamily="2" charset="2"/>
-              </a:rPr>
-              <a:t>volg uitleg  </a:t>
+              <a:t> volg uitleg  </a:t>
             </a:r>
             <a:r>
               <a:rPr lang="nl-BE" dirty="0" err="1" smtClean="0">
@@ -8282,7 +8648,7 @@
 </p:sld>
 </file>
 
-<file path=ppt/slides/slide19.xml><?xml version="1.0" encoding="utf-8"?>
+<file path=ppt/slides/slide21.xml><?xml version="1.0" encoding="utf-8"?>
 <p:sld xmlns:a="http://schemas.openxmlformats.org/drawingml/2006/main" xmlns:r="http://schemas.openxmlformats.org/officeDocument/2006/relationships" xmlns:p="http://schemas.openxmlformats.org/presentationml/2006/main">
   <p:cSld>
     <p:spTree>
@@ -8518,315 +8884,6 @@
 </p:sld>
 </file>
 
-<file path=ppt/slides/slide2.xml><?xml version="1.0" encoding="utf-8"?>
-<p:sld xmlns:a="http://schemas.openxmlformats.org/drawingml/2006/main" xmlns:r="http://schemas.openxmlformats.org/officeDocument/2006/relationships" xmlns:p="http://schemas.openxmlformats.org/presentationml/2006/main">
-  <p:cSld>
-    <p:spTree>
-      <p:nvGrpSpPr>
-        <p:cNvPr id="1" name=""/>
-        <p:cNvGrpSpPr/>
-        <p:nvPr/>
-      </p:nvGrpSpPr>
-      <p:grpSpPr>
-        <a:xfrm>
-          <a:off x="0" y="0"/>
-          <a:ext cx="0" cy="0"/>
-          <a:chOff x="0" y="0"/>
-          <a:chExt cx="0" cy="0"/>
-        </a:xfrm>
-      </p:grpSpPr>
-      <p:sp>
-        <p:nvSpPr>
-          <p:cNvPr id="2" name="Titel 1"/>
-          <p:cNvSpPr>
-            <a:spLocks noGrp="1"/>
-          </p:cNvSpPr>
-          <p:nvPr>
-            <p:ph type="title"/>
-          </p:nvPr>
-        </p:nvSpPr>
-        <p:spPr/>
-        <p:txBody>
-          <a:bodyPr/>
-          <a:lstStyle/>
-          <a:p>
-            <a:r>
-              <a:rPr lang="nl-BE" dirty="0" smtClean="0"/>
-              <a:t>Wat is </a:t>
-            </a:r>
-            <a:r>
-              <a:rPr lang="nl-BE" dirty="0" err="1" smtClean="0"/>
-              <a:t>WooCommerce</a:t>
-            </a:r>
-            <a:r>
-              <a:rPr lang="nl-BE" dirty="0" smtClean="0"/>
-              <a:t>?</a:t>
-            </a:r>
-            <a:endParaRPr lang="nl-BE" dirty="0"/>
-          </a:p>
-        </p:txBody>
-      </p:sp>
-      <p:sp>
-        <p:nvSpPr>
-          <p:cNvPr id="3" name="Tijdelijke aanduiding voor inhoud 2"/>
-          <p:cNvSpPr>
-            <a:spLocks noGrp="1"/>
-          </p:cNvSpPr>
-          <p:nvPr>
-            <p:ph idx="1"/>
-          </p:nvPr>
-        </p:nvSpPr>
-        <p:spPr/>
-        <p:txBody>
-          <a:bodyPr/>
-          <a:lstStyle/>
-          <a:p>
-            <a:r>
-              <a:rPr lang="nl-BE" dirty="0" smtClean="0"/>
-              <a:t>E-commerce platform (webshop)</a:t>
-            </a:r>
-          </a:p>
-          <a:p>
-            <a:r>
-              <a:rPr lang="nl-BE" dirty="0" err="1" smtClean="0"/>
-              <a:t>WordPress</a:t>
-            </a:r>
-            <a:r>
-              <a:rPr lang="nl-BE" dirty="0" smtClean="0"/>
-              <a:t> </a:t>
-            </a:r>
-            <a:r>
-              <a:rPr lang="nl-BE" dirty="0" err="1" smtClean="0"/>
-              <a:t>plugin</a:t>
-            </a:r>
-            <a:r>
-              <a:rPr lang="nl-BE" dirty="0" smtClean="0"/>
-              <a:t> (CMS)</a:t>
-            </a:r>
-          </a:p>
-          <a:p>
-            <a:r>
-              <a:rPr lang="nl-BE" dirty="0" smtClean="0"/>
-              <a:t>Opensource</a:t>
-            </a:r>
-          </a:p>
-          <a:p>
-            <a:endParaRPr lang="nl-BE" dirty="0"/>
-          </a:p>
-        </p:txBody>
-      </p:sp>
-    </p:spTree>
-    <p:extLst>
-      <p:ext uri="{BB962C8B-B14F-4D97-AF65-F5344CB8AC3E}">
-        <p14:creationId xmlns:p14="http://schemas.microsoft.com/office/powerpoint/2010/main" val="3282187832"/>
-      </p:ext>
-    </p:extLst>
-  </p:cSld>
-  <p:clrMapOvr>
-    <a:masterClrMapping/>
-  </p:clrMapOvr>
-  <p:timing>
-    <p:tnLst>
-      <p:par>
-        <p:cTn id="1" dur="indefinite" restart="never" nodeType="tmRoot"/>
-      </p:par>
-    </p:tnLst>
-  </p:timing>
-</p:sld>
-</file>
-
-<file path=ppt/slides/slide20.xml><?xml version="1.0" encoding="utf-8"?>
-<p:sld xmlns:a="http://schemas.openxmlformats.org/drawingml/2006/main" xmlns:r="http://schemas.openxmlformats.org/officeDocument/2006/relationships" xmlns:p="http://schemas.openxmlformats.org/presentationml/2006/main">
-  <p:cSld>
-    <p:spTree>
-      <p:nvGrpSpPr>
-        <p:cNvPr id="1" name=""/>
-        <p:cNvGrpSpPr/>
-        <p:nvPr/>
-      </p:nvGrpSpPr>
-      <p:grpSpPr>
-        <a:xfrm>
-          <a:off x="0" y="0"/>
-          <a:ext cx="0" cy="0"/>
-          <a:chOff x="0" y="0"/>
-          <a:chExt cx="0" cy="0"/>
-        </a:xfrm>
-      </p:grpSpPr>
-      <p:sp>
-        <p:nvSpPr>
-          <p:cNvPr id="2" name="Titel 1"/>
-          <p:cNvSpPr>
-            <a:spLocks noGrp="1"/>
-          </p:cNvSpPr>
-          <p:nvPr>
-            <p:ph type="title"/>
-          </p:nvPr>
-        </p:nvSpPr>
-        <p:spPr/>
-        <p:txBody>
-          <a:bodyPr/>
-          <a:lstStyle/>
-          <a:p>
-            <a:r>
-              <a:rPr lang="nl-BE" dirty="0" smtClean="0"/>
-              <a:t>Multistore</a:t>
-            </a:r>
-            <a:endParaRPr lang="nl-BE" dirty="0"/>
-          </a:p>
-        </p:txBody>
-      </p:sp>
-      <p:sp>
-        <p:nvSpPr>
-          <p:cNvPr id="3" name="Tijdelijke aanduiding voor inhoud 2"/>
-          <p:cNvSpPr>
-            <a:spLocks noGrp="1"/>
-          </p:cNvSpPr>
-          <p:nvPr>
-            <p:ph idx="1"/>
-          </p:nvPr>
-        </p:nvSpPr>
-        <p:spPr/>
-        <p:txBody>
-          <a:bodyPr/>
-          <a:lstStyle/>
-          <a:p>
-            <a:endParaRPr lang="nl-BE"/>
-          </a:p>
-        </p:txBody>
-      </p:sp>
-    </p:spTree>
-    <p:extLst>
-      <p:ext uri="{BB962C8B-B14F-4D97-AF65-F5344CB8AC3E}">
-        <p14:creationId xmlns:p14="http://schemas.microsoft.com/office/powerpoint/2010/main" val="2962859909"/>
-      </p:ext>
-    </p:extLst>
-  </p:cSld>
-  <p:clrMapOvr>
-    <a:masterClrMapping/>
-  </p:clrMapOvr>
-  <p:timing>
-    <p:tnLst>
-      <p:par>
-        <p:cTn id="1" dur="indefinite" restart="never" nodeType="tmRoot"/>
-      </p:par>
-    </p:tnLst>
-  </p:timing>
-</p:sld>
-</file>
-
-<file path=ppt/slides/slide21.xml><?xml version="1.0" encoding="utf-8"?>
-<p:sld xmlns:a="http://schemas.openxmlformats.org/drawingml/2006/main" xmlns:r="http://schemas.openxmlformats.org/officeDocument/2006/relationships" xmlns:p="http://schemas.openxmlformats.org/presentationml/2006/main">
-  <p:cSld>
-    <p:spTree>
-      <p:nvGrpSpPr>
-        <p:cNvPr id="1" name=""/>
-        <p:cNvGrpSpPr/>
-        <p:nvPr/>
-      </p:nvGrpSpPr>
-      <p:grpSpPr>
-        <a:xfrm>
-          <a:off x="0" y="0"/>
-          <a:ext cx="0" cy="0"/>
-          <a:chOff x="0" y="0"/>
-          <a:chExt cx="0" cy="0"/>
-        </a:xfrm>
-      </p:grpSpPr>
-      <p:sp>
-        <p:nvSpPr>
-          <p:cNvPr id="2" name="Titel 1"/>
-          <p:cNvSpPr>
-            <a:spLocks noGrp="1"/>
-          </p:cNvSpPr>
-          <p:nvPr>
-            <p:ph type="title"/>
-          </p:nvPr>
-        </p:nvSpPr>
-        <p:spPr/>
-        <p:txBody>
-          <a:bodyPr/>
-          <a:lstStyle/>
-          <a:p>
-            <a:r>
-              <a:rPr lang="nl-BE" dirty="0" err="1" smtClean="0"/>
-              <a:t>Customization</a:t>
-            </a:r>
-            <a:r>
-              <a:rPr lang="nl-BE" dirty="0" smtClean="0"/>
-              <a:t> – </a:t>
-            </a:r>
-            <a:r>
-              <a:rPr lang="nl-BE" dirty="0" err="1" smtClean="0"/>
-              <a:t>multilingual</a:t>
-            </a:r>
-            <a:r>
-              <a:rPr lang="nl-BE" dirty="0" smtClean="0"/>
-              <a:t> </a:t>
-            </a:r>
-            <a:endParaRPr lang="nl-BE" dirty="0"/>
-          </a:p>
-        </p:txBody>
-      </p:sp>
-      <p:sp>
-        <p:nvSpPr>
-          <p:cNvPr id="3" name="Tijdelijke aanduiding voor inhoud 2"/>
-          <p:cNvSpPr>
-            <a:spLocks noGrp="1"/>
-          </p:cNvSpPr>
-          <p:nvPr>
-            <p:ph idx="1"/>
-          </p:nvPr>
-        </p:nvSpPr>
-        <p:spPr/>
-        <p:txBody>
-          <a:bodyPr/>
-          <a:lstStyle/>
-          <a:p>
-            <a:r>
-              <a:rPr lang="nl-BE" dirty="0" smtClean="0"/>
-              <a:t>Beste = WPML + </a:t>
-            </a:r>
-            <a:r>
-              <a:rPr lang="nl-BE" dirty="0" err="1" smtClean="0"/>
-              <a:t>WooCommerce</a:t>
-            </a:r>
-            <a:r>
-              <a:rPr lang="nl-BE" dirty="0" smtClean="0"/>
-              <a:t> </a:t>
-            </a:r>
-            <a:r>
-              <a:rPr lang="nl-BE" dirty="0" err="1" smtClean="0"/>
-              <a:t>multilingual</a:t>
-            </a:r>
-            <a:r>
-              <a:rPr lang="nl-BE" dirty="0" smtClean="0"/>
-              <a:t> -&gt; maar betalend…</a:t>
-            </a:r>
-          </a:p>
-          <a:p>
-            <a:endParaRPr lang="nl-BE" dirty="0"/>
-          </a:p>
-        </p:txBody>
-      </p:sp>
-    </p:spTree>
-    <p:extLst>
-      <p:ext uri="{BB962C8B-B14F-4D97-AF65-F5344CB8AC3E}">
-        <p14:creationId xmlns:p14="http://schemas.microsoft.com/office/powerpoint/2010/main" val="2837343598"/>
-      </p:ext>
-    </p:extLst>
-  </p:cSld>
-  <p:clrMapOvr>
-    <a:masterClrMapping/>
-  </p:clrMapOvr>
-  <p:timing>
-    <p:tnLst>
-      <p:par>
-        <p:cTn id="1" dur="indefinite" restart="never" nodeType="tmRoot"/>
-      </p:par>
-    </p:tnLst>
-  </p:timing>
-</p:sld>
-</file>
-
 <file path=ppt/slides/slide22.xml><?xml version="1.0" encoding="utf-8"?>
 <p:sld xmlns:a="http://schemas.openxmlformats.org/drawingml/2006/main" xmlns:r="http://schemas.openxmlformats.org/officeDocument/2006/relationships" xmlns:p="http://schemas.openxmlformats.org/presentationml/2006/main">
   <p:cSld>
@@ -8860,20 +8917,8 @@
           <a:lstStyle/>
           <a:p>
             <a:r>
-              <a:rPr lang="nl-BE" dirty="0" err="1" smtClean="0"/>
-              <a:t>Customization</a:t>
-            </a:r>
-            <a:r>
-              <a:rPr lang="nl-BE" dirty="0" smtClean="0"/>
-              <a:t> – </a:t>
-            </a:r>
-            <a:r>
-              <a:rPr lang="nl-BE" dirty="0" err="1" smtClean="0"/>
-              <a:t>multistore</a:t>
-            </a:r>
-            <a:r>
-              <a:rPr lang="nl-BE" dirty="0" smtClean="0"/>
-              <a:t> </a:t>
+              <a:rPr lang="nl-BE" dirty="0" smtClean="0"/>
+              <a:t>Multistore</a:t>
             </a:r>
             <a:endParaRPr lang="nl-BE" dirty="0"/>
           </a:p>
@@ -8901,7 +8946,7 @@
     </p:spTree>
     <p:extLst>
       <p:ext uri="{BB962C8B-B14F-4D97-AF65-F5344CB8AC3E}">
-        <p14:creationId xmlns:p14="http://schemas.microsoft.com/office/powerpoint/2010/main" val="3046422624"/>
+        <p14:creationId xmlns:p14="http://schemas.microsoft.com/office/powerpoint/2010/main" val="2962859909"/>
       </p:ext>
     </p:extLst>
   </p:cSld>
@@ -8960,11 +9005,11 @@
             </a:r>
             <a:r>
               <a:rPr lang="nl-BE" dirty="0" err="1" smtClean="0"/>
-              <a:t>payment</a:t>
-            </a:r>
-            <a:r>
-              <a:rPr lang="nl-BE" dirty="0" smtClean="0"/>
-              <a:t> systems</a:t>
+              <a:t>multilingual</a:t>
+            </a:r>
+            <a:r>
+              <a:rPr lang="nl-BE" dirty="0" smtClean="0"/>
+              <a:t> </a:t>
             </a:r>
             <a:endParaRPr lang="nl-BE" dirty="0"/>
           </a:p>
@@ -8980,19 +9025,169 @@
             <p:ph idx="1"/>
           </p:nvPr>
         </p:nvSpPr>
-        <p:spPr/>
+        <p:spPr>
+          <a:xfrm>
+            <a:off x="677333" y="2160589"/>
+            <a:ext cx="11280887" cy="3880773"/>
+          </a:xfrm>
+        </p:spPr>
         <p:txBody>
           <a:bodyPr/>
           <a:lstStyle/>
           <a:p>
-            <a:endParaRPr lang="nl-BE"/>
+            <a:r>
+              <a:rPr lang="nl-BE" dirty="0" smtClean="0"/>
+              <a:t>Verschillende opties</a:t>
+            </a:r>
+          </a:p>
+          <a:p>
+            <a:pPr lvl="1"/>
+            <a:r>
+              <a:rPr lang="nl-BE" dirty="0" smtClean="0"/>
+              <a:t>Een hele nieuwe </a:t>
+            </a:r>
+            <a:r>
+              <a:rPr lang="nl-BE" dirty="0" err="1" smtClean="0"/>
+              <a:t>WordPress</a:t>
+            </a:r>
+            <a:r>
+              <a:rPr lang="nl-BE" dirty="0" smtClean="0"/>
+              <a:t>-site aanmaken per taal (zonder </a:t>
+            </a:r>
+            <a:r>
+              <a:rPr lang="nl-BE" dirty="0" err="1" smtClean="0"/>
+              <a:t>plugins</a:t>
+            </a:r>
+            <a:r>
+              <a:rPr lang="nl-BE" dirty="0" smtClean="0"/>
+              <a:t>) (nadelen &gt; voordelen)</a:t>
+            </a:r>
+          </a:p>
+          <a:p>
+            <a:pPr lvl="1"/>
+            <a:r>
+              <a:rPr lang="nl-BE" dirty="0" smtClean="0"/>
+              <a:t>Gebruik maken van </a:t>
+            </a:r>
+            <a:r>
+              <a:rPr lang="nl-BE" dirty="0" err="1" smtClean="0"/>
+              <a:t>plugins</a:t>
+            </a:r>
+            <a:r>
+              <a:rPr lang="nl-BE" dirty="0" smtClean="0"/>
+              <a:t> (alles kan aangepast worden op 1 plaats)</a:t>
+            </a:r>
+          </a:p>
+          <a:p>
+            <a:pPr lvl="2"/>
+            <a:r>
+              <a:rPr lang="nl-BE" dirty="0"/>
+              <a:t>Beste = WPML + </a:t>
+            </a:r>
+            <a:r>
+              <a:rPr lang="nl-BE" dirty="0" err="1"/>
+              <a:t>WooCommerce</a:t>
+            </a:r>
+            <a:r>
+              <a:rPr lang="nl-BE" dirty="0"/>
+              <a:t> </a:t>
+            </a:r>
+            <a:r>
+              <a:rPr lang="nl-BE" dirty="0" err="1"/>
+              <a:t>multilingual</a:t>
+            </a:r>
+            <a:r>
+              <a:rPr lang="nl-BE" dirty="0"/>
+              <a:t> </a:t>
+            </a:r>
+            <a:r>
+              <a:rPr lang="nl-BE" dirty="0" smtClean="0">
+                <a:sym typeface="Wingdings" panose="05000000000000000000" pitchFamily="2" charset="2"/>
+              </a:rPr>
+              <a:t></a:t>
+            </a:r>
+            <a:r>
+              <a:rPr lang="nl-BE" dirty="0" smtClean="0"/>
+              <a:t> </a:t>
+            </a:r>
+            <a:r>
+              <a:rPr lang="nl-BE" dirty="0"/>
+              <a:t>maar betalend</a:t>
+            </a:r>
+            <a:r>
+              <a:rPr lang="nl-BE" dirty="0" smtClean="0"/>
+              <a:t>…  (biedt zowel </a:t>
+            </a:r>
+            <a:r>
+              <a:rPr lang="nl-BE" dirty="0" err="1" smtClean="0"/>
+              <a:t>multilingual</a:t>
+            </a:r>
+            <a:r>
+              <a:rPr lang="nl-BE" dirty="0" smtClean="0"/>
+              <a:t> als </a:t>
+            </a:r>
+            <a:r>
+              <a:rPr lang="nl-BE" dirty="0" err="1" smtClean="0"/>
+              <a:t>multi</a:t>
+            </a:r>
+            <a:r>
+              <a:rPr lang="nl-BE" dirty="0" smtClean="0"/>
+              <a:t> </a:t>
+            </a:r>
+            <a:r>
+              <a:rPr lang="nl-BE" dirty="0" err="1" smtClean="0"/>
+              <a:t>currency</a:t>
+            </a:r>
+            <a:r>
+              <a:rPr lang="nl-BE" dirty="0" smtClean="0"/>
+              <a:t>)</a:t>
+            </a:r>
+            <a:endParaRPr lang="nl-BE" dirty="0"/>
+          </a:p>
+          <a:p>
+            <a:pPr lvl="2"/>
+            <a:endParaRPr lang="nl-BE" dirty="0" smtClean="0"/>
+          </a:p>
+          <a:p>
+            <a:endParaRPr lang="nl-BE" dirty="0"/>
+          </a:p>
+          <a:p>
+            <a:endParaRPr lang="nl-BE" dirty="0" smtClean="0"/>
+          </a:p>
+          <a:p>
+            <a:endParaRPr lang="nl-BE" dirty="0"/>
+          </a:p>
+          <a:p>
+            <a:r>
+              <a:rPr lang="nl-BE" dirty="0" smtClean="0"/>
+              <a:t>Beste = WPML + </a:t>
+            </a:r>
+            <a:r>
+              <a:rPr lang="nl-BE" dirty="0" err="1" smtClean="0"/>
+              <a:t>WooCommerce</a:t>
+            </a:r>
+            <a:r>
+              <a:rPr lang="nl-BE" dirty="0" smtClean="0"/>
+              <a:t> </a:t>
+            </a:r>
+            <a:r>
+              <a:rPr lang="nl-BE" dirty="0" err="1" smtClean="0"/>
+              <a:t>multilingual</a:t>
+            </a:r>
+            <a:r>
+              <a:rPr lang="nl-BE" dirty="0" smtClean="0"/>
+              <a:t> -&gt; maar betalend…</a:t>
+            </a:r>
+          </a:p>
+          <a:p>
+            <a:endParaRPr lang="nl-BE" dirty="0"/>
           </a:p>
         </p:txBody>
       </p:sp>
     </p:spTree>
     <p:extLst>
       <p:ext uri="{BB962C8B-B14F-4D97-AF65-F5344CB8AC3E}">
-        <p14:creationId xmlns:p14="http://schemas.microsoft.com/office/powerpoint/2010/main" val="2263168901"/>
+        <p14:creationId xmlns:p14="http://schemas.microsoft.com/office/powerpoint/2010/main" val="2837343598"/>
       </p:ext>
     </p:extLst>
   </p:cSld>
@@ -9041,7 +9236,23 @@
           <a:bodyPr/>
           <a:lstStyle/>
           <a:p>
-            <a:endParaRPr lang="nl-BE"/>
+            <a:r>
+              <a:rPr lang="nl-BE" dirty="0" err="1" smtClean="0"/>
+              <a:t>Customization</a:t>
+            </a:r>
+            <a:r>
+              <a:rPr lang="nl-BE" dirty="0" smtClean="0"/>
+              <a:t> – </a:t>
+            </a:r>
+            <a:r>
+              <a:rPr lang="nl-BE" dirty="0" err="1" smtClean="0"/>
+              <a:t>multistore</a:t>
+            </a:r>
+            <a:r>
+              <a:rPr lang="nl-BE" dirty="0" smtClean="0"/>
+              <a:t> </a:t>
+            </a:r>
+            <a:endParaRPr lang="nl-BE" dirty="0"/>
           </a:p>
         </p:txBody>
       </p:sp>
@@ -9067,7 +9278,7 @@
     </p:spTree>
     <p:extLst>
       <p:ext uri="{BB962C8B-B14F-4D97-AF65-F5344CB8AC3E}">
-        <p14:creationId xmlns:p14="http://schemas.microsoft.com/office/powerpoint/2010/main" val="2914578156"/>
+        <p14:creationId xmlns:p14="http://schemas.microsoft.com/office/powerpoint/2010/main" val="3046422624"/>
       </p:ext>
     </p:extLst>
   </p:cSld>
@@ -9117,12 +9328,20 @@
           <a:lstStyle/>
           <a:p>
             <a:r>
-              <a:rPr lang="nl-BE" dirty="0" smtClean="0"/>
-              <a:t>Nadelen van </a:t>
-            </a:r>
-            <a:r>
               <a:rPr lang="nl-BE" dirty="0" err="1" smtClean="0"/>
-              <a:t>WooCommerce</a:t>
+              <a:t>Customization</a:t>
+            </a:r>
+            <a:r>
+              <a:rPr lang="nl-BE" dirty="0" smtClean="0"/>
+              <a:t> – </a:t>
+            </a:r>
+            <a:r>
+              <a:rPr lang="nl-BE" dirty="0" err="1" smtClean="0"/>
+              <a:t>payment</a:t>
+            </a:r>
+            <a:r>
+              <a:rPr lang="nl-BE" dirty="0" smtClean="0"/>
+              <a:t> systems</a:t>
             </a:r>
             <a:endParaRPr lang="nl-BE" dirty="0"/>
           </a:p>
@@ -9143,26 +9362,14 @@
           <a:bodyPr/>
           <a:lstStyle/>
           <a:p>
-            <a:r>
-              <a:rPr lang="nl-BE" dirty="0" smtClean="0"/>
-              <a:t>Nieuwe orders krijgen geen label (in tegenstelling tot </a:t>
-            </a:r>
-            <a:r>
-              <a:rPr lang="nl-BE" dirty="0" err="1" smtClean="0"/>
-              <a:t>comments</a:t>
-            </a:r>
-            <a:r>
-              <a:rPr lang="nl-BE" dirty="0" smtClean="0"/>
-              <a:t> (reviews))</a:t>
-            </a:r>
-            <a:endParaRPr lang="nl-BE" dirty="0"/>
+            <a:endParaRPr lang="nl-BE"/>
           </a:p>
         </p:txBody>
       </p:sp>
     </p:spTree>
     <p:extLst>
       <p:ext uri="{BB962C8B-B14F-4D97-AF65-F5344CB8AC3E}">
-        <p14:creationId xmlns:p14="http://schemas.microsoft.com/office/powerpoint/2010/main" val="1303247504"/>
+        <p14:creationId xmlns:p14="http://schemas.microsoft.com/office/powerpoint/2010/main" val="2263168901"/>
       </p:ext>
     </p:extLst>
   </p:cSld>
@@ -9211,27 +9418,7 @@
           <a:bodyPr/>
           <a:lstStyle/>
           <a:p>
-            <a:r>
-              <a:rPr lang="nl-BE" dirty="0" smtClean="0"/>
-              <a:t>Nice </a:t>
-            </a:r>
-            <a:r>
-              <a:rPr lang="nl-BE" dirty="0" err="1" smtClean="0"/>
-              <a:t>to</a:t>
-            </a:r>
-            <a:r>
-              <a:rPr lang="nl-BE" dirty="0" smtClean="0"/>
-              <a:t> </a:t>
-            </a:r>
-            <a:r>
-              <a:rPr lang="nl-BE" dirty="0" err="1" smtClean="0"/>
-              <a:t>knows</a:t>
-            </a:r>
-            <a:r>
-              <a:rPr lang="nl-BE" dirty="0" smtClean="0"/>
-              <a:t> (niet uitgeprobeerd)</a:t>
-            </a:r>
-            <a:endParaRPr lang="nl-BE" dirty="0"/>
+            <a:endParaRPr lang="nl-BE"/>
           </a:p>
         </p:txBody>
       </p:sp>
@@ -9245,62 +9432,19 @@
             <p:ph idx="1"/>
           </p:nvPr>
         </p:nvSpPr>
-        <p:spPr>
-          <a:xfrm>
-            <a:off x="677333" y="2160589"/>
-            <a:ext cx="10480193" cy="3880773"/>
-          </a:xfrm>
-        </p:spPr>
+        <p:spPr/>
         <p:txBody>
           <a:bodyPr/>
           <a:lstStyle/>
           <a:p>
-            <a:r>
-              <a:rPr lang="nl-BE" dirty="0" err="1" smtClean="0"/>
-              <a:t>WooCommerce</a:t>
-            </a:r>
-            <a:r>
-              <a:rPr lang="nl-BE" dirty="0" smtClean="0"/>
-              <a:t> </a:t>
-            </a:r>
-            <a:r>
-              <a:rPr lang="nl-BE" dirty="0" err="1" smtClean="0"/>
-              <a:t>Stripe</a:t>
-            </a:r>
-            <a:r>
-              <a:rPr lang="nl-BE" dirty="0" smtClean="0"/>
-              <a:t> om online betalingen te verwerken = gratis (maar SSL certificaat vereist)</a:t>
-            </a:r>
-          </a:p>
-          <a:p>
-            <a:r>
-              <a:rPr lang="nl-BE" dirty="0" smtClean="0"/>
-              <a:t>WPML (</a:t>
-            </a:r>
-            <a:r>
-              <a:rPr lang="nl-BE" dirty="0" err="1" smtClean="0"/>
-              <a:t>WordPress</a:t>
-            </a:r>
-            <a:r>
-              <a:rPr lang="nl-BE" dirty="0" smtClean="0"/>
-              <a:t> </a:t>
-            </a:r>
-            <a:r>
-              <a:rPr lang="nl-BE" dirty="0" err="1" smtClean="0"/>
-              <a:t>Multilingual</a:t>
-            </a:r>
-            <a:r>
-              <a:rPr lang="nl-BE" dirty="0" smtClean="0"/>
-              <a:t>)</a:t>
-            </a:r>
-            <a:endParaRPr lang="nl-BE" dirty="0"/>
+            <a:endParaRPr lang="nl-BE"/>
           </a:p>
         </p:txBody>
       </p:sp>
     </p:spTree>
     <p:extLst>
       <p:ext uri="{BB962C8B-B14F-4D97-AF65-F5344CB8AC3E}">
-        <p14:creationId xmlns:p14="http://schemas.microsoft.com/office/powerpoint/2010/main" val="197106883"/>
+        <p14:creationId xmlns:p14="http://schemas.microsoft.com/office/powerpoint/2010/main" val="2914578156"/>
       </p:ext>
     </p:extLst>
   </p:cSld>
@@ -9351,7 +9495,11 @@
           <a:p>
             <a:r>
               <a:rPr lang="nl-BE" dirty="0" smtClean="0"/>
-              <a:t>Misschien nog te bespreken</a:t>
+              <a:t>Nadelen van </a:t>
+            </a:r>
+            <a:r>
+              <a:rPr lang="nl-BE" dirty="0" err="1" smtClean="0"/>
+              <a:t>WooCommerce</a:t>
             </a:r>
             <a:endParaRPr lang="nl-BE" dirty="0"/>
           </a:p>
@@ -9373,121 +9521,16 @@
           <a:lstStyle/>
           <a:p>
             <a:r>
+              <a:rPr lang="nl-BE" dirty="0" smtClean="0"/>
+              <a:t>Nieuwe orders krijgen geen label (in tegenstelling tot </a:t>
+            </a:r>
+            <a:r>
               <a:rPr lang="nl-BE" dirty="0" err="1" smtClean="0"/>
-              <a:t>Taxes</a:t>
-            </a:r>
-            <a:endParaRPr lang="nl-BE" dirty="0" smtClean="0"/>
-          </a:p>
-          <a:p>
-            <a:r>
-              <a:rPr lang="nl-BE" dirty="0" err="1" smtClean="0"/>
-              <a:t>Shipping</a:t>
-            </a:r>
-            <a:r>
-              <a:rPr lang="nl-BE" dirty="0" smtClean="0"/>
-              <a:t> classes</a:t>
-            </a:r>
-          </a:p>
-          <a:p>
-            <a:r>
-              <a:rPr lang="nl-BE" dirty="0" smtClean="0"/>
-              <a:t>Import product images </a:t>
-            </a:r>
-            <a:r>
-              <a:rPr lang="nl-BE" dirty="0" err="1" smtClean="0"/>
-              <a:t>from</a:t>
-            </a:r>
-            <a:r>
-              <a:rPr lang="nl-BE" dirty="0" smtClean="0"/>
-              <a:t> computer </a:t>
-            </a:r>
-            <a:r>
-              <a:rPr lang="nl-BE" dirty="0" err="1" smtClean="0"/>
-              <a:t>location</a:t>
-            </a:r>
-            <a:endParaRPr lang="nl-BE" dirty="0"/>
-          </a:p>
-          <a:p>
-            <a:endParaRPr lang="nl-BE" dirty="0" smtClean="0"/>
-          </a:p>
-          <a:p>
-            <a:r>
-              <a:rPr lang="nl-BE" dirty="0" err="1" smtClean="0"/>
-              <a:t>Remove</a:t>
-            </a:r>
-            <a:r>
-              <a:rPr lang="nl-BE" dirty="0" smtClean="0"/>
-              <a:t> automatic </a:t>
-            </a:r>
-            <a:r>
-              <a:rPr lang="nl-BE" dirty="0" err="1" smtClean="0"/>
-              <a:t>related</a:t>
-            </a:r>
-            <a:r>
-              <a:rPr lang="nl-BE" dirty="0" smtClean="0"/>
-              <a:t> </a:t>
-            </a:r>
-            <a:r>
-              <a:rPr lang="nl-BE" dirty="0" err="1" smtClean="0"/>
-              <a:t>products</a:t>
-            </a:r>
-            <a:r>
-              <a:rPr lang="nl-BE" dirty="0"/>
-              <a:t> (</a:t>
-            </a:r>
-            <a:r>
-              <a:rPr lang="nl-BE" dirty="0">
-                <a:hlinkClick r:id="rId2"/>
-              </a:rPr>
-              <a:t>https://docs.woocommerce.com/document/remove-related-posts-output</a:t>
-            </a:r>
-            <a:r>
-              <a:rPr lang="nl-BE" dirty="0" smtClean="0">
-                <a:hlinkClick r:id="rId2"/>
-              </a:rPr>
-              <a:t>/</a:t>
-            </a:r>
-            <a:r>
-              <a:rPr lang="nl-BE" dirty="0" smtClean="0"/>
-              <a:t>)</a:t>
-            </a:r>
-          </a:p>
-          <a:p>
-            <a:r>
-              <a:rPr lang="nl-BE" dirty="0" smtClean="0"/>
-              <a:t>Tags</a:t>
-            </a:r>
-          </a:p>
-          <a:p>
-            <a:r>
-              <a:rPr lang="nl-BE" dirty="0" err="1" smtClean="0"/>
-              <a:t>Logout</a:t>
-            </a:r>
-            <a:r>
-              <a:rPr lang="nl-BE" dirty="0" smtClean="0"/>
-              <a:t> button </a:t>
-            </a:r>
-            <a:r>
-              <a:rPr lang="nl-BE" dirty="0" err="1" smtClean="0"/>
-              <a:t>rechtsbovenaan</a:t>
-            </a:r>
-            <a:r>
-              <a:rPr lang="nl-BE" dirty="0" smtClean="0"/>
-              <a:t> &gt; ok</a:t>
-            </a:r>
-          </a:p>
-          <a:p>
-            <a:r>
-              <a:rPr lang="nl-BE" dirty="0" smtClean="0"/>
-              <a:t>Order van </a:t>
-            </a:r>
-            <a:r>
-              <a:rPr lang="nl-BE" dirty="0" err="1" smtClean="0"/>
-              <a:t>downloadable</a:t>
-            </a:r>
-            <a:r>
-              <a:rPr lang="nl-BE" dirty="0" smtClean="0"/>
-              <a:t> product afhandelen</a:t>
+              <a:t>comments</a:t>
+            </a:r>
+            <a:r>
+              <a:rPr lang="nl-BE" dirty="0" smtClean="0"/>
+              <a:t> (reviews))</a:t>
             </a:r>
             <a:endParaRPr lang="nl-BE" dirty="0"/>
           </a:p>
@@ -9496,7 +9539,7 @@
     </p:spTree>
     <p:extLst>
       <p:ext uri="{BB962C8B-B14F-4D97-AF65-F5344CB8AC3E}">
-        <p14:creationId xmlns:p14="http://schemas.microsoft.com/office/powerpoint/2010/main" val="3901404828"/>
+        <p14:creationId xmlns:p14="http://schemas.microsoft.com/office/powerpoint/2010/main" val="1303247504"/>
       </p:ext>
     </p:extLst>
   </p:cSld>
@@ -9545,7 +9588,27 @@
           <a:bodyPr/>
           <a:lstStyle/>
           <a:p>
-            <a:endParaRPr lang="nl-BE"/>
+            <a:r>
+              <a:rPr lang="nl-BE" dirty="0" smtClean="0"/>
+              <a:t>Nice </a:t>
+            </a:r>
+            <a:r>
+              <a:rPr lang="nl-BE" dirty="0" err="1" smtClean="0"/>
+              <a:t>to</a:t>
+            </a:r>
+            <a:r>
+              <a:rPr lang="nl-BE" dirty="0" smtClean="0"/>
+              <a:t> </a:t>
+            </a:r>
+            <a:r>
+              <a:rPr lang="nl-BE" dirty="0" err="1" smtClean="0"/>
+              <a:t>knows</a:t>
+            </a:r>
+            <a:r>
+              <a:rPr lang="nl-BE" dirty="0" smtClean="0"/>
+              <a:t> (niet uitgeprobeerd)</a:t>
+            </a:r>
+            <a:endParaRPr lang="nl-BE" dirty="0"/>
           </a:p>
         </p:txBody>
       </p:sp>
@@ -9559,19 +9622,62 @@
             <p:ph idx="1"/>
           </p:nvPr>
         </p:nvSpPr>
-        <p:spPr/>
+        <p:spPr>
+          <a:xfrm>
+            <a:off x="677333" y="2160589"/>
+            <a:ext cx="10480193" cy="3880773"/>
+          </a:xfrm>
+        </p:spPr>
         <p:txBody>
           <a:bodyPr/>
           <a:lstStyle/>
           <a:p>
-            <a:endParaRPr lang="nl-BE"/>
+            <a:r>
+              <a:rPr lang="nl-BE" dirty="0" err="1" smtClean="0"/>
+              <a:t>WooCommerce</a:t>
+            </a:r>
+            <a:r>
+              <a:rPr lang="nl-BE" dirty="0" smtClean="0"/>
+              <a:t> </a:t>
+            </a:r>
+            <a:r>
+              <a:rPr lang="nl-BE" dirty="0" err="1" smtClean="0"/>
+              <a:t>Stripe</a:t>
+            </a:r>
+            <a:r>
+              <a:rPr lang="nl-BE" dirty="0" smtClean="0"/>
+              <a:t> om online betalingen te verwerken = gratis (maar SSL certificaat vereist)</a:t>
+            </a:r>
+          </a:p>
+          <a:p>
+            <a:r>
+              <a:rPr lang="nl-BE" dirty="0" smtClean="0"/>
+              <a:t>WPML (</a:t>
+            </a:r>
+            <a:r>
+              <a:rPr lang="nl-BE" dirty="0" err="1" smtClean="0"/>
+              <a:t>WordPress</a:t>
+            </a:r>
+            <a:r>
+              <a:rPr lang="nl-BE" dirty="0" smtClean="0"/>
+              <a:t> </a:t>
+            </a:r>
+            <a:r>
+              <a:rPr lang="nl-BE" dirty="0" err="1" smtClean="0"/>
+              <a:t>Multilingual</a:t>
+            </a:r>
+            <a:r>
+              <a:rPr lang="nl-BE" dirty="0" smtClean="0"/>
+              <a:t>)</a:t>
+            </a:r>
+            <a:endParaRPr lang="nl-BE" dirty="0"/>
           </a:p>
         </p:txBody>
       </p:sp>
     </p:spTree>
     <p:extLst>
       <p:ext uri="{BB962C8B-B14F-4D97-AF65-F5344CB8AC3E}">
-        <p14:creationId xmlns:p14="http://schemas.microsoft.com/office/powerpoint/2010/main" val="2624506105"/>
+        <p14:creationId xmlns:p14="http://schemas.microsoft.com/office/powerpoint/2010/main" val="197106883"/>
       </p:ext>
     </p:extLst>
   </p:cSld>
@@ -9620,7 +9726,11 @@
           <a:bodyPr/>
           <a:lstStyle/>
           <a:p>
-            <a:endParaRPr lang="nl-BE"/>
+            <a:r>
+              <a:rPr lang="nl-BE" dirty="0" smtClean="0"/>
+              <a:t>Misschien nog te bespreken</a:t>
+            </a:r>
+            <a:endParaRPr lang="nl-BE" dirty="0"/>
           </a:p>
         </p:txBody>
       </p:sp>
@@ -9640,55 +9750,122 @@
           <a:lstStyle/>
           <a:p>
             <a:r>
-              <a:rPr lang="nl-BE" dirty="0" smtClean="0"/>
-              <a:t>Als je de weergave van je shop homepagina wil aanpassen:</a:t>
-            </a:r>
-          </a:p>
-          <a:p>
-            <a:pPr lvl="1"/>
-            <a:r>
               <a:rPr lang="nl-BE" dirty="0" err="1" smtClean="0"/>
-              <a:t>Woocommerce</a:t>
-            </a:r>
-            <a:r>
-              <a:rPr lang="nl-BE" dirty="0" smtClean="0"/>
-              <a:t> &gt; </a:t>
-            </a:r>
+              <a:t>Taxes</a:t>
+            </a:r>
+            <a:endParaRPr lang="nl-BE" dirty="0" smtClean="0"/>
+          </a:p>
+          <a:p>
             <a:r>
               <a:rPr lang="nl-BE" dirty="0" err="1" smtClean="0"/>
-              <a:t>settings</a:t>
-            </a:r>
-            <a:r>
-              <a:rPr lang="nl-BE" dirty="0" smtClean="0"/>
-              <a:t> &gt; </a:t>
+              <a:t>Shipping</a:t>
+            </a:r>
+            <a:r>
+              <a:rPr lang="nl-BE" dirty="0" smtClean="0"/>
+              <a:t> classes</a:t>
+            </a:r>
+          </a:p>
+          <a:p>
+            <a:r>
+              <a:rPr lang="nl-BE" dirty="0" smtClean="0"/>
+              <a:t>Import product images </a:t>
+            </a:r>
+            <a:r>
+              <a:rPr lang="nl-BE" dirty="0" err="1" smtClean="0"/>
+              <a:t>from</a:t>
+            </a:r>
+            <a:r>
+              <a:rPr lang="nl-BE" dirty="0" smtClean="0"/>
+              <a:t> computer </a:t>
+            </a:r>
+            <a:r>
+              <a:rPr lang="nl-BE" dirty="0" err="1" smtClean="0"/>
+              <a:t>location</a:t>
+            </a:r>
+            <a:endParaRPr lang="nl-BE" dirty="0"/>
+          </a:p>
+          <a:p>
+            <a:endParaRPr lang="nl-BE" dirty="0" smtClean="0"/>
+          </a:p>
+          <a:p>
+            <a:r>
+              <a:rPr lang="nl-BE" dirty="0" err="1" smtClean="0"/>
+              <a:t>Remove</a:t>
+            </a:r>
+            <a:r>
+              <a:rPr lang="nl-BE" dirty="0" smtClean="0"/>
+              <a:t> automatic </a:t>
+            </a:r>
+            <a:r>
+              <a:rPr lang="nl-BE" dirty="0" err="1" smtClean="0"/>
+              <a:t>related</a:t>
+            </a:r>
+            <a:r>
+              <a:rPr lang="nl-BE" dirty="0" smtClean="0"/>
+              <a:t> </a:t>
             </a:r>
             <a:r>
               <a:rPr lang="nl-BE" dirty="0" err="1" smtClean="0"/>
               <a:t>products</a:t>
             </a:r>
             <a:r>
-              <a:rPr lang="nl-BE" dirty="0" smtClean="0"/>
-              <a:t> &gt; display</a:t>
-            </a:r>
-          </a:p>
-          <a:p>
-            <a:endParaRPr lang="nl-BE" dirty="0"/>
-          </a:p>
-          <a:p>
-            <a:r>
-              <a:rPr lang="nl-BE" dirty="0" smtClean="0"/>
-              <a:t>Tags instellen om producten </a:t>
-            </a:r>
+              <a:rPr lang="nl-BE" dirty="0"/>
+              <a:t> (</a:t>
+            </a:r>
+            <a:r>
+              <a:rPr lang="nl-BE" dirty="0">
+                <a:hlinkClick r:id="rId2"/>
+              </a:rPr>
+              <a:t>https://docs.woocommerce.com/document/remove-related-posts-output</a:t>
+            </a:r>
+            <a:r>
+              <a:rPr lang="nl-BE" dirty="0" smtClean="0">
+                <a:hlinkClick r:id="rId2"/>
+              </a:rPr>
+              <a:t>/</a:t>
+            </a:r>
+            <a:r>
+              <a:rPr lang="nl-BE" dirty="0" smtClean="0"/>
+              <a:t>)</a:t>
+            </a:r>
+          </a:p>
+          <a:p>
+            <a:r>
+              <a:rPr lang="nl-BE" dirty="0" smtClean="0"/>
+              <a:t>Tags</a:t>
+            </a:r>
+          </a:p>
+          <a:p>
             <a:r>
               <a:rPr lang="nl-BE" dirty="0" err="1" smtClean="0"/>
-              <a:t>zoekbaar</a:t>
-            </a:r>
-            <a:r>
-              <a:rPr lang="nl-BE" dirty="0" smtClean="0"/>
-              <a:t> te maken</a:t>
-            </a:r>
-          </a:p>
-          <a:p>
+              <a:t>Logout</a:t>
+            </a:r>
+            <a:r>
+              <a:rPr lang="nl-BE" dirty="0" smtClean="0"/>
+              <a:t> button </a:t>
+            </a:r>
+            <a:r>
+              <a:rPr lang="nl-BE" dirty="0" err="1" smtClean="0"/>
+              <a:t>rechtsbovenaan</a:t>
+            </a:r>
+            <a:r>
+              <a:rPr lang="nl-BE" dirty="0" smtClean="0"/>
+              <a:t> &gt; ok</a:t>
+            </a:r>
+          </a:p>
+          <a:p>
+            <a:r>
+              <a:rPr lang="nl-BE" dirty="0" smtClean="0"/>
+              <a:t>Order van </a:t>
+            </a:r>
+            <a:r>
+              <a:rPr lang="nl-BE" dirty="0" err="1" smtClean="0"/>
+              <a:t>downloadable</a:t>
+            </a:r>
+            <a:r>
+              <a:rPr lang="nl-BE" dirty="0" smtClean="0"/>
+              <a:t> product afhandelen</a:t>
+            </a:r>
             <a:endParaRPr lang="nl-BE" dirty="0"/>
           </a:p>
         </p:txBody>
@@ -9696,7 +9873,7 @@
     </p:spTree>
     <p:extLst>
       <p:ext uri="{BB962C8B-B14F-4D97-AF65-F5344CB8AC3E}">
-        <p14:creationId xmlns:p14="http://schemas.microsoft.com/office/powerpoint/2010/main" val="704007822"/>
+        <p14:creationId xmlns:p14="http://schemas.microsoft.com/office/powerpoint/2010/main" val="3901404828"/>
       </p:ext>
     </p:extLst>
   </p:cSld>
@@ -9900,6 +10077,206 @@
     </p:spTree>
     <p:extLst>
       <p:ext uri="{BB962C8B-B14F-4D97-AF65-F5344CB8AC3E}">
+        <p14:creationId xmlns:p14="http://schemas.microsoft.com/office/powerpoint/2010/main" val="2624506105"/>
+      </p:ext>
+    </p:extLst>
+  </p:cSld>
+  <p:clrMapOvr>
+    <a:masterClrMapping/>
+  </p:clrMapOvr>
+  <p:timing>
+    <p:tnLst>
+      <p:par>
+        <p:cTn id="1" dur="indefinite" restart="never" nodeType="tmRoot"/>
+      </p:par>
+    </p:tnLst>
+  </p:timing>
+</p:sld>
+</file>
+
+<file path=ppt/slides/slide31.xml><?xml version="1.0" encoding="utf-8"?>
+<p:sld xmlns:a="http://schemas.openxmlformats.org/drawingml/2006/main" xmlns:r="http://schemas.openxmlformats.org/officeDocument/2006/relationships" xmlns:p="http://schemas.openxmlformats.org/presentationml/2006/main">
+  <p:cSld>
+    <p:spTree>
+      <p:nvGrpSpPr>
+        <p:cNvPr id="1" name=""/>
+        <p:cNvGrpSpPr/>
+        <p:nvPr/>
+      </p:nvGrpSpPr>
+      <p:grpSpPr>
+        <a:xfrm>
+          <a:off x="0" y="0"/>
+          <a:ext cx="0" cy="0"/>
+          <a:chOff x="0" y="0"/>
+          <a:chExt cx="0" cy="0"/>
+        </a:xfrm>
+      </p:grpSpPr>
+      <p:sp>
+        <p:nvSpPr>
+          <p:cNvPr id="2" name="Titel 1"/>
+          <p:cNvSpPr>
+            <a:spLocks noGrp="1"/>
+          </p:cNvSpPr>
+          <p:nvPr>
+            <p:ph type="title"/>
+          </p:nvPr>
+        </p:nvSpPr>
+        <p:spPr/>
+        <p:txBody>
+          <a:bodyPr/>
+          <a:lstStyle/>
+          <a:p>
+            <a:endParaRPr lang="nl-BE"/>
+          </a:p>
+        </p:txBody>
+      </p:sp>
+      <p:sp>
+        <p:nvSpPr>
+          <p:cNvPr id="3" name="Tijdelijke aanduiding voor inhoud 2"/>
+          <p:cNvSpPr>
+            <a:spLocks noGrp="1"/>
+          </p:cNvSpPr>
+          <p:nvPr>
+            <p:ph idx="1"/>
+          </p:nvPr>
+        </p:nvSpPr>
+        <p:spPr/>
+        <p:txBody>
+          <a:bodyPr/>
+          <a:lstStyle/>
+          <a:p>
+            <a:r>
+              <a:rPr lang="nl-BE" dirty="0" smtClean="0"/>
+              <a:t>Als je de weergave van je shop homepagina wil aanpassen:</a:t>
+            </a:r>
+          </a:p>
+          <a:p>
+            <a:pPr lvl="1"/>
+            <a:r>
+              <a:rPr lang="nl-BE" dirty="0" err="1" smtClean="0"/>
+              <a:t>Woocommerce</a:t>
+            </a:r>
+            <a:r>
+              <a:rPr lang="nl-BE" dirty="0" smtClean="0"/>
+              <a:t> &gt; </a:t>
+            </a:r>
+            <a:r>
+              <a:rPr lang="nl-BE" dirty="0" err="1" smtClean="0"/>
+              <a:t>settings</a:t>
+            </a:r>
+            <a:r>
+              <a:rPr lang="nl-BE" dirty="0" smtClean="0"/>
+              <a:t> &gt; </a:t>
+            </a:r>
+            <a:r>
+              <a:rPr lang="nl-BE" dirty="0" err="1" smtClean="0"/>
+              <a:t>products</a:t>
+            </a:r>
+            <a:r>
+              <a:rPr lang="nl-BE" dirty="0" smtClean="0"/>
+              <a:t> &gt; display</a:t>
+            </a:r>
+          </a:p>
+          <a:p>
+            <a:endParaRPr lang="nl-BE" dirty="0"/>
+          </a:p>
+          <a:p>
+            <a:r>
+              <a:rPr lang="nl-BE" dirty="0" smtClean="0"/>
+              <a:t>Tags instellen om producten </a:t>
+            </a:r>
+            <a:r>
+              <a:rPr lang="nl-BE" dirty="0" err="1" smtClean="0"/>
+              <a:t>zoekbaar</a:t>
+            </a:r>
+            <a:r>
+              <a:rPr lang="nl-BE" dirty="0" smtClean="0"/>
+              <a:t> te maken</a:t>
+            </a:r>
+          </a:p>
+          <a:p>
+            <a:endParaRPr lang="nl-BE" dirty="0"/>
+          </a:p>
+        </p:txBody>
+      </p:sp>
+    </p:spTree>
+    <p:extLst>
+      <p:ext uri="{BB962C8B-B14F-4D97-AF65-F5344CB8AC3E}">
+        <p14:creationId xmlns:p14="http://schemas.microsoft.com/office/powerpoint/2010/main" val="704007822"/>
+      </p:ext>
+    </p:extLst>
+  </p:cSld>
+  <p:clrMapOvr>
+    <a:masterClrMapping/>
+  </p:clrMapOvr>
+  <p:timing>
+    <p:tnLst>
+      <p:par>
+        <p:cTn id="1" dur="indefinite" restart="never" nodeType="tmRoot"/>
+      </p:par>
+    </p:tnLst>
+  </p:timing>
+</p:sld>
+</file>
+
+<file path=ppt/slides/slide32.xml><?xml version="1.0" encoding="utf-8"?>
+<p:sld xmlns:a="http://schemas.openxmlformats.org/drawingml/2006/main" xmlns:r="http://schemas.openxmlformats.org/officeDocument/2006/relationships" xmlns:p="http://schemas.openxmlformats.org/presentationml/2006/main">
+  <p:cSld>
+    <p:spTree>
+      <p:nvGrpSpPr>
+        <p:cNvPr id="1" name=""/>
+        <p:cNvGrpSpPr/>
+        <p:nvPr/>
+      </p:nvGrpSpPr>
+      <p:grpSpPr>
+        <a:xfrm>
+          <a:off x="0" y="0"/>
+          <a:ext cx="0" cy="0"/>
+          <a:chOff x="0" y="0"/>
+          <a:chExt cx="0" cy="0"/>
+        </a:xfrm>
+      </p:grpSpPr>
+      <p:sp>
+        <p:nvSpPr>
+          <p:cNvPr id="2" name="Titel 1"/>
+          <p:cNvSpPr>
+            <a:spLocks noGrp="1"/>
+          </p:cNvSpPr>
+          <p:nvPr>
+            <p:ph type="title"/>
+          </p:nvPr>
+        </p:nvSpPr>
+        <p:spPr/>
+        <p:txBody>
+          <a:bodyPr/>
+          <a:lstStyle/>
+          <a:p>
+            <a:endParaRPr lang="nl-BE"/>
+          </a:p>
+        </p:txBody>
+      </p:sp>
+      <p:sp>
+        <p:nvSpPr>
+          <p:cNvPr id="3" name="Tijdelijke aanduiding voor inhoud 2"/>
+          <p:cNvSpPr>
+            <a:spLocks noGrp="1"/>
+          </p:cNvSpPr>
+          <p:nvPr>
+            <p:ph idx="1"/>
+          </p:nvPr>
+        </p:nvSpPr>
+        <p:spPr/>
+        <p:txBody>
+          <a:bodyPr/>
+          <a:lstStyle/>
+          <a:p>
+            <a:endParaRPr lang="nl-BE"/>
+          </a:p>
+        </p:txBody>
+      </p:sp>
+    </p:spTree>
+    <p:extLst>
+      <p:ext uri="{BB962C8B-B14F-4D97-AF65-F5344CB8AC3E}">
         <p14:creationId xmlns:p14="http://schemas.microsoft.com/office/powerpoint/2010/main" val="3240805425"/>
       </p:ext>
     </p:extLst>
@@ -9917,7 +10294,7 @@
 </p:sld>
 </file>
 
-<file path=ppt/slides/slide31.xml><?xml version="1.0" encoding="utf-8"?>
+<file path=ppt/slides/slide33.xml><?xml version="1.0" encoding="utf-8"?>
 <p:sld xmlns:a="http://schemas.openxmlformats.org/drawingml/2006/main" xmlns:r="http://schemas.openxmlformats.org/officeDocument/2006/relationships" xmlns:p="http://schemas.openxmlformats.org/presentationml/2006/main">
   <p:cSld>
     <p:spTree>
@@ -11035,11 +11412,7 @@
             </a:r>
             <a:r>
               <a:rPr lang="nl-BE" dirty="0" smtClean="0"/>
-              <a:t> Storefront</a:t>
-            </a:r>
-            <a:r>
-              <a:rPr lang="nl-BE" dirty="0" smtClean="0"/>
-              <a:t>)</a:t>
+              <a:t> Storefront)</a:t>
             </a:r>
           </a:p>
           <a:p>
@@ -11446,6 +11819,20 @@
             <a:endParaRPr lang="nl-BE" dirty="0"/>
           </a:p>
           <a:p>
+            <a:pPr lvl="1"/>
+            <a:r>
+              <a:rPr lang="nl-BE" dirty="0" smtClean="0"/>
+              <a:t>Als je deze niet te zien krijgt </a:t>
+            </a:r>
+            <a:r>
+              <a:rPr lang="nl-BE" dirty="0" smtClean="0">
+                <a:sym typeface="Wingdings" panose="05000000000000000000" pitchFamily="2" charset="2"/>
+              </a:rPr>
+              <a:t> rechtsboven  screen options!</a:t>
+            </a:r>
+            <a:endParaRPr lang="nl-BE" dirty="0" smtClean="0"/>
+          </a:p>
+          <a:p>
             <a:endParaRPr lang="nl-BE" dirty="0" smtClean="0"/>
           </a:p>
           <a:p>
@@ -11472,7 +11859,7 @@
         </p:blipFill>
         <p:spPr>
           <a:xfrm>
-            <a:off x="1048108" y="2578361"/>
+            <a:off x="1020398" y="2881820"/>
             <a:ext cx="6604000" cy="3679276"/>
           </a:xfrm>
           <a:prstGeom prst="rect">
@@ -11496,7 +11883,7 @@
         </p:blipFill>
         <p:spPr>
           <a:xfrm>
-            <a:off x="1048108" y="2578361"/>
+            <a:off x="1020398" y="2881820"/>
             <a:ext cx="6195336" cy="3872085"/>
           </a:xfrm>
           <a:prstGeom prst="rect">
@@ -12002,6 +12389,49 @@
                                   </p:childTnLst>
                                 </p:cTn>
                               </p:par>
+                              <p:par>
+                                <p:cTn id="41" presetID="10" presetClass="entr" presetSubtype="0" fill="hold" grpId="0" nodeType="withEffect">
+                                  <p:stCondLst>
+                                    <p:cond delay="0"/>
+                                  </p:stCondLst>
+                                  <p:childTnLst>
+                                    <p:set>
+                                      <p:cBhvr>
+                                        <p:cTn id="42" dur="1" fill="hold">
+                                          <p:stCondLst>
+                                            <p:cond delay="0"/>
+                                          </p:stCondLst>
+                                        </p:cTn>
+                                        <p:tgtEl>
+                                          <p:spTgt spid="3">
+                                            <p:txEl>
+                                              <p:pRg st="8" end="8"/>
+                                            </p:txEl>
+                                          </p:spTgt>
+                                        </p:tgtEl>
+                                        <p:attrNameLst>
+                                          <p:attrName>style.visibility</p:attrName>
+                                        </p:attrNameLst>
+                                      </p:cBhvr>
+                                      <p:to>
+                                        <p:strVal val="visible"/>
+                                      </p:to>
+                                    </p:set>
+                                    <p:animEffect transition="in" filter="fade">
+                                      <p:cBhvr>
+                                        <p:cTn id="43" dur="500"/>
+                                        <p:tgtEl>
+                                          <p:spTgt spid="3">
+                                            <p:txEl>
+                                              <p:pRg st="8" end="8"/>
+                                            </p:txEl>
+                                          </p:spTgt>
+                                        </p:tgtEl>
+                                      </p:cBhvr>
+                                    </p:animEffect>
+                                  </p:childTnLst>
+                                </p:cTn>
+                              </p:par>
                             </p:childTnLst>
                           </p:cTn>
                         </p:par>
@@ -12009,26 +12439,26 @@
                     </p:cTn>
                   </p:par>
                   <p:par>
-                    <p:cTn id="41" fill="hold">
+                    <p:cTn id="44" fill="hold">
                       <p:stCondLst>
                         <p:cond delay="indefinite"/>
                       </p:stCondLst>
                       <p:childTnLst>
                         <p:par>
-                          <p:cTn id="42" fill="hold">
+                          <p:cTn id="45" fill="hold">
                             <p:stCondLst>
                               <p:cond delay="0"/>
                             </p:stCondLst>
                             <p:childTnLst>
                               <p:par>
-                                <p:cTn id="43" presetID="10" presetClass="entr" presetSubtype="0" fill="hold" nodeType="clickEffect">
+                                <p:cTn id="46" presetID="10" presetClass="entr" presetSubtype="0" fill="hold" nodeType="clickEffect">
                                   <p:stCondLst>
                                     <p:cond delay="0"/>
                                   </p:stCondLst>
                                   <p:childTnLst>
                                     <p:set>
                                       <p:cBhvr>
-                                        <p:cTn id="44" dur="1" fill="hold">
+                                        <p:cTn id="47" dur="1" fill="hold">
                                           <p:stCondLst>
                                             <p:cond delay="0"/>
                                           </p:stCondLst>
@@ -12046,7 +12476,7 @@
                                     </p:set>
                                     <p:animEffect transition="in" filter="fade">
                                       <p:cBhvr>
-                                        <p:cTn id="45" dur="500"/>
+                                        <p:cTn id="48" dur="500"/>
                                         <p:tgtEl>
                                           <p:spTgt spid="6"/>
                                         </p:tgtEl>

--- a/new_technology/Wordpress - WooCommerce.pptx
+++ b/new_technology/Wordpress - WooCommerce.pptx
@@ -28,15 +28,15 @@
     <p:sldId id="275" r:id="rId19"/>
     <p:sldId id="288" r:id="rId20"/>
     <p:sldId id="287" r:id="rId21"/>
-    <p:sldId id="284" r:id="rId22"/>
-    <p:sldId id="293" r:id="rId23"/>
-    <p:sldId id="276" r:id="rId24"/>
-    <p:sldId id="280" r:id="rId25"/>
-    <p:sldId id="261" r:id="rId26"/>
-    <p:sldId id="289" r:id="rId27"/>
-    <p:sldId id="264" r:id="rId28"/>
-    <p:sldId id="286" r:id="rId29"/>
-    <p:sldId id="283" r:id="rId30"/>
+    <p:sldId id="293" r:id="rId22"/>
+    <p:sldId id="276" r:id="rId23"/>
+    <p:sldId id="280" r:id="rId24"/>
+    <p:sldId id="261" r:id="rId25"/>
+    <p:sldId id="264" r:id="rId26"/>
+    <p:sldId id="286" r:id="rId27"/>
+    <p:sldId id="294" r:id="rId28"/>
+    <p:sldId id="295" r:id="rId29"/>
+    <p:sldId id="296" r:id="rId30"/>
     <p:sldId id="281" r:id="rId31"/>
     <p:sldId id="282" r:id="rId32"/>
     <p:sldId id="268" r:id="rId33"/>
@@ -230,7 +230,7 @@
           <a:p>
             <a:fld id="{30EE4EB7-2E26-49B8-8006-3D54FC956F81}" type="datetimeFigureOut">
               <a:rPr lang="nl-BE" smtClean="0"/>
-              <a:t>9/11/2016</a:t>
+              <a:t>10/11/2016</a:t>
             </a:fld>
             <a:endParaRPr lang="nl-BE"/>
           </a:p>
@@ -1386,6 +1386,221 @@
     <p:extLst>
       <p:ext uri="{BB962C8B-B14F-4D97-AF65-F5344CB8AC3E}">
         <p14:creationId xmlns:p14="http://schemas.microsoft.com/office/powerpoint/2010/main" val="4051786237"/>
+      </p:ext>
+    </p:extLst>
+  </p:cSld>
+  <p:clrMapOvr>
+    <a:masterClrMapping/>
+  </p:clrMapOvr>
+</p:notes>
+</file>
+
+<file path=ppt/notesSlides/notesSlide6.xml><?xml version="1.0" encoding="utf-8"?>
+<p:notes xmlns:a="http://schemas.openxmlformats.org/drawingml/2006/main" xmlns:r="http://schemas.openxmlformats.org/officeDocument/2006/relationships" xmlns:p="http://schemas.openxmlformats.org/presentationml/2006/main">
+  <p:cSld>
+    <p:spTree>
+      <p:nvGrpSpPr>
+        <p:cNvPr id="1" name=""/>
+        <p:cNvGrpSpPr/>
+        <p:nvPr/>
+      </p:nvGrpSpPr>
+      <p:grpSpPr>
+        <a:xfrm>
+          <a:off x="0" y="0"/>
+          <a:ext cx="0" cy="0"/>
+          <a:chOff x="0" y="0"/>
+          <a:chExt cx="0" cy="0"/>
+        </a:xfrm>
+      </p:grpSpPr>
+      <p:sp>
+        <p:nvSpPr>
+          <p:cNvPr id="2" name="Tijdelijke aanduiding voor dia-afbeelding 1"/>
+          <p:cNvSpPr>
+            <a:spLocks noGrp="1" noRot="1" noChangeAspect="1"/>
+          </p:cNvSpPr>
+          <p:nvPr>
+            <p:ph type="sldImg"/>
+          </p:nvPr>
+        </p:nvSpPr>
+        <p:spPr/>
+      </p:sp>
+      <p:sp>
+        <p:nvSpPr>
+          <p:cNvPr id="3" name="Tijdelijke aanduiding voor notities 2"/>
+          <p:cNvSpPr>
+            <a:spLocks noGrp="1"/>
+          </p:cNvSpPr>
+          <p:nvPr>
+            <p:ph type="body" idx="1"/>
+          </p:nvPr>
+        </p:nvSpPr>
+        <p:spPr/>
+        <p:txBody>
+          <a:bodyPr/>
+          <a:lstStyle/>
+          <a:p>
+            <a:r>
+              <a:rPr lang="nl-BE" dirty="0" smtClean="0"/>
+              <a:t>Standaard PayPal laat je toe om betalingen via PayPal</a:t>
+            </a:r>
+            <a:r>
+              <a:rPr lang="nl-BE" baseline="0" dirty="0" smtClean="0"/>
+              <a:t> te laten verlopen, dus andere optie dan enkel bankoverschrijving.  Je moet hierbij niet persé een </a:t>
+            </a:r>
+            <a:r>
+              <a:rPr lang="nl-BE" baseline="0" dirty="0" err="1" smtClean="0"/>
+              <a:t>SSl</a:t>
+            </a:r>
+            <a:r>
+              <a:rPr lang="nl-BE" baseline="0" dirty="0" smtClean="0"/>
+              <a:t> certificaat te hebben, omdat dit geregeld wordt bij PayPal zelf.  Wel moet je dus beschikken over een PayPal business account en daar de nodige </a:t>
+            </a:r>
+            <a:r>
+              <a:rPr lang="nl-BE" baseline="0" dirty="0" err="1" smtClean="0"/>
+              <a:t>settings</a:t>
+            </a:r>
+            <a:r>
+              <a:rPr lang="nl-BE" baseline="0" dirty="0" smtClean="0"/>
+              <a:t> aanpassen, zoals beschreven op https://docs.woocommerce.com/document/paypal-standard/</a:t>
+            </a:r>
+          </a:p>
+          <a:p>
+            <a:r>
+              <a:rPr lang="nl-BE" baseline="0" dirty="0" smtClean="0"/>
+              <a:t>Andere (premium) gateways zijn onder andere PayPal </a:t>
+            </a:r>
+            <a:r>
+              <a:rPr lang="nl-BE" baseline="0" dirty="0" err="1" smtClean="0"/>
+              <a:t>braintree</a:t>
+            </a:r>
+            <a:r>
+              <a:rPr lang="nl-BE" baseline="0" dirty="0" smtClean="0"/>
+              <a:t>, waarbij je dus wel ook kaarten kan accepteren, waaronder Visa en Mastercard, maar geen Bancontact.  Hierbij betaal je wel een klein bedrag per transactie.</a:t>
+            </a:r>
+            <a:br>
+              <a:rPr lang="nl-BE" baseline="0" dirty="0" smtClean="0"/>
+            </a:br>
+            <a:r>
+              <a:rPr lang="nl-BE" baseline="0" dirty="0" smtClean="0"/>
+              <a:t>Daarnaast heb je ook </a:t>
+            </a:r>
+            <a:r>
+              <a:rPr lang="nl-BE" baseline="0" dirty="0" err="1" smtClean="0"/>
+              <a:t>Stripe</a:t>
+            </a:r>
+            <a:r>
+              <a:rPr lang="nl-BE" baseline="0" dirty="0" smtClean="0"/>
+              <a:t>, wat een beetje hetzelfde inhoudt als PayPal </a:t>
+            </a:r>
+            <a:r>
+              <a:rPr lang="nl-BE" baseline="0" dirty="0" err="1" smtClean="0"/>
+              <a:t>braintree</a:t>
+            </a:r>
+            <a:r>
+              <a:rPr lang="nl-BE" baseline="0" dirty="0" smtClean="0"/>
+              <a:t>, je kan dus ook hiermee credit kaart betalingen aanvaarden tegen een bepaalde prijs per transactie.</a:t>
+            </a:r>
+            <a:br>
+              <a:rPr lang="nl-BE" baseline="0" dirty="0" smtClean="0"/>
+            </a:br>
+            <a:r>
+              <a:rPr lang="nl-BE" baseline="0" dirty="0" smtClean="0"/>
+              <a:t>Een SSL </a:t>
+            </a:r>
+            <a:r>
+              <a:rPr lang="nl-BE" baseline="0" dirty="0" err="1" smtClean="0"/>
+              <a:t>ceryificaat</a:t>
+            </a:r>
+            <a:r>
+              <a:rPr lang="nl-BE" baseline="0" dirty="0" smtClean="0"/>
+              <a:t> is wel vereist bij deze betalingssystemen.</a:t>
+            </a:r>
+            <a:br>
+              <a:rPr lang="nl-BE" baseline="0" dirty="0" smtClean="0"/>
+            </a:br>
+            <a:r>
+              <a:rPr lang="nl-BE" baseline="0" dirty="0" smtClean="0"/>
+              <a:t>Als je een webshop in België en/of Nederland hebt, is het natuurlijk ook best dat je Bancontact en </a:t>
+            </a:r>
+            <a:r>
+              <a:rPr lang="nl-BE" baseline="0" dirty="0" err="1" smtClean="0"/>
+              <a:t>iDeal</a:t>
+            </a:r>
+            <a:r>
+              <a:rPr lang="nl-BE" baseline="0" dirty="0" smtClean="0"/>
+              <a:t> aanbiedt, deze zitten niet in de andere gateways, maar kan je verkrijgen bij </a:t>
+            </a:r>
+            <a:r>
+              <a:rPr lang="nl-BE" baseline="0" dirty="0" err="1" smtClean="0"/>
+              <a:t>bvb</a:t>
+            </a:r>
+            <a:r>
+              <a:rPr lang="nl-BE" baseline="0" dirty="0" smtClean="0"/>
+              <a:t> Pay.be  Het gratis pakket biedt al bancontact en </a:t>
+            </a:r>
+            <a:r>
+              <a:rPr lang="nl-BE" baseline="0" dirty="0" err="1" smtClean="0"/>
+              <a:t>iDeal</a:t>
+            </a:r>
+            <a:r>
+              <a:rPr lang="nl-BE" baseline="0" dirty="0" smtClean="0"/>
+              <a:t> aan (maar geen mastercard en visa) tegen een prijs van €0,20 + 1,75% per transactie voor bancontact.  Het handige bij pay.be is dat zij onder pay.nl een </a:t>
+            </a:r>
+            <a:r>
+              <a:rPr lang="nl-BE" baseline="0" dirty="0" err="1" smtClean="0"/>
+              <a:t>plugin</a:t>
+            </a:r>
+            <a:r>
+              <a:rPr lang="nl-BE" baseline="0" dirty="0" smtClean="0"/>
+              <a:t> aanbieden voor </a:t>
+            </a:r>
+            <a:r>
+              <a:rPr lang="nl-BE" baseline="0" dirty="0" err="1" smtClean="0"/>
+              <a:t>WooCommerce</a:t>
+            </a:r>
+            <a:r>
+              <a:rPr lang="nl-BE" baseline="0" dirty="0" smtClean="0"/>
+              <a:t> (en ook trouwens voor </a:t>
+            </a:r>
+            <a:r>
+              <a:rPr lang="nl-BE" baseline="0" dirty="0" err="1" smtClean="0"/>
+              <a:t>opencart</a:t>
+            </a:r>
+            <a:r>
+              <a:rPr lang="nl-BE" baseline="0" dirty="0" smtClean="0"/>
+              <a:t>)</a:t>
+            </a:r>
+            <a:endParaRPr lang="nl-BE" dirty="0"/>
+          </a:p>
+        </p:txBody>
+      </p:sp>
+      <p:sp>
+        <p:nvSpPr>
+          <p:cNvPr id="4" name="Tijdelijke aanduiding voor dianummer 3"/>
+          <p:cNvSpPr>
+            <a:spLocks noGrp="1"/>
+          </p:cNvSpPr>
+          <p:nvPr>
+            <p:ph type="sldNum" sz="quarter" idx="10"/>
+          </p:nvPr>
+        </p:nvSpPr>
+        <p:spPr/>
+        <p:txBody>
+          <a:bodyPr/>
+          <a:lstStyle/>
+          <a:p>
+            <a:fld id="{E4D7359C-1910-4B57-A502-383A4120E779}" type="slidenum">
+              <a:rPr lang="nl-BE" smtClean="0"/>
+              <a:t>18</a:t>
+            </a:fld>
+            <a:endParaRPr lang="nl-BE"/>
+          </a:p>
+        </p:txBody>
+      </p:sp>
+    </p:spTree>
+    <p:extLst>
+      <p:ext uri="{BB962C8B-B14F-4D97-AF65-F5344CB8AC3E}">
+        <p14:creationId xmlns:p14="http://schemas.microsoft.com/office/powerpoint/2010/main" val="141144274"/>
       </p:ext>
     </p:extLst>
   </p:cSld>
@@ -2117,7 +2332,7 @@
           <a:p>
             <a:fld id="{A9D523DF-0EA4-4117-A99B-D3A7F1E0B22C}" type="datetimeFigureOut">
               <a:rPr lang="nl-BE" smtClean="0"/>
-              <a:t>9/11/2016</a:t>
+              <a:t>10/11/2016</a:t>
             </a:fld>
             <a:endParaRPr lang="nl-BE"/>
           </a:p>
@@ -2368,7 +2583,7 @@
           <a:p>
             <a:fld id="{A9D523DF-0EA4-4117-A99B-D3A7F1E0B22C}" type="datetimeFigureOut">
               <a:rPr lang="nl-BE" smtClean="0"/>
-              <a:t>9/11/2016</a:t>
+              <a:t>10/11/2016</a:t>
             </a:fld>
             <a:endParaRPr lang="nl-BE"/>
           </a:p>
@@ -2682,7 +2897,7 @@
           <a:p>
             <a:fld id="{A9D523DF-0EA4-4117-A99B-D3A7F1E0B22C}" type="datetimeFigureOut">
               <a:rPr lang="nl-BE" smtClean="0"/>
-              <a:t>9/11/2016</a:t>
+              <a:t>10/11/2016</a:t>
             </a:fld>
             <a:endParaRPr lang="nl-BE"/>
           </a:p>
@@ -3023,7 +3238,7 @@
           <a:p>
             <a:fld id="{A9D523DF-0EA4-4117-A99B-D3A7F1E0B22C}" type="datetimeFigureOut">
               <a:rPr lang="nl-BE" smtClean="0"/>
-              <a:t>9/11/2016</a:t>
+              <a:t>10/11/2016</a:t>
             </a:fld>
             <a:endParaRPr lang="nl-BE"/>
           </a:p>
@@ -3337,7 +3552,7 @@
           <a:p>
             <a:fld id="{A9D523DF-0EA4-4117-A99B-D3A7F1E0B22C}" type="datetimeFigureOut">
               <a:rPr lang="nl-BE" smtClean="0"/>
-              <a:t>9/11/2016</a:t>
+              <a:t>10/11/2016</a:t>
             </a:fld>
             <a:endParaRPr lang="nl-BE"/>
           </a:p>
@@ -3730,7 +3945,7 @@
           <a:p>
             <a:fld id="{A9D523DF-0EA4-4117-A99B-D3A7F1E0B22C}" type="datetimeFigureOut">
               <a:rPr lang="nl-BE" smtClean="0"/>
-              <a:t>9/11/2016</a:t>
+              <a:t>10/11/2016</a:t>
             </a:fld>
             <a:endParaRPr lang="nl-BE"/>
           </a:p>
@@ -3900,7 +4115,7 @@
           <a:p>
             <a:fld id="{A9D523DF-0EA4-4117-A99B-D3A7F1E0B22C}" type="datetimeFigureOut">
               <a:rPr lang="nl-BE" smtClean="0"/>
-              <a:t>9/11/2016</a:t>
+              <a:t>10/11/2016</a:t>
             </a:fld>
             <a:endParaRPr lang="nl-BE"/>
           </a:p>
@@ -4080,7 +4295,7 @@
           <a:p>
             <a:fld id="{A9D523DF-0EA4-4117-A99B-D3A7F1E0B22C}" type="datetimeFigureOut">
               <a:rPr lang="nl-BE" smtClean="0"/>
-              <a:t>9/11/2016</a:t>
+              <a:t>10/11/2016</a:t>
             </a:fld>
             <a:endParaRPr lang="nl-BE"/>
           </a:p>
@@ -4256,7 +4471,7 @@
           <a:p>
             <a:fld id="{A9D523DF-0EA4-4117-A99B-D3A7F1E0B22C}" type="datetimeFigureOut">
               <a:rPr lang="nl-BE" smtClean="0"/>
-              <a:t>9/11/2016</a:t>
+              <a:t>10/11/2016</a:t>
             </a:fld>
             <a:endParaRPr lang="nl-BE"/>
           </a:p>
@@ -4503,7 +4718,7 @@
           <a:p>
             <a:fld id="{A9D523DF-0EA4-4117-A99B-D3A7F1E0B22C}" type="datetimeFigureOut">
               <a:rPr lang="nl-BE" smtClean="0"/>
-              <a:t>9/11/2016</a:t>
+              <a:t>10/11/2016</a:t>
             </a:fld>
             <a:endParaRPr lang="nl-BE"/>
           </a:p>
@@ -4735,7 +4950,7 @@
           <a:p>
             <a:fld id="{A9D523DF-0EA4-4117-A99B-D3A7F1E0B22C}" type="datetimeFigureOut">
               <a:rPr lang="nl-BE" smtClean="0"/>
-              <a:t>9/11/2016</a:t>
+              <a:t>10/11/2016</a:t>
             </a:fld>
             <a:endParaRPr lang="nl-BE"/>
           </a:p>
@@ -5109,7 +5324,7 @@
           <a:p>
             <a:fld id="{A9D523DF-0EA4-4117-A99B-D3A7F1E0B22C}" type="datetimeFigureOut">
               <a:rPr lang="nl-BE" smtClean="0"/>
-              <a:t>9/11/2016</a:t>
+              <a:t>10/11/2016</a:t>
             </a:fld>
             <a:endParaRPr lang="nl-BE"/>
           </a:p>
@@ -5232,7 +5447,7 @@
           <a:p>
             <a:fld id="{A9D523DF-0EA4-4117-A99B-D3A7F1E0B22C}" type="datetimeFigureOut">
               <a:rPr lang="nl-BE" smtClean="0"/>
-              <a:t>9/11/2016</a:t>
+              <a:t>10/11/2016</a:t>
             </a:fld>
             <a:endParaRPr lang="nl-BE"/>
           </a:p>
@@ -5327,7 +5542,7 @@
           <a:p>
             <a:fld id="{A9D523DF-0EA4-4117-A99B-D3A7F1E0B22C}" type="datetimeFigureOut">
               <a:rPr lang="nl-BE" smtClean="0"/>
-              <a:t>9/11/2016</a:t>
+              <a:t>10/11/2016</a:t>
             </a:fld>
             <a:endParaRPr lang="nl-BE"/>
           </a:p>
@@ -5582,7 +5797,7 @@
           <a:p>
             <a:fld id="{A9D523DF-0EA4-4117-A99B-D3A7F1E0B22C}" type="datetimeFigureOut">
               <a:rPr lang="nl-BE" smtClean="0"/>
-              <a:t>9/11/2016</a:t>
+              <a:t>10/11/2016</a:t>
             </a:fld>
             <a:endParaRPr lang="nl-BE"/>
           </a:p>
@@ -5845,7 +6060,7 @@
           <a:p>
             <a:fld id="{A9D523DF-0EA4-4117-A99B-D3A7F1E0B22C}" type="datetimeFigureOut">
               <a:rPr lang="nl-BE" smtClean="0"/>
-              <a:t>9/11/2016</a:t>
+              <a:t>10/11/2016</a:t>
             </a:fld>
             <a:endParaRPr lang="nl-BE"/>
           </a:p>
@@ -6588,7 +6803,7 @@
           <a:p>
             <a:fld id="{A9D523DF-0EA4-4117-A99B-D3A7F1E0B22C}" type="datetimeFigureOut">
               <a:rPr lang="nl-BE" smtClean="0"/>
-              <a:t>9/11/2016</a:t>
+              <a:t>10/11/2016</a:t>
             </a:fld>
             <a:endParaRPr lang="nl-BE"/>
           </a:p>
@@ -7683,7 +7898,6 @@
               <a:rPr lang="nl-BE" dirty="0" smtClean="0"/>
               <a:t>Met account (extra voordelen: wagentje wordt onthouden)</a:t>
             </a:r>
-            <a:endParaRPr lang="nl-BE" dirty="0" smtClean="0"/>
           </a:p>
           <a:p>
             <a:r>
@@ -8836,57 +9050,46 @@
           </a:xfrm>
         </p:spPr>
         <p:txBody>
-          <a:bodyPr/>
+          <a:bodyPr>
+            <a:normAutofit/>
+          </a:bodyPr>
           <a:lstStyle/>
           <a:p>
             <a:r>
-              <a:rPr lang="nl-BE" dirty="0" smtClean="0"/>
-              <a:t>Manueel toegang </a:t>
-            </a:r>
-            <a:r>
-              <a:rPr lang="nl-BE" dirty="0" smtClean="0"/>
-              <a:t>verlenen</a:t>
-            </a:r>
-          </a:p>
-          <a:p>
-            <a:r>
-              <a:rPr lang="nl-BE" dirty="0"/>
+              <a:rPr lang="nl-BE" sz="2000" dirty="0" smtClean="0"/>
+              <a:t>Manueel toegang verlenen</a:t>
+            </a:r>
+          </a:p>
+          <a:p>
+            <a:r>
+              <a:rPr lang="nl-BE" sz="2000" dirty="0"/>
               <a:t>A</a:t>
             </a:r>
             <a:r>
-              <a:rPr lang="nl-BE" dirty="0" smtClean="0"/>
-              <a:t>utomatisch </a:t>
-            </a:r>
-            <a:r>
-              <a:rPr lang="nl-BE" dirty="0" smtClean="0"/>
-              <a:t>toegankelijk als </a:t>
-            </a:r>
-            <a:r>
-              <a:rPr lang="nl-BE" dirty="0" smtClean="0"/>
-              <a:t>orderstatus = processing/</a:t>
-            </a:r>
-            <a:r>
-              <a:rPr lang="nl-BE" dirty="0" err="1" smtClean="0"/>
+              <a:rPr lang="nl-BE" sz="2000" dirty="0" smtClean="0"/>
+              <a:t>utomatisch toegankelijk als orderstatus = processing/</a:t>
+            </a:r>
+            <a:r>
+              <a:rPr lang="nl-BE" sz="2000" dirty="0" err="1" smtClean="0"/>
               <a:t>completed</a:t>
             </a:r>
             <a:r>
-              <a:rPr lang="nl-BE" dirty="0" smtClean="0"/>
+              <a:rPr lang="nl-BE" sz="2000" dirty="0" smtClean="0"/>
               <a:t>.</a:t>
             </a:r>
-            <a:endParaRPr lang="nl-BE" dirty="0" smtClean="0"/>
-          </a:p>
-          <a:p>
-            <a:r>
-              <a:rPr lang="nl-BE" dirty="0" smtClean="0"/>
+          </a:p>
+          <a:p>
+            <a:r>
+              <a:rPr lang="nl-BE" sz="2000" dirty="0" smtClean="0"/>
               <a:t>Komt daarna onder mijn account </a:t>
             </a:r>
             <a:r>
-              <a:rPr lang="nl-BE" dirty="0" smtClean="0">
+              <a:rPr lang="nl-BE" sz="2000" dirty="0" smtClean="0">
                 <a:sym typeface="Wingdings" panose="05000000000000000000" pitchFamily="2" charset="2"/>
               </a:rPr>
               <a:t> downloads</a:t>
             </a:r>
-            <a:endParaRPr lang="nl-BE" dirty="0"/>
+            <a:endParaRPr lang="nl-BE" sz="2000" dirty="0"/>
           </a:p>
         </p:txBody>
       </p:sp>
@@ -8951,9 +9154,288 @@
   <p:timing>
     <p:tnLst>
       <p:par>
-        <p:cTn id="1" dur="indefinite" restart="never" nodeType="tmRoot"/>
+        <p:cTn id="1" dur="indefinite" restart="never" nodeType="tmRoot">
+          <p:childTnLst>
+            <p:seq concurrent="1" nextAc="seek">
+              <p:cTn id="2" dur="indefinite" nodeType="mainSeq">
+                <p:childTnLst>
+                  <p:par>
+                    <p:cTn id="3" fill="hold">
+                      <p:stCondLst>
+                        <p:cond delay="indefinite"/>
+                      </p:stCondLst>
+                      <p:childTnLst>
+                        <p:par>
+                          <p:cTn id="4" fill="hold">
+                            <p:stCondLst>
+                              <p:cond delay="0"/>
+                            </p:stCondLst>
+                            <p:childTnLst>
+                              <p:par>
+                                <p:cTn id="5" presetID="10" presetClass="entr" presetSubtype="0" fill="hold" grpId="0" nodeType="clickEffect">
+                                  <p:stCondLst>
+                                    <p:cond delay="0"/>
+                                  </p:stCondLst>
+                                  <p:childTnLst>
+                                    <p:set>
+                                      <p:cBhvr>
+                                        <p:cTn id="6" dur="1" fill="hold">
+                                          <p:stCondLst>
+                                            <p:cond delay="0"/>
+                                          </p:stCondLst>
+                                        </p:cTn>
+                                        <p:tgtEl>
+                                          <p:spTgt spid="3">
+                                            <p:txEl>
+                                              <p:pRg st="0" end="0"/>
+                                            </p:txEl>
+                                          </p:spTgt>
+                                        </p:tgtEl>
+                                        <p:attrNameLst>
+                                          <p:attrName>style.visibility</p:attrName>
+                                        </p:attrNameLst>
+                                      </p:cBhvr>
+                                      <p:to>
+                                        <p:strVal val="visible"/>
+                                      </p:to>
+                                    </p:set>
+                                    <p:animEffect transition="in" filter="fade">
+                                      <p:cBhvr>
+                                        <p:cTn id="7" dur="500"/>
+                                        <p:tgtEl>
+                                          <p:spTgt spid="3">
+                                            <p:txEl>
+                                              <p:pRg st="0" end="0"/>
+                                            </p:txEl>
+                                          </p:spTgt>
+                                        </p:tgtEl>
+                                      </p:cBhvr>
+                                    </p:animEffect>
+                                  </p:childTnLst>
+                                </p:cTn>
+                              </p:par>
+                              <p:par>
+                                <p:cTn id="8" presetID="10" presetClass="entr" presetSubtype="0" fill="hold" nodeType="withEffect">
+                                  <p:stCondLst>
+                                    <p:cond delay="0"/>
+                                  </p:stCondLst>
+                                  <p:childTnLst>
+                                    <p:set>
+                                      <p:cBhvr>
+                                        <p:cTn id="9" dur="1" fill="hold">
+                                          <p:stCondLst>
+                                            <p:cond delay="0"/>
+                                          </p:stCondLst>
+                                        </p:cTn>
+                                        <p:tgtEl>
+                                          <p:spTgt spid="4"/>
+                                        </p:tgtEl>
+                                        <p:attrNameLst>
+                                          <p:attrName>style.visibility</p:attrName>
+                                        </p:attrNameLst>
+                                      </p:cBhvr>
+                                      <p:to>
+                                        <p:strVal val="visible"/>
+                                      </p:to>
+                                    </p:set>
+                                    <p:animEffect transition="in" filter="fade">
+                                      <p:cBhvr>
+                                        <p:cTn id="10" dur="500"/>
+                                        <p:tgtEl>
+                                          <p:spTgt spid="4"/>
+                                        </p:tgtEl>
+                                      </p:cBhvr>
+                                    </p:animEffect>
+                                  </p:childTnLst>
+                                </p:cTn>
+                              </p:par>
+                            </p:childTnLst>
+                          </p:cTn>
+                        </p:par>
+                      </p:childTnLst>
+                    </p:cTn>
+                  </p:par>
+                  <p:par>
+                    <p:cTn id="11" fill="hold">
+                      <p:stCondLst>
+                        <p:cond delay="indefinite"/>
+                      </p:stCondLst>
+                      <p:childTnLst>
+                        <p:par>
+                          <p:cTn id="12" fill="hold">
+                            <p:stCondLst>
+                              <p:cond delay="0"/>
+                            </p:stCondLst>
+                            <p:childTnLst>
+                              <p:par>
+                                <p:cTn id="13" presetID="10" presetClass="entr" presetSubtype="0" fill="hold" grpId="0" nodeType="clickEffect">
+                                  <p:stCondLst>
+                                    <p:cond delay="0"/>
+                                  </p:stCondLst>
+                                  <p:childTnLst>
+                                    <p:set>
+                                      <p:cBhvr>
+                                        <p:cTn id="14" dur="1" fill="hold">
+                                          <p:stCondLst>
+                                            <p:cond delay="0"/>
+                                          </p:stCondLst>
+                                        </p:cTn>
+                                        <p:tgtEl>
+                                          <p:spTgt spid="3">
+                                            <p:txEl>
+                                              <p:pRg st="1" end="1"/>
+                                            </p:txEl>
+                                          </p:spTgt>
+                                        </p:tgtEl>
+                                        <p:attrNameLst>
+                                          <p:attrName>style.visibility</p:attrName>
+                                        </p:attrNameLst>
+                                      </p:cBhvr>
+                                      <p:to>
+                                        <p:strVal val="visible"/>
+                                      </p:to>
+                                    </p:set>
+                                    <p:animEffect transition="in" filter="fade">
+                                      <p:cBhvr>
+                                        <p:cTn id="15" dur="500"/>
+                                        <p:tgtEl>
+                                          <p:spTgt spid="3">
+                                            <p:txEl>
+                                              <p:pRg st="1" end="1"/>
+                                            </p:txEl>
+                                          </p:spTgt>
+                                        </p:tgtEl>
+                                      </p:cBhvr>
+                                    </p:animEffect>
+                                  </p:childTnLst>
+                                </p:cTn>
+                              </p:par>
+                            </p:childTnLst>
+                          </p:cTn>
+                        </p:par>
+                      </p:childTnLst>
+                    </p:cTn>
+                  </p:par>
+                  <p:par>
+                    <p:cTn id="16" fill="hold">
+                      <p:stCondLst>
+                        <p:cond delay="indefinite"/>
+                      </p:stCondLst>
+                      <p:childTnLst>
+                        <p:par>
+                          <p:cTn id="17" fill="hold">
+                            <p:stCondLst>
+                              <p:cond delay="0"/>
+                            </p:stCondLst>
+                            <p:childTnLst>
+                              <p:par>
+                                <p:cTn id="18" presetID="10" presetClass="entr" presetSubtype="0" fill="hold" grpId="0" nodeType="clickEffect">
+                                  <p:stCondLst>
+                                    <p:cond delay="0"/>
+                                  </p:stCondLst>
+                                  <p:childTnLst>
+                                    <p:set>
+                                      <p:cBhvr>
+                                        <p:cTn id="19" dur="1" fill="hold">
+                                          <p:stCondLst>
+                                            <p:cond delay="0"/>
+                                          </p:stCondLst>
+                                        </p:cTn>
+                                        <p:tgtEl>
+                                          <p:spTgt spid="3">
+                                            <p:txEl>
+                                              <p:pRg st="2" end="2"/>
+                                            </p:txEl>
+                                          </p:spTgt>
+                                        </p:tgtEl>
+                                        <p:attrNameLst>
+                                          <p:attrName>style.visibility</p:attrName>
+                                        </p:attrNameLst>
+                                      </p:cBhvr>
+                                      <p:to>
+                                        <p:strVal val="visible"/>
+                                      </p:to>
+                                    </p:set>
+                                    <p:animEffect transition="in" filter="fade">
+                                      <p:cBhvr>
+                                        <p:cTn id="20" dur="500"/>
+                                        <p:tgtEl>
+                                          <p:spTgt spid="3">
+                                            <p:txEl>
+                                              <p:pRg st="2" end="2"/>
+                                            </p:txEl>
+                                          </p:spTgt>
+                                        </p:tgtEl>
+                                      </p:cBhvr>
+                                    </p:animEffect>
+                                  </p:childTnLst>
+                                </p:cTn>
+                              </p:par>
+                              <p:par>
+                                <p:cTn id="21" presetID="10" presetClass="entr" presetSubtype="0" fill="hold" nodeType="withEffect">
+                                  <p:stCondLst>
+                                    <p:cond delay="0"/>
+                                  </p:stCondLst>
+                                  <p:childTnLst>
+                                    <p:set>
+                                      <p:cBhvr>
+                                        <p:cTn id="22" dur="1" fill="hold">
+                                          <p:stCondLst>
+                                            <p:cond delay="0"/>
+                                          </p:stCondLst>
+                                        </p:cTn>
+                                        <p:tgtEl>
+                                          <p:spTgt spid="5"/>
+                                        </p:tgtEl>
+                                        <p:attrNameLst>
+                                          <p:attrName>style.visibility</p:attrName>
+                                        </p:attrNameLst>
+                                      </p:cBhvr>
+                                      <p:to>
+                                        <p:strVal val="visible"/>
+                                      </p:to>
+                                    </p:set>
+                                    <p:animEffect transition="in" filter="fade">
+                                      <p:cBhvr>
+                                        <p:cTn id="23" dur="500"/>
+                                        <p:tgtEl>
+                                          <p:spTgt spid="5"/>
+                                        </p:tgtEl>
+                                      </p:cBhvr>
+                                    </p:animEffect>
+                                  </p:childTnLst>
+                                </p:cTn>
+                              </p:par>
+                            </p:childTnLst>
+                          </p:cTn>
+                        </p:par>
+                      </p:childTnLst>
+                    </p:cTn>
+                  </p:par>
+                </p:childTnLst>
+              </p:cTn>
+              <p:prevCondLst>
+                <p:cond evt="onPrev" delay="0">
+                  <p:tgtEl>
+                    <p:sldTgt/>
+                  </p:tgtEl>
+                </p:cond>
+              </p:prevCondLst>
+              <p:nextCondLst>
+                <p:cond evt="onNext" delay="0">
+                  <p:tgtEl>
+                    <p:sldTgt/>
+                  </p:tgtEl>
+                </p:cond>
+              </p:nextCondLst>
+            </p:seq>
+          </p:childTnLst>
+        </p:cTn>
       </p:par>
     </p:tnLst>
+    <p:bldLst>
+      <p:bldP spid="3" grpId="0" uiExpand="1" build="p"/>
+    </p:bldLst>
   </p:timing>
 </p:sld>
 </file>
@@ -9019,67 +9501,63 @@
           <a:lstStyle/>
           <a:p>
             <a:r>
-              <a:rPr lang="nl-BE" sz="2000" dirty="0" smtClean="0"/>
-              <a:t>Handig </a:t>
-            </a:r>
-            <a:r>
-              <a:rPr lang="nl-BE" sz="2000" dirty="0" smtClean="0"/>
-              <a:t>overzicht</a:t>
-            </a:r>
-          </a:p>
-          <a:p>
-            <a:r>
-              <a:rPr lang="nl-BE" sz="2000" dirty="0" smtClean="0"/>
+              <a:rPr lang="nl-BE" sz="2400" dirty="0" smtClean="0"/>
+              <a:t>Handig overzicht</a:t>
+            </a:r>
+          </a:p>
+          <a:p>
+            <a:r>
+              <a:rPr lang="nl-BE" sz="2400" dirty="0" smtClean="0"/>
               <a:t>Goed / slecht bezig</a:t>
             </a:r>
           </a:p>
           <a:p>
-            <a:endParaRPr lang="nl-BE" sz="2000" dirty="0"/>
-          </a:p>
-          <a:p>
-            <a:r>
-              <a:rPr lang="nl-BE" sz="2000" dirty="0" smtClean="0"/>
+            <a:endParaRPr lang="nl-BE" sz="2400" dirty="0"/>
+          </a:p>
+          <a:p>
+            <a:r>
+              <a:rPr lang="nl-BE" sz="2400" dirty="0" smtClean="0"/>
               <a:t>Sorteren op:</a:t>
             </a:r>
           </a:p>
           <a:p>
             <a:pPr lvl="1"/>
             <a:r>
-              <a:rPr lang="nl-BE" dirty="0" smtClean="0"/>
+              <a:rPr lang="nl-BE" sz="1800" dirty="0" smtClean="0"/>
               <a:t>Datum</a:t>
             </a:r>
           </a:p>
           <a:p>
             <a:pPr lvl="1"/>
             <a:r>
-              <a:rPr lang="nl-BE" dirty="0" smtClean="0"/>
+              <a:rPr lang="nl-BE" sz="1800" dirty="0" smtClean="0"/>
               <a:t>Product</a:t>
             </a:r>
           </a:p>
           <a:p>
             <a:pPr lvl="1"/>
             <a:r>
-              <a:rPr lang="nl-BE" dirty="0" smtClean="0"/>
+              <a:rPr lang="nl-BE" sz="1800" dirty="0" smtClean="0"/>
               <a:t>Categorie</a:t>
             </a:r>
           </a:p>
           <a:p>
             <a:pPr lvl="1"/>
             <a:r>
-              <a:rPr lang="nl-BE" dirty="0" smtClean="0"/>
+              <a:rPr lang="nl-BE" sz="1800" dirty="0" smtClean="0"/>
               <a:t>Soort klanten</a:t>
             </a:r>
           </a:p>
           <a:p>
             <a:pPr lvl="1"/>
             <a:r>
-              <a:rPr lang="nl-BE" dirty="0" smtClean="0"/>
+              <a:rPr lang="nl-BE" sz="1800" dirty="0" smtClean="0"/>
               <a:t>…</a:t>
             </a:r>
-            <a:endParaRPr lang="nl-BE" dirty="0"/>
-          </a:p>
-          <a:p>
-            <a:endParaRPr lang="nl-BE" sz="2000" dirty="0" smtClean="0"/>
+            <a:endParaRPr lang="nl-BE" sz="1800" dirty="0"/>
+          </a:p>
+          <a:p>
+            <a:endParaRPr lang="nl-BE" sz="2400" dirty="0" smtClean="0"/>
           </a:p>
           <a:p>
             <a:endParaRPr lang="nl-BE" sz="2000" dirty="0" smtClean="0"/>
@@ -9726,21 +10204,13 @@
           <a:p>
             <a:r>
               <a:rPr lang="nl-BE" dirty="0" smtClean="0"/>
-              <a:t>Coupons gemakkelijk aan te </a:t>
-            </a:r>
+              <a:t>Coupons gemakkelijk aan te maken</a:t>
+            </a:r>
+          </a:p>
+          <a:p>
             <a:r>
               <a:rPr lang="nl-BE" dirty="0" smtClean="0"/>
-              <a:t>maken</a:t>
-            </a:r>
-          </a:p>
-          <a:p>
-            <a:r>
-              <a:rPr lang="nl-BE" dirty="0" smtClean="0"/>
-              <a:t>Code </a:t>
-            </a:r>
-            <a:r>
-              <a:rPr lang="nl-BE" dirty="0" smtClean="0"/>
-              <a:t>toepassen en korting wordt automatisch berekend</a:t>
+              <a:t>Code toepassen en korting wordt automatisch berekend</a:t>
             </a:r>
             <a:endParaRPr lang="nl-BE" dirty="0"/>
           </a:p>
@@ -10409,34 +10879,36 @@
           </a:xfrm>
         </p:spPr>
         <p:txBody>
-          <a:bodyPr/>
+          <a:bodyPr>
+            <a:normAutofit/>
+          </a:bodyPr>
           <a:lstStyle/>
           <a:p>
             <a:r>
-              <a:rPr lang="nl-BE" dirty="0" smtClean="0"/>
+              <a:rPr lang="nl-BE" sz="2000" dirty="0" smtClean="0"/>
               <a:t>Totaalbedrag</a:t>
             </a:r>
           </a:p>
           <a:p>
             <a:r>
-              <a:rPr lang="nl-BE" dirty="0" smtClean="0"/>
+              <a:rPr lang="nl-BE" sz="2000" dirty="0" smtClean="0"/>
               <a:t>Deel van het bedrag</a:t>
             </a:r>
           </a:p>
           <a:p>
             <a:r>
-              <a:rPr lang="nl-BE" dirty="0" smtClean="0"/>
+              <a:rPr lang="nl-BE" sz="2000" dirty="0" smtClean="0"/>
               <a:t>Manueel (zelf te regelen, tenzij je </a:t>
             </a:r>
             <a:r>
-              <a:rPr lang="nl-BE" dirty="0" err="1" smtClean="0"/>
+              <a:rPr lang="nl-BE" sz="2000" dirty="0" err="1" smtClean="0"/>
               <a:t>payment</a:t>
             </a:r>
             <a:r>
-              <a:rPr lang="nl-BE" dirty="0" smtClean="0"/>
+              <a:rPr lang="nl-BE" sz="2000" dirty="0" smtClean="0"/>
               <a:t> gateways instelt)</a:t>
             </a:r>
-            <a:endParaRPr lang="nl-BE" dirty="0"/>
+            <a:endParaRPr lang="nl-BE" sz="2000" dirty="0"/>
           </a:p>
         </p:txBody>
       </p:sp>
@@ -10453,7 +10925,213 @@
   <p:timing>
     <p:tnLst>
       <p:par>
-        <p:cTn id="1" dur="indefinite" restart="never" nodeType="tmRoot"/>
+        <p:cTn id="1" dur="indefinite" restart="never" nodeType="tmRoot">
+          <p:childTnLst>
+            <p:seq concurrent="1" nextAc="seek">
+              <p:cTn id="2" dur="indefinite" nodeType="mainSeq">
+                <p:childTnLst>
+                  <p:par>
+                    <p:cTn id="3" fill="hold">
+                      <p:stCondLst>
+                        <p:cond delay="indefinite"/>
+                      </p:stCondLst>
+                      <p:childTnLst>
+                        <p:par>
+                          <p:cTn id="4" fill="hold">
+                            <p:stCondLst>
+                              <p:cond delay="0"/>
+                            </p:stCondLst>
+                            <p:childTnLst>
+                              <p:par>
+                                <p:cTn id="5" presetID="10" presetClass="entr" presetSubtype="0" fill="hold" nodeType="clickEffect">
+                                  <p:stCondLst>
+                                    <p:cond delay="0"/>
+                                  </p:stCondLst>
+                                  <p:childTnLst>
+                                    <p:set>
+                                      <p:cBhvr>
+                                        <p:cTn id="6" dur="1" fill="hold">
+                                          <p:stCondLst>
+                                            <p:cond delay="0"/>
+                                          </p:stCondLst>
+                                        </p:cTn>
+                                        <p:tgtEl>
+                                          <p:spTgt spid="3">
+                                            <p:txEl>
+                                              <p:pRg st="0" end="0"/>
+                                            </p:txEl>
+                                          </p:spTgt>
+                                        </p:tgtEl>
+                                        <p:attrNameLst>
+                                          <p:attrName>style.visibility</p:attrName>
+                                        </p:attrNameLst>
+                                      </p:cBhvr>
+                                      <p:to>
+                                        <p:strVal val="visible"/>
+                                      </p:to>
+                                    </p:set>
+                                    <p:animEffect transition="in" filter="fade">
+                                      <p:cBhvr>
+                                        <p:cTn id="7" dur="500"/>
+                                        <p:tgtEl>
+                                          <p:spTgt spid="3">
+                                            <p:txEl>
+                                              <p:pRg st="0" end="0"/>
+                                            </p:txEl>
+                                          </p:spTgt>
+                                        </p:tgtEl>
+                                      </p:cBhvr>
+                                    </p:animEffect>
+                                  </p:childTnLst>
+                                </p:cTn>
+                              </p:par>
+                            </p:childTnLst>
+                          </p:cTn>
+                        </p:par>
+                      </p:childTnLst>
+                    </p:cTn>
+                  </p:par>
+                  <p:par>
+                    <p:cTn id="8" fill="hold">
+                      <p:stCondLst>
+                        <p:cond delay="indefinite"/>
+                      </p:stCondLst>
+                      <p:childTnLst>
+                        <p:par>
+                          <p:cTn id="9" fill="hold">
+                            <p:stCondLst>
+                              <p:cond delay="0"/>
+                            </p:stCondLst>
+                            <p:childTnLst>
+                              <p:par>
+                                <p:cTn id="10" presetID="10" presetClass="entr" presetSubtype="0" fill="hold" nodeType="clickEffect">
+                                  <p:stCondLst>
+                                    <p:cond delay="0"/>
+                                  </p:stCondLst>
+                                  <p:childTnLst>
+                                    <p:set>
+                                      <p:cBhvr>
+                                        <p:cTn id="11" dur="1" fill="hold">
+                                          <p:stCondLst>
+                                            <p:cond delay="0"/>
+                                          </p:stCondLst>
+                                        </p:cTn>
+                                        <p:tgtEl>
+                                          <p:spTgt spid="3">
+                                            <p:txEl>
+                                              <p:pRg st="1" end="1"/>
+                                            </p:txEl>
+                                          </p:spTgt>
+                                        </p:tgtEl>
+                                        <p:attrNameLst>
+                                          <p:attrName>style.visibility</p:attrName>
+                                        </p:attrNameLst>
+                                      </p:cBhvr>
+                                      <p:to>
+                                        <p:strVal val="visible"/>
+                                      </p:to>
+                                    </p:set>
+                                    <p:animEffect transition="in" filter="fade">
+                                      <p:cBhvr>
+                                        <p:cTn id="12" dur="500"/>
+                                        <p:tgtEl>
+                                          <p:spTgt spid="3">
+                                            <p:txEl>
+                                              <p:pRg st="1" end="1"/>
+                                            </p:txEl>
+                                          </p:spTgt>
+                                        </p:tgtEl>
+                                      </p:cBhvr>
+                                    </p:animEffect>
+                                  </p:childTnLst>
+                                </p:cTn>
+                              </p:par>
+                            </p:childTnLst>
+                          </p:cTn>
+                        </p:par>
+                      </p:childTnLst>
+                    </p:cTn>
+                  </p:par>
+                  <p:par>
+                    <p:cTn id="13" fill="hold">
+                      <p:stCondLst>
+                        <p:cond delay="indefinite"/>
+                      </p:stCondLst>
+                      <p:childTnLst>
+                        <p:par>
+                          <p:cTn id="14" fill="hold">
+                            <p:stCondLst>
+                              <p:cond delay="0"/>
+                            </p:stCondLst>
+                            <p:childTnLst>
+                              <p:par>
+                                <p:cTn id="15" presetID="10" presetClass="entr" presetSubtype="0" fill="hold" nodeType="clickEffect">
+                                  <p:stCondLst>
+                                    <p:cond delay="0"/>
+                                  </p:stCondLst>
+                                  <p:childTnLst>
+                                    <p:set>
+                                      <p:cBhvr>
+                                        <p:cTn id="16" dur="1" fill="hold">
+                                          <p:stCondLst>
+                                            <p:cond delay="0"/>
+                                          </p:stCondLst>
+                                        </p:cTn>
+                                        <p:tgtEl>
+                                          <p:spTgt spid="3">
+                                            <p:txEl>
+                                              <p:pRg st="2" end="2"/>
+                                            </p:txEl>
+                                          </p:spTgt>
+                                        </p:tgtEl>
+                                        <p:attrNameLst>
+                                          <p:attrName>style.visibility</p:attrName>
+                                        </p:attrNameLst>
+                                      </p:cBhvr>
+                                      <p:to>
+                                        <p:strVal val="visible"/>
+                                      </p:to>
+                                    </p:set>
+                                    <p:animEffect transition="in" filter="fade">
+                                      <p:cBhvr>
+                                        <p:cTn id="17" dur="500"/>
+                                        <p:tgtEl>
+                                          <p:spTgt spid="3">
+                                            <p:txEl>
+                                              <p:pRg st="2" end="2"/>
+                                            </p:txEl>
+                                          </p:spTgt>
+                                        </p:tgtEl>
+                                      </p:cBhvr>
+                                    </p:animEffect>
+                                  </p:childTnLst>
+                                </p:cTn>
+                              </p:par>
+                            </p:childTnLst>
+                          </p:cTn>
+                        </p:par>
+                      </p:childTnLst>
+                    </p:cTn>
+                  </p:par>
+                </p:childTnLst>
+              </p:cTn>
+              <p:prevCondLst>
+                <p:cond evt="onPrev" delay="0">
+                  <p:tgtEl>
+                    <p:sldTgt/>
+                  </p:tgtEl>
+                </p:cond>
+              </p:prevCondLst>
+              <p:nextCondLst>
+                <p:cond evt="onNext" delay="0">
+                  <p:tgtEl>
+                    <p:sldTgt/>
+                  </p:tgtEl>
+                </p:cond>
+              </p:nextCondLst>
+            </p:seq>
+          </p:childTnLst>
+        </p:cTn>
       </p:par>
     </p:tnLst>
   </p:timing>
@@ -10517,129 +11195,131 @@
           </a:xfrm>
         </p:spPr>
         <p:txBody>
-          <a:bodyPr/>
+          <a:bodyPr>
+            <a:normAutofit/>
+          </a:bodyPr>
           <a:lstStyle/>
           <a:p>
             <a:r>
-              <a:rPr lang="nl-BE" dirty="0" smtClean="0"/>
+              <a:rPr lang="nl-BE" sz="2000" dirty="0" smtClean="0"/>
               <a:t>Standaard </a:t>
             </a:r>
             <a:r>
-              <a:rPr lang="nl-BE" dirty="0"/>
+              <a:rPr lang="nl-BE" sz="2000" dirty="0"/>
               <a:t>staat “</a:t>
             </a:r>
             <a:r>
-              <a:rPr lang="en-US" dirty="0"/>
+              <a:rPr lang="en-US" sz="2000" dirty="0"/>
               <a:t>Enable registration on the "My Account" page</a:t>
             </a:r>
             <a:r>
-              <a:rPr lang="nl-BE" dirty="0"/>
+              <a:rPr lang="nl-BE" sz="2000" dirty="0"/>
               <a:t>” </a:t>
             </a:r>
             <a:r>
-              <a:rPr lang="nl-BE" dirty="0" err="1"/>
+              <a:rPr lang="nl-BE" sz="2000" dirty="0" err="1"/>
               <a:t>uitgevinkt</a:t>
             </a:r>
             <a:r>
-              <a:rPr lang="nl-BE" dirty="0"/>
+              <a:rPr lang="nl-BE" sz="2000" dirty="0"/>
               <a:t/>
             </a:r>
             <a:br>
-              <a:rPr lang="nl-BE" dirty="0"/>
+              <a:rPr lang="nl-BE" sz="2000" dirty="0"/>
             </a:br>
             <a:r>
-              <a:rPr lang="nl-BE" dirty="0"/>
+              <a:rPr lang="nl-BE" sz="2000" dirty="0"/>
               <a:t>(</a:t>
             </a:r>
             <a:r>
-              <a:rPr lang="nl-BE" dirty="0" err="1"/>
+              <a:rPr lang="nl-BE" sz="2000" dirty="0" err="1"/>
               <a:t>WooCommerce</a:t>
             </a:r>
             <a:r>
-              <a:rPr lang="nl-BE" dirty="0"/>
+              <a:rPr lang="nl-BE" sz="2000" dirty="0"/>
               <a:t> &gt; </a:t>
             </a:r>
             <a:r>
-              <a:rPr lang="nl-BE" dirty="0" err="1"/>
+              <a:rPr lang="nl-BE" sz="2000" dirty="0" err="1"/>
               <a:t>Settings</a:t>
             </a:r>
             <a:r>
-              <a:rPr lang="nl-BE" dirty="0"/>
+              <a:rPr lang="nl-BE" sz="2000" dirty="0"/>
               <a:t> &gt; Accounts</a:t>
             </a:r>
             <a:r>
-              <a:rPr lang="nl-BE" dirty="0" smtClean="0"/>
+              <a:rPr lang="nl-BE" sz="2000" dirty="0" smtClean="0"/>
               <a:t>)</a:t>
             </a:r>
-            <a:endParaRPr lang="nl-BE" dirty="0"/>
-          </a:p>
-          <a:p>
-            <a:endParaRPr lang="nl-BE" dirty="0" smtClean="0"/>
-          </a:p>
-          <a:p>
-            <a:r>
-              <a:rPr lang="nl-BE" dirty="0" smtClean="0"/>
+            <a:endParaRPr lang="nl-BE" sz="2000" dirty="0"/>
+          </a:p>
+          <a:p>
+            <a:endParaRPr lang="nl-BE" sz="2000" dirty="0" smtClean="0"/>
+          </a:p>
+          <a:p>
+            <a:r>
+              <a:rPr lang="nl-BE" sz="2000" dirty="0" smtClean="0"/>
               <a:t>Verschillende soorten </a:t>
             </a:r>
             <a:r>
-              <a:rPr lang="nl-BE" dirty="0" err="1" smtClean="0"/>
+              <a:rPr lang="nl-BE" sz="2000" dirty="0" err="1" smtClean="0"/>
               <a:t>accounten</a:t>
             </a:r>
             <a:r>
-              <a:rPr lang="nl-BE" dirty="0"/>
+              <a:rPr lang="nl-BE" sz="2000" dirty="0"/>
               <a:t> </a:t>
             </a:r>
             <a:r>
-              <a:rPr lang="nl-BE" dirty="0" smtClean="0"/>
+              <a:rPr lang="nl-BE" sz="2000" dirty="0" smtClean="0"/>
               <a:t>(3 belangrijke):</a:t>
             </a:r>
           </a:p>
           <a:p>
             <a:pPr lvl="1"/>
             <a:r>
-              <a:rPr lang="nl-BE" dirty="0" smtClean="0"/>
+              <a:rPr lang="nl-BE" sz="1800" dirty="0" smtClean="0"/>
               <a:t>Administrator = kan alles (alles van shop, users beheren, </a:t>
             </a:r>
             <a:r>
-              <a:rPr lang="nl-BE" dirty="0" err="1" smtClean="0"/>
+              <a:rPr lang="nl-BE" sz="1800" dirty="0" err="1" smtClean="0"/>
               <a:t>plugins</a:t>
             </a:r>
             <a:r>
-              <a:rPr lang="nl-BE" dirty="0" smtClean="0"/>
+              <a:rPr lang="nl-BE" sz="1800" dirty="0" smtClean="0"/>
               <a:t> beheren, </a:t>
             </a:r>
             <a:r>
-              <a:rPr lang="nl-BE" dirty="0" err="1" smtClean="0"/>
+              <a:rPr lang="nl-BE" sz="1800" dirty="0" err="1" smtClean="0"/>
               <a:t>appearance</a:t>
             </a:r>
             <a:r>
-              <a:rPr lang="nl-BE" dirty="0" smtClean="0"/>
+              <a:rPr lang="nl-BE" sz="1800" dirty="0" smtClean="0"/>
               <a:t>, …)</a:t>
             </a:r>
           </a:p>
           <a:p>
             <a:pPr lvl="1"/>
             <a:r>
-              <a:rPr lang="nl-BE" dirty="0" smtClean="0"/>
+              <a:rPr lang="nl-BE" sz="1800" dirty="0" smtClean="0"/>
               <a:t>Shop manager = kan alles gerelateerd aan shop (producten toevoegen, stock beheren, …)</a:t>
             </a:r>
           </a:p>
           <a:p>
             <a:pPr lvl="1"/>
             <a:r>
-              <a:rPr lang="nl-BE" dirty="0" smtClean="0"/>
+              <a:rPr lang="nl-BE" sz="1800" dirty="0" smtClean="0"/>
               <a:t>Customer = kunnen niet op het dashboard (cart bekijken,  orders bekijken, producten downloaden, …)</a:t>
             </a:r>
-            <a:endParaRPr lang="nl-BE" dirty="0"/>
-          </a:p>
-          <a:p>
-            <a:endParaRPr lang="nl-BE" dirty="0" smtClean="0"/>
-          </a:p>
-          <a:p>
-            <a:endParaRPr lang="nl-BE" dirty="0"/>
-          </a:p>
-          <a:p>
-            <a:endParaRPr lang="nl-BE" dirty="0"/>
+            <a:endParaRPr lang="nl-BE" sz="1800" dirty="0"/>
+          </a:p>
+          <a:p>
+            <a:endParaRPr lang="nl-BE" sz="2000" dirty="0" smtClean="0"/>
+          </a:p>
+          <a:p>
+            <a:endParaRPr lang="nl-BE" sz="2000" dirty="0"/>
+          </a:p>
+          <a:p>
+            <a:endParaRPr lang="nl-BE" sz="2000" dirty="0"/>
           </a:p>
         </p:txBody>
       </p:sp>
@@ -11454,16 +12134,103 @@
         <p:spPr>
           <a:xfrm>
             <a:off x="677334" y="1794933"/>
-            <a:ext cx="8596668" cy="4246429"/>
+            <a:ext cx="9437510" cy="4662311"/>
           </a:xfrm>
         </p:spPr>
         <p:txBody>
-          <a:bodyPr/>
+          <a:bodyPr>
+            <a:normAutofit/>
+          </a:bodyPr>
           <a:lstStyle/>
           <a:p>
             <a:r>
               <a:rPr lang="nl-BE" sz="2000" dirty="0" smtClean="0"/>
-              <a:t>Zonder </a:t>
+              <a:t>Standaard geïmplementeerd:</a:t>
+            </a:r>
+            <a:endParaRPr lang="nl-BE" sz="2000" dirty="0" smtClean="0"/>
+          </a:p>
+          <a:p>
+            <a:pPr lvl="1"/>
+            <a:r>
+              <a:rPr lang="nl-BE" sz="1800" dirty="0" smtClean="0"/>
+              <a:t>Cash on </a:t>
+            </a:r>
+            <a:r>
+              <a:rPr lang="nl-BE" sz="1800" dirty="0" smtClean="0"/>
+              <a:t>delivery</a:t>
+            </a:r>
+          </a:p>
+          <a:p>
+            <a:pPr lvl="1"/>
+            <a:r>
+              <a:rPr lang="nl-BE" sz="1800" dirty="0" smtClean="0"/>
+              <a:t>Check </a:t>
+            </a:r>
+            <a:r>
+              <a:rPr lang="nl-BE" sz="1800" dirty="0" err="1" smtClean="0"/>
+              <a:t>payments</a:t>
+            </a:r>
+            <a:endParaRPr lang="nl-BE" sz="1800" dirty="0" smtClean="0"/>
+          </a:p>
+          <a:p>
+            <a:pPr lvl="1"/>
+            <a:r>
+              <a:rPr lang="nl-BE" sz="1800" dirty="0" smtClean="0"/>
+              <a:t>BACS (bankoverschrijvingen)</a:t>
+            </a:r>
+            <a:endParaRPr lang="nl-BE" sz="1800" dirty="0" smtClean="0"/>
+          </a:p>
+          <a:p>
+            <a:pPr lvl="1"/>
+            <a:r>
+              <a:rPr lang="nl-BE" sz="1800" dirty="0" err="1" smtClean="0"/>
+              <a:t>Paypal</a:t>
+            </a:r>
+            <a:r>
+              <a:rPr lang="nl-BE" sz="1800" dirty="0" smtClean="0"/>
+              <a:t> (</a:t>
+            </a:r>
+            <a:r>
+              <a:rPr lang="nl-BE" sz="1800" dirty="0" err="1" smtClean="0"/>
+              <a:t>paypal</a:t>
+            </a:r>
+            <a:r>
+              <a:rPr lang="nl-BE" sz="1800" dirty="0" smtClean="0"/>
+              <a:t> </a:t>
+            </a:r>
+            <a:r>
+              <a:rPr lang="nl-BE" sz="1800" dirty="0" smtClean="0"/>
+              <a:t>business account </a:t>
+            </a:r>
+            <a:r>
+              <a:rPr lang="nl-BE" sz="1800" dirty="0" smtClean="0"/>
+              <a:t>vereist</a:t>
+            </a:r>
+            <a:r>
+              <a:rPr lang="nl-BE" sz="1800" dirty="0" smtClean="0"/>
+              <a:t>) (</a:t>
+            </a:r>
+            <a:r>
+              <a:rPr lang="nl-BE" sz="1800" dirty="0" err="1" smtClean="0"/>
+              <a:t>testing</a:t>
+            </a:r>
+            <a:r>
+              <a:rPr lang="nl-BE" sz="1800" dirty="0" smtClean="0"/>
+              <a:t> kan met PayPal </a:t>
+            </a:r>
+            <a:r>
+              <a:rPr lang="nl-BE" sz="1800" dirty="0" err="1" smtClean="0"/>
+              <a:t>sandbox</a:t>
+            </a:r>
+            <a:r>
+              <a:rPr lang="nl-BE" sz="1800" dirty="0" smtClean="0"/>
+              <a:t>)</a:t>
+            </a:r>
+          </a:p>
+          <a:p>
+            <a:r>
+              <a:rPr lang="nl-BE" sz="2000" dirty="0" smtClean="0"/>
+              <a:t>Andere </a:t>
             </a:r>
             <a:r>
               <a:rPr lang="nl-BE" sz="2000" dirty="0" err="1" smtClean="0"/>
@@ -11471,41 +12238,35 @@
             </a:r>
             <a:r>
               <a:rPr lang="nl-BE" sz="2000" dirty="0" smtClean="0"/>
-              <a:t> gateway:</a:t>
+              <a:t> gateways</a:t>
             </a:r>
           </a:p>
           <a:p>
             <a:pPr lvl="1"/>
             <a:r>
               <a:rPr lang="nl-BE" sz="1800" dirty="0" smtClean="0"/>
-              <a:t>Cash on delivery</a:t>
+              <a:t>PayPal </a:t>
+            </a:r>
+            <a:r>
+              <a:rPr lang="nl-BE" sz="1800" dirty="0" err="1" smtClean="0"/>
+              <a:t>braintree</a:t>
+            </a:r>
+            <a:r>
+              <a:rPr lang="nl-BE" sz="1800" dirty="0" smtClean="0"/>
+              <a:t> (zowel credit cards als PayPal accounts)</a:t>
             </a:r>
           </a:p>
           <a:p>
             <a:pPr lvl="1"/>
             <a:r>
+              <a:rPr lang="nl-BE" sz="1800" dirty="0" err="1" smtClean="0"/>
+              <a:t>Stripe</a:t>
+            </a:r>
+            <a:r>
               <a:rPr lang="nl-BE" sz="1800" dirty="0" smtClean="0"/>
-              <a:t>BACS</a:t>
-            </a:r>
-          </a:p>
-          <a:p>
-            <a:pPr lvl="1"/>
-            <a:r>
-              <a:rPr lang="nl-BE" sz="1800" dirty="0" err="1" smtClean="0"/>
-              <a:t>Paypal</a:t>
-            </a:r>
-            <a:r>
-              <a:rPr lang="nl-BE" sz="1800" dirty="0" smtClean="0"/>
-              <a:t> (</a:t>
-            </a:r>
-            <a:r>
-              <a:rPr lang="nl-BE" sz="1800" dirty="0" err="1" smtClean="0"/>
-              <a:t>paypal</a:t>
-            </a:r>
-            <a:r>
-              <a:rPr lang="nl-BE" sz="1800" dirty="0" smtClean="0"/>
-              <a:t> account vereist)</a:t>
-            </a:r>
+              <a:t> (credit card)</a:t>
+            </a:r>
+            <a:endParaRPr lang="nl-BE" sz="1800" dirty="0" smtClean="0"/>
           </a:p>
           <a:p>
             <a:endParaRPr lang="nl-BE" sz="2000" dirty="0" smtClean="0"/>
@@ -11696,33 +12457,15 @@
                                   </p:childTnLst>
                                 </p:cTn>
                               </p:par>
-                            </p:childTnLst>
-                          </p:cTn>
-                        </p:par>
-                      </p:childTnLst>
-                    </p:cTn>
-                  </p:par>
-                  <p:par>
-                    <p:cTn id="13" fill="hold">
-                      <p:stCondLst>
-                        <p:cond delay="indefinite"/>
-                      </p:stCondLst>
-                      <p:childTnLst>
-                        <p:par>
-                          <p:cTn id="14" fill="hold">
-                            <p:stCondLst>
-                              <p:cond delay="0"/>
-                            </p:stCondLst>
-                            <p:childTnLst>
                               <p:par>
-                                <p:cTn id="15" presetID="10" presetClass="entr" presetSubtype="0" fill="hold" grpId="0" nodeType="clickEffect">
+                                <p:cTn id="13" presetID="10" presetClass="entr" presetSubtype="0" fill="hold" grpId="0" nodeType="withEffect">
                                   <p:stCondLst>
                                     <p:cond delay="0"/>
                                   </p:stCondLst>
                                   <p:childTnLst>
                                     <p:set>
                                       <p:cBhvr>
-                                        <p:cTn id="16" dur="1" fill="hold">
+                                        <p:cTn id="14" dur="1" fill="hold">
                                           <p:stCondLst>
                                             <p:cond delay="0"/>
                                           </p:stCondLst>
@@ -11744,7 +12487,7 @@
                                     </p:set>
                                     <p:animEffect transition="in" filter="fade">
                                       <p:cBhvr>
-                                        <p:cTn id="17" dur="500"/>
+                                        <p:cTn id="15" dur="500"/>
                                         <p:tgtEl>
                                           <p:spTgt spid="3">
                                             <p:txEl>
@@ -11764,26 +12507,26 @@
                     </p:cTn>
                   </p:par>
                   <p:par>
-                    <p:cTn id="18" fill="hold">
+                    <p:cTn id="16" fill="hold">
                       <p:stCondLst>
                         <p:cond delay="indefinite"/>
                       </p:stCondLst>
                       <p:childTnLst>
                         <p:par>
-                          <p:cTn id="19" fill="hold">
+                          <p:cTn id="17" fill="hold">
                             <p:stCondLst>
                               <p:cond delay="0"/>
                             </p:stCondLst>
                             <p:childTnLst>
                               <p:par>
-                                <p:cTn id="20" presetID="10" presetClass="entr" presetSubtype="0" fill="hold" grpId="0" nodeType="clickEffect">
+                                <p:cTn id="18" presetID="10" presetClass="entr" presetSubtype="0" fill="hold" grpId="0" nodeType="clickEffect">
                                   <p:stCondLst>
                                     <p:cond delay="0"/>
                                   </p:stCondLst>
                                   <p:childTnLst>
                                     <p:set>
                                       <p:cBhvr>
-                                        <p:cTn id="21" dur="1" fill="hold">
+                                        <p:cTn id="19" dur="1" fill="hold">
                                           <p:stCondLst>
                                             <p:cond delay="0"/>
                                           </p:stCondLst>
@@ -11805,7 +12548,7 @@
                                     </p:set>
                                     <p:animEffect transition="in" filter="fade">
                                       <p:cBhvr>
-                                        <p:cTn id="22" dur="500"/>
+                                        <p:cTn id="20" dur="500"/>
                                         <p:tgtEl>
                                           <p:spTgt spid="3">
                                             <p:txEl>
@@ -11825,26 +12568,26 @@
                     </p:cTn>
                   </p:par>
                   <p:par>
-                    <p:cTn id="23" fill="hold">
+                    <p:cTn id="21" fill="hold">
                       <p:stCondLst>
                         <p:cond delay="indefinite"/>
                       </p:stCondLst>
                       <p:childTnLst>
                         <p:par>
-                          <p:cTn id="24" fill="hold">
+                          <p:cTn id="22" fill="hold">
                             <p:stCondLst>
                               <p:cond delay="0"/>
                             </p:stCondLst>
                             <p:childTnLst>
                               <p:par>
-                                <p:cTn id="25" presetID="10" presetClass="entr" presetSubtype="0" fill="hold" grpId="0" nodeType="clickEffect">
+                                <p:cTn id="23" presetID="10" presetClass="entr" presetSubtype="0" fill="hold" grpId="0" nodeType="clickEffect">
                                   <p:stCondLst>
                                     <p:cond delay="0"/>
                                   </p:stCondLst>
                                   <p:childTnLst>
                                     <p:set>
                                       <p:cBhvr>
-                                        <p:cTn id="26" dur="1" fill="hold">
+                                        <p:cTn id="24" dur="1" fill="hold">
                                           <p:stCondLst>
                                             <p:cond delay="0"/>
                                           </p:stCondLst>
@@ -11852,7 +12595,7 @@
                                         <p:tgtEl>
                                           <p:spTgt spid="3">
                                             <p:txEl>
-                                              <p:pRg st="5" end="5"/>
+                                              <p:pRg st="4" end="4"/>
                                             </p:txEl>
                                           </p:spTgt>
                                         </p:tgtEl>
@@ -11866,11 +12609,11 @@
                                     </p:set>
                                     <p:animEffect transition="in" filter="fade">
                                       <p:cBhvr>
-                                        <p:cTn id="27" dur="500"/>
+                                        <p:cTn id="25" dur="500"/>
                                         <p:tgtEl>
                                           <p:spTgt spid="3">
                                             <p:txEl>
-                                              <p:pRg st="5" end="5"/>
+                                              <p:pRg st="4" end="4"/>
                                             </p:txEl>
                                           </p:spTgt>
                                         </p:tgtEl>
@@ -11886,26 +12629,69 @@
                     </p:cTn>
                   </p:par>
                   <p:par>
-                    <p:cTn id="28" fill="hold">
+                    <p:cTn id="26" fill="hold">
                       <p:stCondLst>
                         <p:cond delay="indefinite"/>
                       </p:stCondLst>
                       <p:childTnLst>
                         <p:par>
-                          <p:cTn id="29" fill="hold">
+                          <p:cTn id="27" fill="hold">
                             <p:stCondLst>
                               <p:cond delay="0"/>
                             </p:stCondLst>
                             <p:childTnLst>
                               <p:par>
-                                <p:cTn id="30" presetID="10" presetClass="entr" presetSubtype="0" fill="hold" grpId="0" nodeType="clickEffect">
+                                <p:cTn id="28" presetID="10" presetClass="entr" presetSubtype="0" fill="hold" grpId="0" nodeType="clickEffect">
                                   <p:stCondLst>
                                     <p:cond delay="0"/>
                                   </p:stCondLst>
                                   <p:childTnLst>
                                     <p:set>
                                       <p:cBhvr>
-                                        <p:cTn id="31" dur="1" fill="hold">
+                                        <p:cTn id="29" dur="1" fill="hold">
+                                          <p:stCondLst>
+                                            <p:cond delay="0"/>
+                                          </p:stCondLst>
+                                        </p:cTn>
+                                        <p:tgtEl>
+                                          <p:spTgt spid="3">
+                                            <p:txEl>
+                                              <p:pRg st="5" end="5"/>
+                                            </p:txEl>
+                                          </p:spTgt>
+                                        </p:tgtEl>
+                                        <p:attrNameLst>
+                                          <p:attrName>style.visibility</p:attrName>
+                                        </p:attrNameLst>
+                                      </p:cBhvr>
+                                      <p:to>
+                                        <p:strVal val="visible"/>
+                                      </p:to>
+                                    </p:set>
+                                    <p:animEffect transition="in" filter="fade">
+                                      <p:cBhvr>
+                                        <p:cTn id="30" dur="500"/>
+                                        <p:tgtEl>
+                                          <p:spTgt spid="3">
+                                            <p:txEl>
+                                              <p:pRg st="5" end="5"/>
+                                            </p:txEl>
+                                          </p:spTgt>
+                                        </p:tgtEl>
+                                      </p:cBhvr>
+                                    </p:animEffect>
+                                  </p:childTnLst>
+                                </p:cTn>
+                              </p:par>
+                              <p:par>
+                                <p:cTn id="31" presetID="10" presetClass="entr" presetSubtype="0" fill="hold" grpId="0" nodeType="withEffect">
+                                  <p:stCondLst>
+                                    <p:cond delay="0"/>
+                                  </p:stCondLst>
+                                  <p:childTnLst>
+                                    <p:set>
+                                      <p:cBhvr>
+                                        <p:cTn id="32" dur="1" fill="hold">
                                           <p:stCondLst>
                                             <p:cond delay="0"/>
                                           </p:stCondLst>
@@ -11927,11 +12713,176 @@
                                     </p:set>
                                     <p:animEffect transition="in" filter="fade">
                                       <p:cBhvr>
-                                        <p:cTn id="32" dur="500"/>
+                                        <p:cTn id="33" dur="500"/>
                                         <p:tgtEl>
                                           <p:spTgt spid="3">
                                             <p:txEl>
                                               <p:pRg st="6" end="6"/>
+                                            </p:txEl>
+                                          </p:spTgt>
+                                        </p:tgtEl>
+                                      </p:cBhvr>
+                                    </p:animEffect>
+                                  </p:childTnLst>
+                                </p:cTn>
+                              </p:par>
+                              <p:par>
+                                <p:cTn id="34" presetID="10" presetClass="entr" presetSubtype="0" fill="hold" grpId="0" nodeType="withEffect">
+                                  <p:stCondLst>
+                                    <p:cond delay="0"/>
+                                  </p:stCondLst>
+                                  <p:childTnLst>
+                                    <p:set>
+                                      <p:cBhvr>
+                                        <p:cTn id="35" dur="1" fill="hold">
+                                          <p:stCondLst>
+                                            <p:cond delay="0"/>
+                                          </p:stCondLst>
+                                        </p:cTn>
+                                        <p:tgtEl>
+                                          <p:spTgt spid="3">
+                                            <p:txEl>
+                                              <p:pRg st="7" end="7"/>
+                                            </p:txEl>
+                                          </p:spTgt>
+                                        </p:tgtEl>
+                                        <p:attrNameLst>
+                                          <p:attrName>style.visibility</p:attrName>
+                                        </p:attrNameLst>
+                                      </p:cBhvr>
+                                      <p:to>
+                                        <p:strVal val="visible"/>
+                                      </p:to>
+                                    </p:set>
+                                    <p:animEffect transition="in" filter="fade">
+                                      <p:cBhvr>
+                                        <p:cTn id="36" dur="500"/>
+                                        <p:tgtEl>
+                                          <p:spTgt spid="3">
+                                            <p:txEl>
+                                              <p:pRg st="7" end="7"/>
+                                            </p:txEl>
+                                          </p:spTgt>
+                                        </p:tgtEl>
+                                      </p:cBhvr>
+                                    </p:animEffect>
+                                  </p:childTnLst>
+                                </p:cTn>
+                              </p:par>
+                            </p:childTnLst>
+                          </p:cTn>
+                        </p:par>
+                      </p:childTnLst>
+                    </p:cTn>
+                  </p:par>
+                  <p:par>
+                    <p:cTn id="37" fill="hold">
+                      <p:stCondLst>
+                        <p:cond delay="indefinite"/>
+                      </p:stCondLst>
+                      <p:childTnLst>
+                        <p:par>
+                          <p:cTn id="38" fill="hold">
+                            <p:stCondLst>
+                              <p:cond delay="0"/>
+                            </p:stCondLst>
+                            <p:childTnLst>
+                              <p:par>
+                                <p:cTn id="39" presetID="10" presetClass="entr" presetSubtype="0" fill="hold" grpId="0" nodeType="clickEffect">
+                                  <p:stCondLst>
+                                    <p:cond delay="0"/>
+                                  </p:stCondLst>
+                                  <p:childTnLst>
+                                    <p:set>
+                                      <p:cBhvr>
+                                        <p:cTn id="40" dur="1" fill="hold">
+                                          <p:stCondLst>
+                                            <p:cond delay="0"/>
+                                          </p:stCondLst>
+                                        </p:cTn>
+                                        <p:tgtEl>
+                                          <p:spTgt spid="3">
+                                            <p:txEl>
+                                              <p:pRg st="9" end="9"/>
+                                            </p:txEl>
+                                          </p:spTgt>
+                                        </p:tgtEl>
+                                        <p:attrNameLst>
+                                          <p:attrName>style.visibility</p:attrName>
+                                        </p:attrNameLst>
+                                      </p:cBhvr>
+                                      <p:to>
+                                        <p:strVal val="visible"/>
+                                      </p:to>
+                                    </p:set>
+                                    <p:animEffect transition="in" filter="fade">
+                                      <p:cBhvr>
+                                        <p:cTn id="41" dur="500"/>
+                                        <p:tgtEl>
+                                          <p:spTgt spid="3">
+                                            <p:txEl>
+                                              <p:pRg st="9" end="9"/>
+                                            </p:txEl>
+                                          </p:spTgt>
+                                        </p:tgtEl>
+                                      </p:cBhvr>
+                                    </p:animEffect>
+                                  </p:childTnLst>
+                                </p:cTn>
+                              </p:par>
+                            </p:childTnLst>
+                          </p:cTn>
+                        </p:par>
+                      </p:childTnLst>
+                    </p:cTn>
+                  </p:par>
+                  <p:par>
+                    <p:cTn id="42" fill="hold">
+                      <p:stCondLst>
+                        <p:cond delay="indefinite"/>
+                      </p:stCondLst>
+                      <p:childTnLst>
+                        <p:par>
+                          <p:cTn id="43" fill="hold">
+                            <p:stCondLst>
+                              <p:cond delay="0"/>
+                            </p:stCondLst>
+                            <p:childTnLst>
+                              <p:par>
+                                <p:cTn id="44" presetID="10" presetClass="entr" presetSubtype="0" fill="hold" grpId="0" nodeType="clickEffect">
+                                  <p:stCondLst>
+                                    <p:cond delay="0"/>
+                                  </p:stCondLst>
+                                  <p:childTnLst>
+                                    <p:set>
+                                      <p:cBhvr>
+                                        <p:cTn id="45" dur="1" fill="hold">
+                                          <p:stCondLst>
+                                            <p:cond delay="0"/>
+                                          </p:stCondLst>
+                                        </p:cTn>
+                                        <p:tgtEl>
+                                          <p:spTgt spid="3">
+                                            <p:txEl>
+                                              <p:pRg st="10" end="10"/>
+                                            </p:txEl>
+                                          </p:spTgt>
+                                        </p:tgtEl>
+                                        <p:attrNameLst>
+                                          <p:attrName>style.visibility</p:attrName>
+                                        </p:attrNameLst>
+                                      </p:cBhvr>
+                                      <p:to>
+                                        <p:strVal val="visible"/>
+                                      </p:to>
+                                    </p:set>
+                                    <p:animEffect transition="in" filter="fade">
+                                      <p:cBhvr>
+                                        <p:cTn id="46" dur="500"/>
+                                        <p:tgtEl>
+                                          <p:spTgt spid="3">
+                                            <p:txEl>
+                                              <p:pRg st="10" end="10"/>
                                             </p:txEl>
                                           </p:spTgt>
                                         </p:tgtEl>
@@ -12029,7 +12980,40 @@
           <a:bodyPr/>
           <a:lstStyle/>
           <a:p>
-            <a:endParaRPr lang="nl-BE"/>
+            <a:r>
+              <a:rPr lang="nl-BE" sz="2000" dirty="0" err="1" smtClean="0"/>
+              <a:t>Shipping</a:t>
+            </a:r>
+            <a:r>
+              <a:rPr lang="nl-BE" sz="2000" dirty="0"/>
+              <a:t> </a:t>
+            </a:r>
+            <a:r>
+              <a:rPr lang="nl-BE" sz="2000" dirty="0" smtClean="0"/>
+              <a:t>vs. </a:t>
+            </a:r>
+            <a:r>
+              <a:rPr lang="nl-BE" sz="2000" dirty="0" err="1" smtClean="0"/>
+              <a:t>Billing</a:t>
+            </a:r>
+            <a:r>
+              <a:rPr lang="nl-BE" sz="2000" dirty="0" smtClean="0"/>
+              <a:t> </a:t>
+            </a:r>
+            <a:r>
+              <a:rPr lang="nl-BE" sz="2000" dirty="0" err="1" smtClean="0"/>
+              <a:t>address</a:t>
+            </a:r>
+            <a:endParaRPr lang="nl-BE" sz="2000" dirty="0" smtClean="0"/>
+          </a:p>
+          <a:p>
+            <a:r>
+              <a:rPr lang="nl-BE" sz="2000" dirty="0" smtClean="0"/>
+              <a:t>In te stellen per land (en optioneel per staat, stad, …)</a:t>
+            </a:r>
+          </a:p>
+          <a:p>
+            <a:endParaRPr lang="nl-BE" sz="2000" dirty="0"/>
           </a:p>
         </p:txBody>
       </p:sp>
@@ -12049,7 +13033,7 @@
         </p:blipFill>
         <p:spPr>
           <a:xfrm>
-            <a:off x="268879" y="4480637"/>
+            <a:off x="291457" y="3532371"/>
             <a:ext cx="10548505" cy="2026123"/>
           </a:xfrm>
           <a:prstGeom prst="rect">
@@ -12070,9 +13054,192 @@
   <p:timing>
     <p:tnLst>
       <p:par>
-        <p:cTn id="1" dur="indefinite" restart="never" nodeType="tmRoot"/>
+        <p:cTn id="1" dur="indefinite" restart="never" nodeType="tmRoot">
+          <p:childTnLst>
+            <p:seq concurrent="1" nextAc="seek">
+              <p:cTn id="2" dur="indefinite" nodeType="mainSeq">
+                <p:childTnLst>
+                  <p:par>
+                    <p:cTn id="3" fill="hold">
+                      <p:stCondLst>
+                        <p:cond delay="indefinite"/>
+                      </p:stCondLst>
+                      <p:childTnLst>
+                        <p:par>
+                          <p:cTn id="4" fill="hold">
+                            <p:stCondLst>
+                              <p:cond delay="0"/>
+                            </p:stCondLst>
+                            <p:childTnLst>
+                              <p:par>
+                                <p:cTn id="5" presetID="10" presetClass="entr" presetSubtype="0" fill="hold" grpId="0" nodeType="clickEffect">
+                                  <p:stCondLst>
+                                    <p:cond delay="0"/>
+                                  </p:stCondLst>
+                                  <p:childTnLst>
+                                    <p:set>
+                                      <p:cBhvr>
+                                        <p:cTn id="6" dur="1" fill="hold">
+                                          <p:stCondLst>
+                                            <p:cond delay="0"/>
+                                          </p:stCondLst>
+                                        </p:cTn>
+                                        <p:tgtEl>
+                                          <p:spTgt spid="3">
+                                            <p:txEl>
+                                              <p:pRg st="0" end="0"/>
+                                            </p:txEl>
+                                          </p:spTgt>
+                                        </p:tgtEl>
+                                        <p:attrNameLst>
+                                          <p:attrName>style.visibility</p:attrName>
+                                        </p:attrNameLst>
+                                      </p:cBhvr>
+                                      <p:to>
+                                        <p:strVal val="visible"/>
+                                      </p:to>
+                                    </p:set>
+                                    <p:animEffect transition="in" filter="fade">
+                                      <p:cBhvr>
+                                        <p:cTn id="7" dur="500"/>
+                                        <p:tgtEl>
+                                          <p:spTgt spid="3">
+                                            <p:txEl>
+                                              <p:pRg st="0" end="0"/>
+                                            </p:txEl>
+                                          </p:spTgt>
+                                        </p:tgtEl>
+                                      </p:cBhvr>
+                                    </p:animEffect>
+                                  </p:childTnLst>
+                                </p:cTn>
+                              </p:par>
+                            </p:childTnLst>
+                          </p:cTn>
+                        </p:par>
+                      </p:childTnLst>
+                    </p:cTn>
+                  </p:par>
+                  <p:par>
+                    <p:cTn id="8" fill="hold">
+                      <p:stCondLst>
+                        <p:cond delay="indefinite"/>
+                      </p:stCondLst>
+                      <p:childTnLst>
+                        <p:par>
+                          <p:cTn id="9" fill="hold">
+                            <p:stCondLst>
+                              <p:cond delay="0"/>
+                            </p:stCondLst>
+                            <p:childTnLst>
+                              <p:par>
+                                <p:cTn id="10" presetID="10" presetClass="entr" presetSubtype="0" fill="hold" grpId="0" nodeType="clickEffect">
+                                  <p:stCondLst>
+                                    <p:cond delay="0"/>
+                                  </p:stCondLst>
+                                  <p:childTnLst>
+                                    <p:set>
+                                      <p:cBhvr>
+                                        <p:cTn id="11" dur="1" fill="hold">
+                                          <p:stCondLst>
+                                            <p:cond delay="0"/>
+                                          </p:stCondLst>
+                                        </p:cTn>
+                                        <p:tgtEl>
+                                          <p:spTgt spid="3">
+                                            <p:txEl>
+                                              <p:pRg st="1" end="1"/>
+                                            </p:txEl>
+                                          </p:spTgt>
+                                        </p:tgtEl>
+                                        <p:attrNameLst>
+                                          <p:attrName>style.visibility</p:attrName>
+                                        </p:attrNameLst>
+                                      </p:cBhvr>
+                                      <p:to>
+                                        <p:strVal val="visible"/>
+                                      </p:to>
+                                    </p:set>
+                                    <p:animEffect transition="in" filter="fade">
+                                      <p:cBhvr>
+                                        <p:cTn id="12" dur="500"/>
+                                        <p:tgtEl>
+                                          <p:spTgt spid="3">
+                                            <p:txEl>
+                                              <p:pRg st="1" end="1"/>
+                                            </p:txEl>
+                                          </p:spTgt>
+                                        </p:tgtEl>
+                                      </p:cBhvr>
+                                    </p:animEffect>
+                                  </p:childTnLst>
+                                </p:cTn>
+                              </p:par>
+                              <p:par>
+                                <p:cTn id="13" presetID="10" presetClass="entr" presetSubtype="0" fill="hold" nodeType="withEffect">
+                                  <p:stCondLst>
+                                    <p:cond delay="0"/>
+                                  </p:stCondLst>
+                                  <p:childTnLst>
+                                    <p:set>
+                                      <p:cBhvr>
+                                        <p:cTn id="14" dur="1" fill="hold">
+                                          <p:stCondLst>
+                                            <p:cond delay="0"/>
+                                          </p:stCondLst>
+                                        </p:cTn>
+                                        <p:tgtEl>
+                                          <p:spTgt spid="4"/>
+                                        </p:tgtEl>
+                                        <p:attrNameLst>
+                                          <p:attrName>style.visibility</p:attrName>
+                                        </p:attrNameLst>
+                                      </p:cBhvr>
+                                      <p:to>
+                                        <p:strVal val="visible"/>
+                                      </p:to>
+                                    </p:set>
+                                    <p:animEffect transition="in" filter="fade">
+                                      <p:cBhvr>
+                                        <p:cTn id="15" dur="500"/>
+                                        <p:tgtEl>
+                                          <p:spTgt spid="4"/>
+                                        </p:tgtEl>
+                                      </p:cBhvr>
+                                    </p:animEffect>
+                                  </p:childTnLst>
+                                </p:cTn>
+                              </p:par>
+                            </p:childTnLst>
+                          </p:cTn>
+                        </p:par>
+                      </p:childTnLst>
+                    </p:cTn>
+                  </p:par>
+                </p:childTnLst>
+              </p:cTn>
+              <p:prevCondLst>
+                <p:cond evt="onPrev" delay="0">
+                  <p:tgtEl>
+                    <p:sldTgt/>
+                  </p:tgtEl>
+                </p:cond>
+              </p:prevCondLst>
+              <p:nextCondLst>
+                <p:cond evt="onNext" delay="0">
+                  <p:tgtEl>
+                    <p:sldTgt/>
+                  </p:tgtEl>
+                </p:cond>
+              </p:nextCondLst>
+            </p:seq>
+          </p:childTnLst>
+        </p:cTn>
       </p:par>
     </p:tnLst>
+    <p:bldLst>
+      <p:bldP spid="3" grpId="0" build="p"/>
+    </p:bldLst>
   </p:timing>
 </p:sld>
 </file>
@@ -12525,18 +13692,6 @@
               <a:rPr lang="nl-BE" dirty="0" err="1" smtClean="0"/>
               <a:t>Shipping</a:t>
             </a:r>
-            <a:r>
-              <a:rPr lang="nl-BE" dirty="0" smtClean="0"/>
-              <a:t> </a:t>
-            </a:r>
-            <a:r>
-              <a:rPr lang="nl-BE" dirty="0" err="1" smtClean="0"/>
-              <a:t>methods</a:t>
-            </a:r>
-            <a:r>
-              <a:rPr lang="nl-BE" dirty="0" smtClean="0"/>
-              <a:t> / verzendingsmethodes</a:t>
-            </a:r>
             <a:endParaRPr lang="nl-BE" dirty="0"/>
           </a:p>
         </p:txBody>
@@ -12551,27 +13706,124 @@
             <p:ph idx="1"/>
           </p:nvPr>
         </p:nvSpPr>
-        <p:spPr/>
+        <p:spPr>
+          <a:xfrm>
+            <a:off x="677334" y="1930401"/>
+            <a:ext cx="8596668" cy="4110962"/>
+          </a:xfrm>
+        </p:spPr>
         <p:txBody>
           <a:bodyPr/>
           <a:lstStyle/>
           <a:p>
             <a:r>
-              <a:rPr lang="nl-BE" dirty="0" smtClean="0"/>
-              <a:t>Opzetten per regio (land, staat, postcode, …)</a:t>
-            </a:r>
-          </a:p>
-          <a:p>
-            <a:r>
-              <a:rPr lang="nl-BE" dirty="0" smtClean="0"/>
-              <a:t>Bepalen of het voor het hele winkelwagentje geldt, of per product</a:t>
-            </a:r>
-          </a:p>
-          <a:p>
-            <a:r>
-              <a:rPr lang="nl-BE" dirty="0" smtClean="0"/>
-              <a:t>Bepalen of het een percentage of vast bedrag is</a:t>
-            </a:r>
+              <a:rPr lang="nl-BE" sz="2000" dirty="0" err="1" smtClean="0"/>
+              <a:t>Shipping</a:t>
+            </a:r>
+            <a:r>
+              <a:rPr lang="nl-BE" sz="2000" dirty="0" smtClean="0"/>
+              <a:t> zones:</a:t>
+            </a:r>
+          </a:p>
+          <a:p>
+            <a:pPr lvl="1"/>
+            <a:r>
+              <a:rPr lang="nl-BE" sz="1800" dirty="0" smtClean="0"/>
+              <a:t>Opzetten </a:t>
+            </a:r>
+            <a:r>
+              <a:rPr lang="nl-BE" sz="1800" dirty="0" smtClean="0"/>
+              <a:t>per regio (land, staat, postcode, …)</a:t>
+            </a:r>
+          </a:p>
+          <a:p>
+            <a:r>
+              <a:rPr lang="nl-BE" sz="2000" dirty="0" err="1" smtClean="0"/>
+              <a:t>Shipping</a:t>
+            </a:r>
+            <a:r>
+              <a:rPr lang="nl-BE" sz="2000" dirty="0" smtClean="0"/>
+              <a:t> </a:t>
+            </a:r>
+            <a:r>
+              <a:rPr lang="nl-BE" sz="2000" dirty="0" err="1" smtClean="0"/>
+              <a:t>rates</a:t>
+            </a:r>
+            <a:r>
+              <a:rPr lang="nl-BE" sz="2000" dirty="0" smtClean="0"/>
+              <a:t>:</a:t>
+            </a:r>
+          </a:p>
+          <a:p>
+            <a:pPr lvl="1"/>
+            <a:r>
+              <a:rPr lang="nl-BE" sz="1800" dirty="0" smtClean="0"/>
+              <a:t>Bepalen </a:t>
+            </a:r>
+            <a:r>
+              <a:rPr lang="nl-BE" sz="1800" dirty="0" smtClean="0"/>
+              <a:t>of het voor het hele winkelwagentje geldt, of per product</a:t>
+            </a:r>
+          </a:p>
+          <a:p>
+            <a:pPr lvl="1"/>
+            <a:r>
+              <a:rPr lang="nl-BE" sz="1800" dirty="0" smtClean="0"/>
+              <a:t>Bepalen of het een percentage of vast bedrag </a:t>
+            </a:r>
+            <a:r>
+              <a:rPr lang="nl-BE" sz="1800" dirty="0" smtClean="0"/>
+              <a:t>is</a:t>
+            </a:r>
+            <a:endParaRPr lang="nl-BE" sz="1800" dirty="0"/>
+          </a:p>
+          <a:p>
+            <a:r>
+              <a:rPr lang="nl-BE" sz="2000" dirty="0" err="1" smtClean="0"/>
+              <a:t>Shipping</a:t>
+            </a:r>
+            <a:r>
+              <a:rPr lang="nl-BE" sz="2000" dirty="0" smtClean="0"/>
+              <a:t> classes</a:t>
+            </a:r>
+          </a:p>
+          <a:p>
+            <a:pPr lvl="1"/>
+            <a:r>
+              <a:rPr lang="nl-BE" sz="1800" dirty="0" smtClean="0"/>
+              <a:t>Voor bepaalde producten (</a:t>
+            </a:r>
+            <a:r>
+              <a:rPr lang="nl-BE" sz="1800" dirty="0" err="1" smtClean="0"/>
+              <a:t>bvb</a:t>
+            </a:r>
+            <a:r>
+              <a:rPr lang="nl-BE" sz="1800" dirty="0" smtClean="0"/>
+              <a:t> grote producten)</a:t>
+            </a:r>
+          </a:p>
+          <a:p>
+            <a:pPr lvl="1"/>
+            <a:r>
+              <a:rPr lang="nl-BE" sz="1800" dirty="0" smtClean="0"/>
+              <a:t>Extra kost bij de </a:t>
+            </a:r>
+            <a:r>
+              <a:rPr lang="nl-BE" sz="1800" dirty="0" err="1" smtClean="0"/>
+              <a:t>shipping</a:t>
+            </a:r>
+            <a:r>
+              <a:rPr lang="nl-BE" sz="1800" dirty="0" smtClean="0"/>
+              <a:t> </a:t>
+            </a:r>
+            <a:r>
+              <a:rPr lang="nl-BE" sz="1800" dirty="0" err="1" smtClean="0"/>
+              <a:t>rates</a:t>
+            </a:r>
+            <a:endParaRPr lang="nl-BE" sz="1800" dirty="0"/>
+          </a:p>
+          <a:p>
+            <a:endParaRPr lang="nl-BE" dirty="0" smtClean="0"/>
           </a:p>
           <a:p>
             <a:endParaRPr lang="nl-BE" dirty="0"/>
@@ -12594,7 +13846,7 @@
         </p:blipFill>
         <p:spPr>
           <a:xfrm>
-            <a:off x="7041267" y="1234621"/>
+            <a:off x="7041266" y="797533"/>
             <a:ext cx="4980373" cy="4369514"/>
           </a:xfrm>
           <a:prstGeom prst="rect">
@@ -12618,8 +13870,32 @@
         </p:blipFill>
         <p:spPr>
           <a:xfrm>
-            <a:off x="7402394" y="5570950"/>
+            <a:off x="7312083" y="5166977"/>
             <a:ext cx="4258118" cy="874316"/>
+          </a:xfrm>
+          <a:prstGeom prst="rect">
+            <a:avLst/>
+          </a:prstGeom>
+        </p:spPr>
+      </p:pic>
+      <p:pic>
+        <p:nvPicPr>
+          <p:cNvPr id="7" name="Afbeelding 6"/>
+          <p:cNvPicPr>
+            <a:picLocks noChangeAspect="1"/>
+          </p:cNvPicPr>
+          <p:nvPr/>
+        </p:nvPicPr>
+        <p:blipFill>
+          <a:blip r:embed="rId4"/>
+          <a:stretch>
+            <a:fillRect/>
+          </a:stretch>
+        </p:blipFill>
+        <p:spPr>
+          <a:xfrm>
+            <a:off x="6831439" y="1011988"/>
+            <a:ext cx="5400025" cy="4592147"/>
           </a:xfrm>
           <a:prstGeom prst="rect">
             <a:avLst/>
@@ -12639,9 +13915,716 @@
   <p:timing>
     <p:tnLst>
       <p:par>
-        <p:cTn id="1" dur="indefinite" restart="never" nodeType="tmRoot"/>
+        <p:cTn id="1" dur="indefinite" restart="never" nodeType="tmRoot">
+          <p:childTnLst>
+            <p:seq concurrent="1" nextAc="seek">
+              <p:cTn id="2" dur="indefinite" nodeType="mainSeq">
+                <p:childTnLst>
+                  <p:par>
+                    <p:cTn id="3" fill="hold">
+                      <p:stCondLst>
+                        <p:cond delay="indefinite"/>
+                      </p:stCondLst>
+                      <p:childTnLst>
+                        <p:par>
+                          <p:cTn id="4" fill="hold">
+                            <p:stCondLst>
+                              <p:cond delay="0"/>
+                            </p:stCondLst>
+                            <p:childTnLst>
+                              <p:par>
+                                <p:cTn id="5" presetID="10" presetClass="entr" presetSubtype="0" fill="hold" grpId="0" nodeType="clickEffect">
+                                  <p:stCondLst>
+                                    <p:cond delay="0"/>
+                                  </p:stCondLst>
+                                  <p:childTnLst>
+                                    <p:set>
+                                      <p:cBhvr>
+                                        <p:cTn id="6" dur="1" fill="hold">
+                                          <p:stCondLst>
+                                            <p:cond delay="0"/>
+                                          </p:stCondLst>
+                                        </p:cTn>
+                                        <p:tgtEl>
+                                          <p:spTgt spid="3">
+                                            <p:txEl>
+                                              <p:pRg st="0" end="0"/>
+                                            </p:txEl>
+                                          </p:spTgt>
+                                        </p:tgtEl>
+                                        <p:attrNameLst>
+                                          <p:attrName>style.visibility</p:attrName>
+                                        </p:attrNameLst>
+                                      </p:cBhvr>
+                                      <p:to>
+                                        <p:strVal val="visible"/>
+                                      </p:to>
+                                    </p:set>
+                                    <p:animEffect transition="in" filter="fade">
+                                      <p:cBhvr>
+                                        <p:cTn id="7" dur="500"/>
+                                        <p:tgtEl>
+                                          <p:spTgt spid="3">
+                                            <p:txEl>
+                                              <p:pRg st="0" end="0"/>
+                                            </p:txEl>
+                                          </p:spTgt>
+                                        </p:tgtEl>
+                                      </p:cBhvr>
+                                    </p:animEffect>
+                                  </p:childTnLst>
+                                </p:cTn>
+                              </p:par>
+                            </p:childTnLst>
+                          </p:cTn>
+                        </p:par>
+                      </p:childTnLst>
+                    </p:cTn>
+                  </p:par>
+                  <p:par>
+                    <p:cTn id="8" fill="hold">
+                      <p:stCondLst>
+                        <p:cond delay="indefinite"/>
+                      </p:stCondLst>
+                      <p:childTnLst>
+                        <p:par>
+                          <p:cTn id="9" fill="hold">
+                            <p:stCondLst>
+                              <p:cond delay="0"/>
+                            </p:stCondLst>
+                            <p:childTnLst>
+                              <p:par>
+                                <p:cTn id="10" presetID="10" presetClass="entr" presetSubtype="0" fill="hold" grpId="0" nodeType="clickEffect">
+                                  <p:stCondLst>
+                                    <p:cond delay="0"/>
+                                  </p:stCondLst>
+                                  <p:childTnLst>
+                                    <p:set>
+                                      <p:cBhvr>
+                                        <p:cTn id="11" dur="1" fill="hold">
+                                          <p:stCondLst>
+                                            <p:cond delay="0"/>
+                                          </p:stCondLst>
+                                        </p:cTn>
+                                        <p:tgtEl>
+                                          <p:spTgt spid="3">
+                                            <p:txEl>
+                                              <p:pRg st="1" end="1"/>
+                                            </p:txEl>
+                                          </p:spTgt>
+                                        </p:tgtEl>
+                                        <p:attrNameLst>
+                                          <p:attrName>style.visibility</p:attrName>
+                                        </p:attrNameLst>
+                                      </p:cBhvr>
+                                      <p:to>
+                                        <p:strVal val="visible"/>
+                                      </p:to>
+                                    </p:set>
+                                    <p:animEffect transition="in" filter="fade">
+                                      <p:cBhvr>
+                                        <p:cTn id="12" dur="500"/>
+                                        <p:tgtEl>
+                                          <p:spTgt spid="3">
+                                            <p:txEl>
+                                              <p:pRg st="1" end="1"/>
+                                            </p:txEl>
+                                          </p:spTgt>
+                                        </p:tgtEl>
+                                      </p:cBhvr>
+                                    </p:animEffect>
+                                  </p:childTnLst>
+                                </p:cTn>
+                              </p:par>
+                            </p:childTnLst>
+                          </p:cTn>
+                        </p:par>
+                      </p:childTnLst>
+                    </p:cTn>
+                  </p:par>
+                  <p:par>
+                    <p:cTn id="13" fill="hold">
+                      <p:stCondLst>
+                        <p:cond delay="indefinite"/>
+                      </p:stCondLst>
+                      <p:childTnLst>
+                        <p:par>
+                          <p:cTn id="14" fill="hold">
+                            <p:stCondLst>
+                              <p:cond delay="0"/>
+                            </p:stCondLst>
+                            <p:childTnLst>
+                              <p:par>
+                                <p:cTn id="15" presetID="10" presetClass="entr" presetSubtype="0" fill="hold" grpId="0" nodeType="clickEffect">
+                                  <p:stCondLst>
+                                    <p:cond delay="0"/>
+                                  </p:stCondLst>
+                                  <p:childTnLst>
+                                    <p:set>
+                                      <p:cBhvr>
+                                        <p:cTn id="16" dur="1" fill="hold">
+                                          <p:stCondLst>
+                                            <p:cond delay="0"/>
+                                          </p:stCondLst>
+                                        </p:cTn>
+                                        <p:tgtEl>
+                                          <p:spTgt spid="3">
+                                            <p:txEl>
+                                              <p:pRg st="2" end="2"/>
+                                            </p:txEl>
+                                          </p:spTgt>
+                                        </p:tgtEl>
+                                        <p:attrNameLst>
+                                          <p:attrName>style.visibility</p:attrName>
+                                        </p:attrNameLst>
+                                      </p:cBhvr>
+                                      <p:to>
+                                        <p:strVal val="visible"/>
+                                      </p:to>
+                                    </p:set>
+                                    <p:animEffect transition="in" filter="fade">
+                                      <p:cBhvr>
+                                        <p:cTn id="17" dur="500"/>
+                                        <p:tgtEl>
+                                          <p:spTgt spid="3">
+                                            <p:txEl>
+                                              <p:pRg st="2" end="2"/>
+                                            </p:txEl>
+                                          </p:spTgt>
+                                        </p:tgtEl>
+                                      </p:cBhvr>
+                                    </p:animEffect>
+                                  </p:childTnLst>
+                                </p:cTn>
+                              </p:par>
+                            </p:childTnLst>
+                          </p:cTn>
+                        </p:par>
+                      </p:childTnLst>
+                    </p:cTn>
+                  </p:par>
+                  <p:par>
+                    <p:cTn id="18" fill="hold">
+                      <p:stCondLst>
+                        <p:cond delay="indefinite"/>
+                      </p:stCondLst>
+                      <p:childTnLst>
+                        <p:par>
+                          <p:cTn id="19" fill="hold">
+                            <p:stCondLst>
+                              <p:cond delay="0"/>
+                            </p:stCondLst>
+                            <p:childTnLst>
+                              <p:par>
+                                <p:cTn id="20" presetID="10" presetClass="entr" presetSubtype="0" fill="hold" grpId="0" nodeType="clickEffect">
+                                  <p:stCondLst>
+                                    <p:cond delay="0"/>
+                                  </p:stCondLst>
+                                  <p:childTnLst>
+                                    <p:set>
+                                      <p:cBhvr>
+                                        <p:cTn id="21" dur="1" fill="hold">
+                                          <p:stCondLst>
+                                            <p:cond delay="0"/>
+                                          </p:stCondLst>
+                                        </p:cTn>
+                                        <p:tgtEl>
+                                          <p:spTgt spid="3">
+                                            <p:txEl>
+                                              <p:pRg st="3" end="3"/>
+                                            </p:txEl>
+                                          </p:spTgt>
+                                        </p:tgtEl>
+                                        <p:attrNameLst>
+                                          <p:attrName>style.visibility</p:attrName>
+                                        </p:attrNameLst>
+                                      </p:cBhvr>
+                                      <p:to>
+                                        <p:strVal val="visible"/>
+                                      </p:to>
+                                    </p:set>
+                                    <p:animEffect transition="in" filter="fade">
+                                      <p:cBhvr>
+                                        <p:cTn id="22" dur="500"/>
+                                        <p:tgtEl>
+                                          <p:spTgt spid="3">
+                                            <p:txEl>
+                                              <p:pRg st="3" end="3"/>
+                                            </p:txEl>
+                                          </p:spTgt>
+                                        </p:tgtEl>
+                                      </p:cBhvr>
+                                    </p:animEffect>
+                                  </p:childTnLst>
+                                </p:cTn>
+                              </p:par>
+                            </p:childTnLst>
+                          </p:cTn>
+                        </p:par>
+                      </p:childTnLst>
+                    </p:cTn>
+                  </p:par>
+                  <p:par>
+                    <p:cTn id="23" fill="hold">
+                      <p:stCondLst>
+                        <p:cond delay="indefinite"/>
+                      </p:stCondLst>
+                      <p:childTnLst>
+                        <p:par>
+                          <p:cTn id="24" fill="hold">
+                            <p:stCondLst>
+                              <p:cond delay="0"/>
+                            </p:stCondLst>
+                            <p:childTnLst>
+                              <p:par>
+                                <p:cTn id="25" presetID="10" presetClass="entr" presetSubtype="0" fill="hold" grpId="0" nodeType="clickEffect">
+                                  <p:stCondLst>
+                                    <p:cond delay="0"/>
+                                  </p:stCondLst>
+                                  <p:childTnLst>
+                                    <p:set>
+                                      <p:cBhvr>
+                                        <p:cTn id="26" dur="1" fill="hold">
+                                          <p:stCondLst>
+                                            <p:cond delay="0"/>
+                                          </p:stCondLst>
+                                        </p:cTn>
+                                        <p:tgtEl>
+                                          <p:spTgt spid="3">
+                                            <p:txEl>
+                                              <p:pRg st="4" end="4"/>
+                                            </p:txEl>
+                                          </p:spTgt>
+                                        </p:tgtEl>
+                                        <p:attrNameLst>
+                                          <p:attrName>style.visibility</p:attrName>
+                                        </p:attrNameLst>
+                                      </p:cBhvr>
+                                      <p:to>
+                                        <p:strVal val="visible"/>
+                                      </p:to>
+                                    </p:set>
+                                    <p:animEffect transition="in" filter="fade">
+                                      <p:cBhvr>
+                                        <p:cTn id="27" dur="500"/>
+                                        <p:tgtEl>
+                                          <p:spTgt spid="3">
+                                            <p:txEl>
+                                              <p:pRg st="4" end="4"/>
+                                            </p:txEl>
+                                          </p:spTgt>
+                                        </p:tgtEl>
+                                      </p:cBhvr>
+                                    </p:animEffect>
+                                  </p:childTnLst>
+                                </p:cTn>
+                              </p:par>
+                            </p:childTnLst>
+                          </p:cTn>
+                        </p:par>
+                      </p:childTnLst>
+                    </p:cTn>
+                  </p:par>
+                  <p:par>
+                    <p:cTn id="28" fill="hold">
+                      <p:stCondLst>
+                        <p:cond delay="indefinite"/>
+                      </p:stCondLst>
+                      <p:childTnLst>
+                        <p:par>
+                          <p:cTn id="29" fill="hold">
+                            <p:stCondLst>
+                              <p:cond delay="0"/>
+                            </p:stCondLst>
+                            <p:childTnLst>
+                              <p:par>
+                                <p:cTn id="30" presetID="10" presetClass="entr" presetSubtype="0" fill="hold" nodeType="clickEffect">
+                                  <p:stCondLst>
+                                    <p:cond delay="0"/>
+                                  </p:stCondLst>
+                                  <p:childTnLst>
+                                    <p:set>
+                                      <p:cBhvr>
+                                        <p:cTn id="31" dur="1" fill="hold">
+                                          <p:stCondLst>
+                                            <p:cond delay="0"/>
+                                          </p:stCondLst>
+                                        </p:cTn>
+                                        <p:tgtEl>
+                                          <p:spTgt spid="4"/>
+                                        </p:tgtEl>
+                                        <p:attrNameLst>
+                                          <p:attrName>style.visibility</p:attrName>
+                                        </p:attrNameLst>
+                                      </p:cBhvr>
+                                      <p:to>
+                                        <p:strVal val="visible"/>
+                                      </p:to>
+                                    </p:set>
+                                    <p:animEffect transition="in" filter="fade">
+                                      <p:cBhvr>
+                                        <p:cTn id="32" dur="500"/>
+                                        <p:tgtEl>
+                                          <p:spTgt spid="4"/>
+                                        </p:tgtEl>
+                                      </p:cBhvr>
+                                    </p:animEffect>
+                                  </p:childTnLst>
+                                </p:cTn>
+                              </p:par>
+                              <p:par>
+                                <p:cTn id="33" presetID="10" presetClass="entr" presetSubtype="0" fill="hold" nodeType="withEffect">
+                                  <p:stCondLst>
+                                    <p:cond delay="0"/>
+                                  </p:stCondLst>
+                                  <p:childTnLst>
+                                    <p:set>
+                                      <p:cBhvr>
+                                        <p:cTn id="34" dur="1" fill="hold">
+                                          <p:stCondLst>
+                                            <p:cond delay="0"/>
+                                          </p:stCondLst>
+                                        </p:cTn>
+                                        <p:tgtEl>
+                                          <p:spTgt spid="5"/>
+                                        </p:tgtEl>
+                                        <p:attrNameLst>
+                                          <p:attrName>style.visibility</p:attrName>
+                                        </p:attrNameLst>
+                                      </p:cBhvr>
+                                      <p:to>
+                                        <p:strVal val="visible"/>
+                                      </p:to>
+                                    </p:set>
+                                    <p:animEffect transition="in" filter="fade">
+                                      <p:cBhvr>
+                                        <p:cTn id="35" dur="500"/>
+                                        <p:tgtEl>
+                                          <p:spTgt spid="5"/>
+                                        </p:tgtEl>
+                                      </p:cBhvr>
+                                    </p:animEffect>
+                                  </p:childTnLst>
+                                </p:cTn>
+                              </p:par>
+                            </p:childTnLst>
+                          </p:cTn>
+                        </p:par>
+                      </p:childTnLst>
+                    </p:cTn>
+                  </p:par>
+                  <p:par>
+                    <p:cTn id="36" fill="hold">
+                      <p:stCondLst>
+                        <p:cond delay="indefinite"/>
+                      </p:stCondLst>
+                      <p:childTnLst>
+                        <p:par>
+                          <p:cTn id="37" fill="hold">
+                            <p:stCondLst>
+                              <p:cond delay="0"/>
+                            </p:stCondLst>
+                            <p:childTnLst>
+                              <p:par>
+                                <p:cTn id="38" presetID="10" presetClass="entr" presetSubtype="0" fill="hold" grpId="0" nodeType="clickEffect">
+                                  <p:stCondLst>
+                                    <p:cond delay="0"/>
+                                  </p:stCondLst>
+                                  <p:childTnLst>
+                                    <p:set>
+                                      <p:cBhvr>
+                                        <p:cTn id="39" dur="1" fill="hold">
+                                          <p:stCondLst>
+                                            <p:cond delay="0"/>
+                                          </p:stCondLst>
+                                        </p:cTn>
+                                        <p:tgtEl>
+                                          <p:spTgt spid="3">
+                                            <p:txEl>
+                                              <p:pRg st="5" end="5"/>
+                                            </p:txEl>
+                                          </p:spTgt>
+                                        </p:tgtEl>
+                                        <p:attrNameLst>
+                                          <p:attrName>style.visibility</p:attrName>
+                                        </p:attrNameLst>
+                                      </p:cBhvr>
+                                      <p:to>
+                                        <p:strVal val="visible"/>
+                                      </p:to>
+                                    </p:set>
+                                    <p:animEffect transition="in" filter="fade">
+                                      <p:cBhvr>
+                                        <p:cTn id="40" dur="500"/>
+                                        <p:tgtEl>
+                                          <p:spTgt spid="3">
+                                            <p:txEl>
+                                              <p:pRg st="5" end="5"/>
+                                            </p:txEl>
+                                          </p:spTgt>
+                                        </p:tgtEl>
+                                      </p:cBhvr>
+                                    </p:animEffect>
+                                  </p:childTnLst>
+                                </p:cTn>
+                              </p:par>
+                              <p:par>
+                                <p:cTn id="41" presetID="10" presetClass="exit" presetSubtype="0" fill="hold" nodeType="withEffect">
+                                  <p:stCondLst>
+                                    <p:cond delay="0"/>
+                                  </p:stCondLst>
+                                  <p:childTnLst>
+                                    <p:animEffect transition="out" filter="fade">
+                                      <p:cBhvr>
+                                        <p:cTn id="42" dur="500"/>
+                                        <p:tgtEl>
+                                          <p:spTgt spid="4"/>
+                                        </p:tgtEl>
+                                      </p:cBhvr>
+                                    </p:animEffect>
+                                    <p:set>
+                                      <p:cBhvr>
+                                        <p:cTn id="43" dur="1" fill="hold">
+                                          <p:stCondLst>
+                                            <p:cond delay="499"/>
+                                          </p:stCondLst>
+                                        </p:cTn>
+                                        <p:tgtEl>
+                                          <p:spTgt spid="4"/>
+                                        </p:tgtEl>
+                                        <p:attrNameLst>
+                                          <p:attrName>style.visibility</p:attrName>
+                                        </p:attrNameLst>
+                                      </p:cBhvr>
+                                      <p:to>
+                                        <p:strVal val="hidden"/>
+                                      </p:to>
+                                    </p:set>
+                                  </p:childTnLst>
+                                </p:cTn>
+                              </p:par>
+                              <p:par>
+                                <p:cTn id="44" presetID="10" presetClass="exit" presetSubtype="0" fill="hold" nodeType="withEffect">
+                                  <p:stCondLst>
+                                    <p:cond delay="0"/>
+                                  </p:stCondLst>
+                                  <p:childTnLst>
+                                    <p:animEffect transition="out" filter="fade">
+                                      <p:cBhvr>
+                                        <p:cTn id="45" dur="500"/>
+                                        <p:tgtEl>
+                                          <p:spTgt spid="5"/>
+                                        </p:tgtEl>
+                                      </p:cBhvr>
+                                    </p:animEffect>
+                                    <p:set>
+                                      <p:cBhvr>
+                                        <p:cTn id="46" dur="1" fill="hold">
+                                          <p:stCondLst>
+                                            <p:cond delay="499"/>
+                                          </p:stCondLst>
+                                        </p:cTn>
+                                        <p:tgtEl>
+                                          <p:spTgt spid="5"/>
+                                        </p:tgtEl>
+                                        <p:attrNameLst>
+                                          <p:attrName>style.visibility</p:attrName>
+                                        </p:attrNameLst>
+                                      </p:cBhvr>
+                                      <p:to>
+                                        <p:strVal val="hidden"/>
+                                      </p:to>
+                                    </p:set>
+                                  </p:childTnLst>
+                                </p:cTn>
+                              </p:par>
+                            </p:childTnLst>
+                          </p:cTn>
+                        </p:par>
+                      </p:childTnLst>
+                    </p:cTn>
+                  </p:par>
+                  <p:par>
+                    <p:cTn id="47" fill="hold">
+                      <p:stCondLst>
+                        <p:cond delay="indefinite"/>
+                      </p:stCondLst>
+                      <p:childTnLst>
+                        <p:par>
+                          <p:cTn id="48" fill="hold">
+                            <p:stCondLst>
+                              <p:cond delay="0"/>
+                            </p:stCondLst>
+                            <p:childTnLst>
+                              <p:par>
+                                <p:cTn id="49" presetID="10" presetClass="entr" presetSubtype="0" fill="hold" grpId="0" nodeType="clickEffect">
+                                  <p:stCondLst>
+                                    <p:cond delay="0"/>
+                                  </p:stCondLst>
+                                  <p:childTnLst>
+                                    <p:set>
+                                      <p:cBhvr>
+                                        <p:cTn id="50" dur="1" fill="hold">
+                                          <p:stCondLst>
+                                            <p:cond delay="0"/>
+                                          </p:stCondLst>
+                                        </p:cTn>
+                                        <p:tgtEl>
+                                          <p:spTgt spid="3">
+                                            <p:txEl>
+                                              <p:pRg st="6" end="6"/>
+                                            </p:txEl>
+                                          </p:spTgt>
+                                        </p:tgtEl>
+                                        <p:attrNameLst>
+                                          <p:attrName>style.visibility</p:attrName>
+                                        </p:attrNameLst>
+                                      </p:cBhvr>
+                                      <p:to>
+                                        <p:strVal val="visible"/>
+                                      </p:to>
+                                    </p:set>
+                                    <p:animEffect transition="in" filter="fade">
+                                      <p:cBhvr>
+                                        <p:cTn id="51" dur="500"/>
+                                        <p:tgtEl>
+                                          <p:spTgt spid="3">
+                                            <p:txEl>
+                                              <p:pRg st="6" end="6"/>
+                                            </p:txEl>
+                                          </p:spTgt>
+                                        </p:tgtEl>
+                                      </p:cBhvr>
+                                    </p:animEffect>
+                                  </p:childTnLst>
+                                </p:cTn>
+                              </p:par>
+                            </p:childTnLst>
+                          </p:cTn>
+                        </p:par>
+                      </p:childTnLst>
+                    </p:cTn>
+                  </p:par>
+                  <p:par>
+                    <p:cTn id="52" fill="hold">
+                      <p:stCondLst>
+                        <p:cond delay="indefinite"/>
+                      </p:stCondLst>
+                      <p:childTnLst>
+                        <p:par>
+                          <p:cTn id="53" fill="hold">
+                            <p:stCondLst>
+                              <p:cond delay="0"/>
+                            </p:stCondLst>
+                            <p:childTnLst>
+                              <p:par>
+                                <p:cTn id="54" presetID="10" presetClass="entr" presetSubtype="0" fill="hold" grpId="0" nodeType="clickEffect">
+                                  <p:stCondLst>
+                                    <p:cond delay="0"/>
+                                  </p:stCondLst>
+                                  <p:childTnLst>
+                                    <p:set>
+                                      <p:cBhvr>
+                                        <p:cTn id="55" dur="1" fill="hold">
+                                          <p:stCondLst>
+                                            <p:cond delay="0"/>
+                                          </p:stCondLst>
+                                        </p:cTn>
+                                        <p:tgtEl>
+                                          <p:spTgt spid="3">
+                                            <p:txEl>
+                                              <p:pRg st="7" end="7"/>
+                                            </p:txEl>
+                                          </p:spTgt>
+                                        </p:tgtEl>
+                                        <p:attrNameLst>
+                                          <p:attrName>style.visibility</p:attrName>
+                                        </p:attrNameLst>
+                                      </p:cBhvr>
+                                      <p:to>
+                                        <p:strVal val="visible"/>
+                                      </p:to>
+                                    </p:set>
+                                    <p:animEffect transition="in" filter="fade">
+                                      <p:cBhvr>
+                                        <p:cTn id="56" dur="500"/>
+                                        <p:tgtEl>
+                                          <p:spTgt spid="3">
+                                            <p:txEl>
+                                              <p:pRg st="7" end="7"/>
+                                            </p:txEl>
+                                          </p:spTgt>
+                                        </p:tgtEl>
+                                      </p:cBhvr>
+                                    </p:animEffect>
+                                  </p:childTnLst>
+                                </p:cTn>
+                              </p:par>
+                              <p:par>
+                                <p:cTn id="57" presetID="10" presetClass="entr" presetSubtype="0" fill="hold" nodeType="withEffect">
+                                  <p:stCondLst>
+                                    <p:cond delay="0"/>
+                                  </p:stCondLst>
+                                  <p:childTnLst>
+                                    <p:set>
+                                      <p:cBhvr>
+                                        <p:cTn id="58" dur="1" fill="hold">
+                                          <p:stCondLst>
+                                            <p:cond delay="0"/>
+                                          </p:stCondLst>
+                                        </p:cTn>
+                                        <p:tgtEl>
+                                          <p:spTgt spid="7"/>
+                                        </p:tgtEl>
+                                        <p:attrNameLst>
+                                          <p:attrName>style.visibility</p:attrName>
+                                        </p:attrNameLst>
+                                      </p:cBhvr>
+                                      <p:to>
+                                        <p:strVal val="visible"/>
+                                      </p:to>
+                                    </p:set>
+                                    <p:animEffect transition="in" filter="fade">
+                                      <p:cBhvr>
+                                        <p:cTn id="59" dur="500"/>
+                                        <p:tgtEl>
+                                          <p:spTgt spid="7"/>
+                                        </p:tgtEl>
+                                      </p:cBhvr>
+                                    </p:animEffect>
+                                  </p:childTnLst>
+                                </p:cTn>
+                              </p:par>
+                            </p:childTnLst>
+                          </p:cTn>
+                        </p:par>
+                      </p:childTnLst>
+                    </p:cTn>
+                  </p:par>
+                </p:childTnLst>
+              </p:cTn>
+              <p:prevCondLst>
+                <p:cond evt="onPrev" delay="0">
+                  <p:tgtEl>
+                    <p:sldTgt/>
+                  </p:tgtEl>
+                </p:cond>
+              </p:prevCondLst>
+              <p:nextCondLst>
+                <p:cond evt="onNext" delay="0">
+                  <p:tgtEl>
+                    <p:sldTgt/>
+                  </p:tgtEl>
+                </p:cond>
+              </p:nextCondLst>
+            </p:seq>
+          </p:childTnLst>
+        </p:cTn>
       </p:par>
     </p:tnLst>
+    <p:bldLst>
+      <p:bldP spid="3" grpId="0" uiExpand="1" build="p"/>
+    </p:bldLst>
   </p:timing>
 </p:sld>
 </file>
@@ -12673,50 +14656,32 @@
             <p:ph type="title"/>
           </p:nvPr>
         </p:nvSpPr>
-        <p:spPr/>
+        <p:spPr>
+          <a:xfrm>
+            <a:off x="677334" y="2946400"/>
+            <a:ext cx="8596668" cy="1320800"/>
+          </a:xfrm>
+        </p:spPr>
         <p:txBody>
           <a:bodyPr/>
           <a:lstStyle/>
           <a:p>
             <a:r>
+              <a:rPr lang="nl-BE" dirty="0" smtClean="0"/>
+              <a:t>Extra </a:t>
+            </a:r>
+            <a:r>
               <a:rPr lang="nl-BE" dirty="0" err="1" smtClean="0"/>
-              <a:t>Featured</a:t>
-            </a:r>
-            <a:r>
-              <a:rPr lang="nl-BE" dirty="0" smtClean="0"/>
-              <a:t> </a:t>
-            </a:r>
-            <a:r>
-              <a:rPr lang="nl-BE" dirty="0" err="1" smtClean="0"/>
-              <a:t>products</a:t>
+              <a:t>plugins</a:t>
             </a:r>
             <a:endParaRPr lang="nl-BE" dirty="0"/>
-          </a:p>
-        </p:txBody>
-      </p:sp>
-      <p:sp>
-        <p:nvSpPr>
-          <p:cNvPr id="3" name="Tijdelijke aanduiding voor inhoud 2"/>
-          <p:cNvSpPr>
-            <a:spLocks noGrp="1"/>
-          </p:cNvSpPr>
-          <p:nvPr>
-            <p:ph idx="1"/>
-          </p:nvPr>
-        </p:nvSpPr>
-        <p:spPr/>
-        <p:txBody>
-          <a:bodyPr/>
-          <a:lstStyle/>
-          <a:p>
-            <a:endParaRPr lang="nl-BE"/>
           </a:p>
         </p:txBody>
       </p:sp>
     </p:spTree>
     <p:extLst>
       <p:ext uri="{BB962C8B-B14F-4D97-AF65-F5344CB8AC3E}">
-        <p14:creationId xmlns:p14="http://schemas.microsoft.com/office/powerpoint/2010/main" val="2073899773"/>
+        <p14:creationId xmlns:p14="http://schemas.microsoft.com/office/powerpoint/2010/main" val="2112718461"/>
       </p:ext>
     </p:extLst>
   </p:cSld>
@@ -12760,75 +14725,6 @@
             <p:ph type="title"/>
           </p:nvPr>
         </p:nvSpPr>
-        <p:spPr>
-          <a:xfrm>
-            <a:off x="677334" y="2946400"/>
-            <a:ext cx="8596668" cy="1320800"/>
-          </a:xfrm>
-        </p:spPr>
-        <p:txBody>
-          <a:bodyPr/>
-          <a:lstStyle/>
-          <a:p>
-            <a:r>
-              <a:rPr lang="nl-BE" dirty="0" smtClean="0"/>
-              <a:t>Extra </a:t>
-            </a:r>
-            <a:r>
-              <a:rPr lang="nl-BE" dirty="0" err="1" smtClean="0"/>
-              <a:t>plugins</a:t>
-            </a:r>
-            <a:endParaRPr lang="nl-BE" dirty="0"/>
-          </a:p>
-        </p:txBody>
-      </p:sp>
-    </p:spTree>
-    <p:extLst>
-      <p:ext uri="{BB962C8B-B14F-4D97-AF65-F5344CB8AC3E}">
-        <p14:creationId xmlns:p14="http://schemas.microsoft.com/office/powerpoint/2010/main" val="2112718461"/>
-      </p:ext>
-    </p:extLst>
-  </p:cSld>
-  <p:clrMapOvr>
-    <a:masterClrMapping/>
-  </p:clrMapOvr>
-  <p:timing>
-    <p:tnLst>
-      <p:par>
-        <p:cTn id="1" dur="indefinite" restart="never" nodeType="tmRoot"/>
-      </p:par>
-    </p:tnLst>
-  </p:timing>
-</p:sld>
-</file>
-
-<file path=ppt/slides/slide23.xml><?xml version="1.0" encoding="utf-8"?>
-<p:sld xmlns:a="http://schemas.openxmlformats.org/drawingml/2006/main" xmlns:r="http://schemas.openxmlformats.org/officeDocument/2006/relationships" xmlns:p="http://schemas.openxmlformats.org/presentationml/2006/main">
-  <p:cSld>
-    <p:spTree>
-      <p:nvGrpSpPr>
-        <p:cNvPr id="1" name=""/>
-        <p:cNvGrpSpPr/>
-        <p:nvPr/>
-      </p:nvGrpSpPr>
-      <p:grpSpPr>
-        <a:xfrm>
-          <a:off x="0" y="0"/>
-          <a:ext cx="0" cy="0"/>
-          <a:chOff x="0" y="0"/>
-          <a:chExt cx="0" cy="0"/>
-        </a:xfrm>
-      </p:grpSpPr>
-      <p:sp>
-        <p:nvSpPr>
-          <p:cNvPr id="2" name="Titel 1"/>
-          <p:cNvSpPr>
-            <a:spLocks noGrp="1"/>
-          </p:cNvSpPr>
-          <p:nvPr>
-            <p:ph type="title"/>
-          </p:nvPr>
-        </p:nvSpPr>
         <p:spPr/>
         <p:txBody>
           <a:bodyPr/>
@@ -12922,13 +14818,8 @@
           <a:p>
             <a:r>
               <a:rPr lang="nl-BE" dirty="0" smtClean="0"/>
-              <a:t>Importeer de header van je CSV </a:t>
-            </a:r>
-            <a:r>
-              <a:rPr lang="nl-BE" dirty="0" smtClean="0"/>
-              <a:t>bestand (zie opbouw voorbeeld)</a:t>
-            </a:r>
-            <a:endParaRPr lang="nl-BE" dirty="0" smtClean="0"/>
+              <a:t>Importeer de header van je CSV bestand (zie opbouw voorbeeld)</a:t>
+            </a:r>
           </a:p>
           <a:p>
             <a:r>
@@ -13819,7 +15710,7 @@
 </p:sld>
 </file>
 
-<file path=ppt/slides/slide24.xml><?xml version="1.0" encoding="utf-8"?>
+<file path=ppt/slides/slide23.xml><?xml version="1.0" encoding="utf-8"?>
 <p:sld xmlns:a="http://schemas.openxmlformats.org/drawingml/2006/main" xmlns:r="http://schemas.openxmlformats.org/officeDocument/2006/relationships" xmlns:p="http://schemas.openxmlformats.org/presentationml/2006/main">
   <p:cSld>
     <p:spTree>
@@ -13884,92 +15775,89 @@
           </a:xfrm>
         </p:spPr>
         <p:txBody>
-          <a:bodyPr/>
+          <a:bodyPr>
+            <a:normAutofit/>
+          </a:bodyPr>
           <a:lstStyle/>
           <a:p>
             <a:r>
-              <a:rPr lang="nl-BE" dirty="0" smtClean="0"/>
+              <a:rPr lang="nl-BE" sz="2000" dirty="0" smtClean="0"/>
               <a:t>Installeer </a:t>
             </a:r>
             <a:r>
-              <a:rPr lang="nl-BE" dirty="0" err="1" smtClean="0"/>
+              <a:rPr lang="nl-BE" sz="2000" dirty="0" err="1" smtClean="0"/>
               <a:t>plugin</a:t>
             </a:r>
             <a:r>
-              <a:rPr lang="nl-BE" dirty="0" smtClean="0"/>
+              <a:rPr lang="nl-BE" sz="2000" dirty="0" smtClean="0"/>
               <a:t> </a:t>
             </a:r>
             <a:r>
-              <a:rPr lang="nl-BE" dirty="0" err="1" smtClean="0"/>
+              <a:rPr lang="nl-BE" sz="2000" dirty="0" err="1" smtClean="0"/>
               <a:t>WooCommerce</a:t>
             </a:r>
             <a:r>
-              <a:rPr lang="nl-BE" dirty="0" smtClean="0"/>
+              <a:rPr lang="nl-BE" sz="2000" dirty="0" smtClean="0"/>
               <a:t> </a:t>
             </a:r>
             <a:r>
-              <a:rPr lang="nl-BE" dirty="0" err="1" smtClean="0"/>
+              <a:rPr lang="nl-BE" sz="2000" dirty="0" err="1" smtClean="0"/>
               <a:t>Currency</a:t>
             </a:r>
             <a:r>
-              <a:rPr lang="nl-BE" dirty="0" smtClean="0"/>
+              <a:rPr lang="nl-BE" sz="2000" dirty="0" smtClean="0"/>
               <a:t> </a:t>
             </a:r>
             <a:r>
-              <a:rPr lang="nl-BE" dirty="0" err="1" smtClean="0"/>
+              <a:rPr lang="nl-BE" sz="2000" dirty="0" err="1" smtClean="0"/>
               <a:t>Switcher</a:t>
             </a:r>
             <a:r>
-              <a:rPr lang="nl-BE" dirty="0" smtClean="0"/>
+              <a:rPr lang="nl-BE" sz="2000" dirty="0" smtClean="0"/>
               <a:t> op voorgaande manier</a:t>
             </a:r>
           </a:p>
           <a:p>
             <a:pPr lvl="1"/>
             <a:r>
-              <a:rPr lang="nl-BE" dirty="0" smtClean="0"/>
-              <a:t>Geen officiële auteur, dus wel </a:t>
-            </a:r>
-            <a:r>
-              <a:rPr lang="nl-BE" smtClean="0"/>
-              <a:t>wat advertenties…</a:t>
-            </a:r>
-            <a:endParaRPr lang="nl-BE" dirty="0" smtClean="0"/>
-          </a:p>
-          <a:p>
-            <a:r>
-              <a:rPr lang="nl-BE" dirty="0" smtClean="0"/>
+              <a:rPr lang="nl-BE" sz="1800" dirty="0" smtClean="0"/>
+              <a:t>Geen officiële auteur, dus wel wat advertenties…</a:t>
+            </a:r>
+          </a:p>
+          <a:p>
+            <a:r>
+              <a:rPr lang="nl-BE" sz="2000" dirty="0" smtClean="0"/>
               <a:t>Gratis versie = max 2 verschillende </a:t>
             </a:r>
             <a:r>
-              <a:rPr lang="nl-BE" dirty="0" err="1" smtClean="0"/>
+              <a:rPr lang="nl-BE" sz="2000" dirty="0" err="1" smtClean="0"/>
               <a:t>currencies</a:t>
             </a:r>
-            <a:endParaRPr lang="nl-BE" dirty="0" smtClean="0"/>
-          </a:p>
-          <a:p>
-            <a:r>
-              <a:rPr lang="nl-BE" dirty="0" smtClean="0"/>
+            <a:endParaRPr lang="nl-BE" sz="2000" dirty="0" smtClean="0"/>
+          </a:p>
+          <a:p>
+            <a:r>
+              <a:rPr lang="nl-BE" sz="2000" dirty="0" smtClean="0"/>
               <a:t>Selecteer je “</a:t>
             </a:r>
             <a:r>
-              <a:rPr lang="nl-BE" dirty="0" err="1" smtClean="0"/>
+              <a:rPr lang="nl-BE" sz="2000" dirty="0" err="1" smtClean="0"/>
               <a:t>currency</a:t>
             </a:r>
             <a:r>
-              <a:rPr lang="nl-BE" dirty="0" smtClean="0"/>
+              <a:rPr lang="nl-BE" sz="2000" dirty="0" smtClean="0"/>
               <a:t> </a:t>
             </a:r>
             <a:r>
-              <a:rPr lang="nl-BE" dirty="0" err="1" smtClean="0"/>
+              <a:rPr lang="nl-BE" sz="2000" dirty="0" err="1" smtClean="0"/>
               <a:t>aggregator</a:t>
             </a:r>
             <a:r>
-              <a:rPr lang="nl-BE" dirty="0" smtClean="0"/>
+              <a:rPr lang="nl-BE" sz="2000" dirty="0" smtClean="0"/>
               <a:t>” </a:t>
             </a:r>
             <a:r>
-              <a:rPr lang="nl-BE" dirty="0" smtClean="0">
+              <a:rPr lang="nl-BE" sz="2000" dirty="0" smtClean="0">
                 <a:sym typeface="Wingdings" panose="05000000000000000000" pitchFamily="2" charset="2"/>
               </a:rPr>
               <a:t> hiermee kan je de wisselkoersen bepalen</a:t>
@@ -13978,7 +15866,7 @@
           <a:p>
             <a:pPr lvl="1"/>
             <a:r>
-              <a:rPr lang="nl-BE" dirty="0" smtClean="0">
+              <a:rPr lang="nl-BE" sz="1800" dirty="0" smtClean="0">
                 <a:sym typeface="Wingdings" panose="05000000000000000000" pitchFamily="2" charset="2"/>
               </a:rPr>
               <a:t>Kunnen ook manueel ingegeven worden</a:t>
@@ -13986,28 +15874,28 @@
           </a:p>
           <a:p>
             <a:r>
-              <a:rPr lang="nl-BE" dirty="0" smtClean="0"/>
+              <a:rPr lang="nl-BE" sz="2000" dirty="0" smtClean="0"/>
               <a:t>Andere </a:t>
             </a:r>
             <a:r>
-              <a:rPr lang="nl-BE" dirty="0" err="1" smtClean="0"/>
+              <a:rPr lang="nl-BE" sz="2000" dirty="0" err="1" smtClean="0"/>
               <a:t>settings</a:t>
             </a:r>
             <a:r>
-              <a:rPr lang="nl-BE" dirty="0" smtClean="0"/>
+              <a:rPr lang="nl-BE" sz="2000" dirty="0" smtClean="0"/>
               <a:t>: default </a:t>
             </a:r>
             <a:r>
-              <a:rPr lang="nl-BE" dirty="0" err="1" smtClean="0"/>
+              <a:rPr lang="nl-BE" sz="2000" dirty="0" err="1" smtClean="0"/>
               <a:t>currency</a:t>
             </a:r>
             <a:r>
-              <a:rPr lang="nl-BE" dirty="0" smtClean="0"/>
+              <a:rPr lang="nl-BE" sz="2000" dirty="0" smtClean="0"/>
               <a:t>, </a:t>
             </a:r>
           </a:p>
           <a:p>
-            <a:endParaRPr lang="nl-BE" dirty="0"/>
+            <a:endParaRPr lang="nl-BE" sz="2000" dirty="0"/>
           </a:p>
         </p:txBody>
       </p:sp>
@@ -14048,9 +15936,1175 @@
   <p:timing>
     <p:tnLst>
       <p:par>
-        <p:cTn id="1" dur="indefinite" restart="never" nodeType="tmRoot"/>
+        <p:cTn id="1" dur="indefinite" restart="never" nodeType="tmRoot">
+          <p:childTnLst>
+            <p:seq concurrent="1" nextAc="seek">
+              <p:cTn id="2" dur="indefinite" nodeType="mainSeq">
+                <p:childTnLst>
+                  <p:par>
+                    <p:cTn id="3" fill="hold">
+                      <p:stCondLst>
+                        <p:cond delay="indefinite"/>
+                      </p:stCondLst>
+                      <p:childTnLst>
+                        <p:par>
+                          <p:cTn id="4" fill="hold">
+                            <p:stCondLst>
+                              <p:cond delay="0"/>
+                            </p:stCondLst>
+                            <p:childTnLst>
+                              <p:par>
+                                <p:cTn id="5" presetID="10" presetClass="entr" presetSubtype="0" fill="hold" grpId="0" nodeType="clickEffect">
+                                  <p:stCondLst>
+                                    <p:cond delay="0"/>
+                                  </p:stCondLst>
+                                  <p:childTnLst>
+                                    <p:set>
+                                      <p:cBhvr>
+                                        <p:cTn id="6" dur="1" fill="hold">
+                                          <p:stCondLst>
+                                            <p:cond delay="0"/>
+                                          </p:stCondLst>
+                                        </p:cTn>
+                                        <p:tgtEl>
+                                          <p:spTgt spid="3">
+                                            <p:txEl>
+                                              <p:pRg st="0" end="0"/>
+                                            </p:txEl>
+                                          </p:spTgt>
+                                        </p:tgtEl>
+                                        <p:attrNameLst>
+                                          <p:attrName>style.visibility</p:attrName>
+                                        </p:attrNameLst>
+                                      </p:cBhvr>
+                                      <p:to>
+                                        <p:strVal val="visible"/>
+                                      </p:to>
+                                    </p:set>
+                                    <p:animEffect transition="in" filter="fade">
+                                      <p:cBhvr>
+                                        <p:cTn id="7" dur="500"/>
+                                        <p:tgtEl>
+                                          <p:spTgt spid="3">
+                                            <p:txEl>
+                                              <p:pRg st="0" end="0"/>
+                                            </p:txEl>
+                                          </p:spTgt>
+                                        </p:tgtEl>
+                                      </p:cBhvr>
+                                    </p:animEffect>
+                                  </p:childTnLst>
+                                </p:cTn>
+                              </p:par>
+                            </p:childTnLst>
+                          </p:cTn>
+                        </p:par>
+                      </p:childTnLst>
+                    </p:cTn>
+                  </p:par>
+                  <p:par>
+                    <p:cTn id="8" fill="hold">
+                      <p:stCondLst>
+                        <p:cond delay="indefinite"/>
+                      </p:stCondLst>
+                      <p:childTnLst>
+                        <p:par>
+                          <p:cTn id="9" fill="hold">
+                            <p:stCondLst>
+                              <p:cond delay="0"/>
+                            </p:stCondLst>
+                            <p:childTnLst>
+                              <p:par>
+                                <p:cTn id="10" presetID="10" presetClass="entr" presetSubtype="0" fill="hold" grpId="0" nodeType="clickEffect">
+                                  <p:stCondLst>
+                                    <p:cond delay="0"/>
+                                  </p:stCondLst>
+                                  <p:childTnLst>
+                                    <p:set>
+                                      <p:cBhvr>
+                                        <p:cTn id="11" dur="1" fill="hold">
+                                          <p:stCondLst>
+                                            <p:cond delay="0"/>
+                                          </p:stCondLst>
+                                        </p:cTn>
+                                        <p:tgtEl>
+                                          <p:spTgt spid="3">
+                                            <p:txEl>
+                                              <p:pRg st="1" end="1"/>
+                                            </p:txEl>
+                                          </p:spTgt>
+                                        </p:tgtEl>
+                                        <p:attrNameLst>
+                                          <p:attrName>style.visibility</p:attrName>
+                                        </p:attrNameLst>
+                                      </p:cBhvr>
+                                      <p:to>
+                                        <p:strVal val="visible"/>
+                                      </p:to>
+                                    </p:set>
+                                    <p:animEffect transition="in" filter="fade">
+                                      <p:cBhvr>
+                                        <p:cTn id="12" dur="500"/>
+                                        <p:tgtEl>
+                                          <p:spTgt spid="3">
+                                            <p:txEl>
+                                              <p:pRg st="1" end="1"/>
+                                            </p:txEl>
+                                          </p:spTgt>
+                                        </p:tgtEl>
+                                      </p:cBhvr>
+                                    </p:animEffect>
+                                  </p:childTnLst>
+                                </p:cTn>
+                              </p:par>
+                            </p:childTnLst>
+                          </p:cTn>
+                        </p:par>
+                      </p:childTnLst>
+                    </p:cTn>
+                  </p:par>
+                  <p:par>
+                    <p:cTn id="13" fill="hold">
+                      <p:stCondLst>
+                        <p:cond delay="indefinite"/>
+                      </p:stCondLst>
+                      <p:childTnLst>
+                        <p:par>
+                          <p:cTn id="14" fill="hold">
+                            <p:stCondLst>
+                              <p:cond delay="0"/>
+                            </p:stCondLst>
+                            <p:childTnLst>
+                              <p:par>
+                                <p:cTn id="15" presetID="10" presetClass="entr" presetSubtype="0" fill="hold" grpId="0" nodeType="clickEffect">
+                                  <p:stCondLst>
+                                    <p:cond delay="0"/>
+                                  </p:stCondLst>
+                                  <p:childTnLst>
+                                    <p:set>
+                                      <p:cBhvr>
+                                        <p:cTn id="16" dur="1" fill="hold">
+                                          <p:stCondLst>
+                                            <p:cond delay="0"/>
+                                          </p:stCondLst>
+                                        </p:cTn>
+                                        <p:tgtEl>
+                                          <p:spTgt spid="3">
+                                            <p:txEl>
+                                              <p:pRg st="2" end="2"/>
+                                            </p:txEl>
+                                          </p:spTgt>
+                                        </p:tgtEl>
+                                        <p:attrNameLst>
+                                          <p:attrName>style.visibility</p:attrName>
+                                        </p:attrNameLst>
+                                      </p:cBhvr>
+                                      <p:to>
+                                        <p:strVal val="visible"/>
+                                      </p:to>
+                                    </p:set>
+                                    <p:animEffect transition="in" filter="fade">
+                                      <p:cBhvr>
+                                        <p:cTn id="17" dur="500"/>
+                                        <p:tgtEl>
+                                          <p:spTgt spid="3">
+                                            <p:txEl>
+                                              <p:pRg st="2" end="2"/>
+                                            </p:txEl>
+                                          </p:spTgt>
+                                        </p:tgtEl>
+                                      </p:cBhvr>
+                                    </p:animEffect>
+                                  </p:childTnLst>
+                                </p:cTn>
+                              </p:par>
+                            </p:childTnLst>
+                          </p:cTn>
+                        </p:par>
+                      </p:childTnLst>
+                    </p:cTn>
+                  </p:par>
+                  <p:par>
+                    <p:cTn id="18" fill="hold">
+                      <p:stCondLst>
+                        <p:cond delay="indefinite"/>
+                      </p:stCondLst>
+                      <p:childTnLst>
+                        <p:par>
+                          <p:cTn id="19" fill="hold">
+                            <p:stCondLst>
+                              <p:cond delay="0"/>
+                            </p:stCondLst>
+                            <p:childTnLst>
+                              <p:par>
+                                <p:cTn id="20" presetID="10" presetClass="entr" presetSubtype="0" fill="hold" grpId="0" nodeType="clickEffect">
+                                  <p:stCondLst>
+                                    <p:cond delay="0"/>
+                                  </p:stCondLst>
+                                  <p:childTnLst>
+                                    <p:set>
+                                      <p:cBhvr>
+                                        <p:cTn id="21" dur="1" fill="hold">
+                                          <p:stCondLst>
+                                            <p:cond delay="0"/>
+                                          </p:stCondLst>
+                                        </p:cTn>
+                                        <p:tgtEl>
+                                          <p:spTgt spid="3">
+                                            <p:txEl>
+                                              <p:pRg st="3" end="3"/>
+                                            </p:txEl>
+                                          </p:spTgt>
+                                        </p:tgtEl>
+                                        <p:attrNameLst>
+                                          <p:attrName>style.visibility</p:attrName>
+                                        </p:attrNameLst>
+                                      </p:cBhvr>
+                                      <p:to>
+                                        <p:strVal val="visible"/>
+                                      </p:to>
+                                    </p:set>
+                                    <p:animEffect transition="in" filter="fade">
+                                      <p:cBhvr>
+                                        <p:cTn id="22" dur="500"/>
+                                        <p:tgtEl>
+                                          <p:spTgt spid="3">
+                                            <p:txEl>
+                                              <p:pRg st="3" end="3"/>
+                                            </p:txEl>
+                                          </p:spTgt>
+                                        </p:tgtEl>
+                                      </p:cBhvr>
+                                    </p:animEffect>
+                                  </p:childTnLst>
+                                </p:cTn>
+                              </p:par>
+                            </p:childTnLst>
+                          </p:cTn>
+                        </p:par>
+                      </p:childTnLst>
+                    </p:cTn>
+                  </p:par>
+                  <p:par>
+                    <p:cTn id="23" fill="hold">
+                      <p:stCondLst>
+                        <p:cond delay="indefinite"/>
+                      </p:stCondLst>
+                      <p:childTnLst>
+                        <p:par>
+                          <p:cTn id="24" fill="hold">
+                            <p:stCondLst>
+                              <p:cond delay="0"/>
+                            </p:stCondLst>
+                            <p:childTnLst>
+                              <p:par>
+                                <p:cTn id="25" presetID="10" presetClass="entr" presetSubtype="0" fill="hold" grpId="0" nodeType="clickEffect">
+                                  <p:stCondLst>
+                                    <p:cond delay="0"/>
+                                  </p:stCondLst>
+                                  <p:childTnLst>
+                                    <p:set>
+                                      <p:cBhvr>
+                                        <p:cTn id="26" dur="1" fill="hold">
+                                          <p:stCondLst>
+                                            <p:cond delay="0"/>
+                                          </p:stCondLst>
+                                        </p:cTn>
+                                        <p:tgtEl>
+                                          <p:spTgt spid="3">
+                                            <p:txEl>
+                                              <p:pRg st="4" end="4"/>
+                                            </p:txEl>
+                                          </p:spTgt>
+                                        </p:tgtEl>
+                                        <p:attrNameLst>
+                                          <p:attrName>style.visibility</p:attrName>
+                                        </p:attrNameLst>
+                                      </p:cBhvr>
+                                      <p:to>
+                                        <p:strVal val="visible"/>
+                                      </p:to>
+                                    </p:set>
+                                    <p:animEffect transition="in" filter="fade">
+                                      <p:cBhvr>
+                                        <p:cTn id="27" dur="500"/>
+                                        <p:tgtEl>
+                                          <p:spTgt spid="3">
+                                            <p:txEl>
+                                              <p:pRg st="4" end="4"/>
+                                            </p:txEl>
+                                          </p:spTgt>
+                                        </p:tgtEl>
+                                      </p:cBhvr>
+                                    </p:animEffect>
+                                  </p:childTnLst>
+                                </p:cTn>
+                              </p:par>
+                            </p:childTnLst>
+                          </p:cTn>
+                        </p:par>
+                      </p:childTnLst>
+                    </p:cTn>
+                  </p:par>
+                  <p:par>
+                    <p:cTn id="28" fill="hold">
+                      <p:stCondLst>
+                        <p:cond delay="indefinite"/>
+                      </p:stCondLst>
+                      <p:childTnLst>
+                        <p:par>
+                          <p:cTn id="29" fill="hold">
+                            <p:stCondLst>
+                              <p:cond delay="0"/>
+                            </p:stCondLst>
+                            <p:childTnLst>
+                              <p:par>
+                                <p:cTn id="30" presetID="10" presetClass="entr" presetSubtype="0" fill="hold" grpId="0" nodeType="clickEffect">
+                                  <p:stCondLst>
+                                    <p:cond delay="0"/>
+                                  </p:stCondLst>
+                                  <p:childTnLst>
+                                    <p:set>
+                                      <p:cBhvr>
+                                        <p:cTn id="31" dur="1" fill="hold">
+                                          <p:stCondLst>
+                                            <p:cond delay="0"/>
+                                          </p:stCondLst>
+                                        </p:cTn>
+                                        <p:tgtEl>
+                                          <p:spTgt spid="3">
+                                            <p:txEl>
+                                              <p:pRg st="5" end="5"/>
+                                            </p:txEl>
+                                          </p:spTgt>
+                                        </p:tgtEl>
+                                        <p:attrNameLst>
+                                          <p:attrName>style.visibility</p:attrName>
+                                        </p:attrNameLst>
+                                      </p:cBhvr>
+                                      <p:to>
+                                        <p:strVal val="visible"/>
+                                      </p:to>
+                                    </p:set>
+                                    <p:animEffect transition="in" filter="fade">
+                                      <p:cBhvr>
+                                        <p:cTn id="32" dur="500"/>
+                                        <p:tgtEl>
+                                          <p:spTgt spid="3">
+                                            <p:txEl>
+                                              <p:pRg st="5" end="5"/>
+                                            </p:txEl>
+                                          </p:spTgt>
+                                        </p:tgtEl>
+                                      </p:cBhvr>
+                                    </p:animEffect>
+                                  </p:childTnLst>
+                                </p:cTn>
+                              </p:par>
+                            </p:childTnLst>
+                          </p:cTn>
+                        </p:par>
+                      </p:childTnLst>
+                    </p:cTn>
+                  </p:par>
+                </p:childTnLst>
+              </p:cTn>
+              <p:prevCondLst>
+                <p:cond evt="onPrev" delay="0">
+                  <p:tgtEl>
+                    <p:sldTgt/>
+                  </p:tgtEl>
+                </p:cond>
+              </p:prevCondLst>
+              <p:nextCondLst>
+                <p:cond evt="onNext" delay="0">
+                  <p:tgtEl>
+                    <p:sldTgt/>
+                  </p:tgtEl>
+                </p:cond>
+              </p:nextCondLst>
+            </p:seq>
+          </p:childTnLst>
+        </p:cTn>
       </p:par>
     </p:tnLst>
+    <p:bldLst>
+      <p:bldP spid="3" grpId="0" uiExpand="1" build="p"/>
+    </p:bldLst>
+  </p:timing>
+</p:sld>
+</file>
+
+<file path=ppt/slides/slide24.xml><?xml version="1.0" encoding="utf-8"?>
+<p:sld xmlns:a="http://schemas.openxmlformats.org/drawingml/2006/main" xmlns:r="http://schemas.openxmlformats.org/officeDocument/2006/relationships" xmlns:p="http://schemas.openxmlformats.org/presentationml/2006/main">
+  <p:cSld>
+    <p:spTree>
+      <p:nvGrpSpPr>
+        <p:cNvPr id="1" name=""/>
+        <p:cNvGrpSpPr/>
+        <p:nvPr/>
+      </p:nvGrpSpPr>
+      <p:grpSpPr>
+        <a:xfrm>
+          <a:off x="0" y="0"/>
+          <a:ext cx="0" cy="0"/>
+          <a:chOff x="0" y="0"/>
+          <a:chExt cx="0" cy="0"/>
+        </a:xfrm>
+      </p:grpSpPr>
+      <p:sp>
+        <p:nvSpPr>
+          <p:cNvPr id="2" name="Titel 1"/>
+          <p:cNvSpPr>
+            <a:spLocks noGrp="1"/>
+          </p:cNvSpPr>
+          <p:nvPr>
+            <p:ph type="title"/>
+          </p:nvPr>
+        </p:nvSpPr>
+        <p:spPr/>
+        <p:txBody>
+          <a:bodyPr/>
+          <a:lstStyle/>
+          <a:p>
+            <a:r>
+              <a:rPr lang="nl-BE" dirty="0" err="1" smtClean="0"/>
+              <a:t>Customization</a:t>
+            </a:r>
+            <a:r>
+              <a:rPr lang="nl-BE" dirty="0" smtClean="0"/>
+              <a:t> – </a:t>
+            </a:r>
+            <a:r>
+              <a:rPr lang="nl-BE" dirty="0" err="1" smtClean="0"/>
+              <a:t>multilingual</a:t>
+            </a:r>
+            <a:r>
+              <a:rPr lang="nl-BE" dirty="0" smtClean="0"/>
+              <a:t> </a:t>
+            </a:r>
+            <a:endParaRPr lang="nl-BE" dirty="0"/>
+          </a:p>
+        </p:txBody>
+      </p:sp>
+      <p:sp>
+        <p:nvSpPr>
+          <p:cNvPr id="3" name="Tijdelijke aanduiding voor inhoud 2"/>
+          <p:cNvSpPr>
+            <a:spLocks noGrp="1"/>
+          </p:cNvSpPr>
+          <p:nvPr>
+            <p:ph idx="1"/>
+          </p:nvPr>
+        </p:nvSpPr>
+        <p:spPr>
+          <a:xfrm>
+            <a:off x="677333" y="1731147"/>
+            <a:ext cx="11424356" cy="5126854"/>
+          </a:xfrm>
+        </p:spPr>
+        <p:txBody>
+          <a:bodyPr>
+            <a:normAutofit/>
+          </a:bodyPr>
+          <a:lstStyle/>
+          <a:p>
+            <a:r>
+              <a:rPr lang="nl-BE" sz="2000" dirty="0" smtClean="0"/>
+              <a:t>Verschillende opties</a:t>
+            </a:r>
+          </a:p>
+          <a:p>
+            <a:pPr lvl="1"/>
+            <a:r>
+              <a:rPr lang="nl-BE" sz="1800" dirty="0" smtClean="0"/>
+              <a:t>Een hele nieuwe </a:t>
+            </a:r>
+            <a:r>
+              <a:rPr lang="nl-BE" sz="1800" dirty="0" err="1" smtClean="0"/>
+              <a:t>WordPress</a:t>
+            </a:r>
+            <a:r>
+              <a:rPr lang="nl-BE" sz="1800" dirty="0" smtClean="0"/>
+              <a:t>-site aanmaken per taal (zonder </a:t>
+            </a:r>
+            <a:r>
+              <a:rPr lang="nl-BE" sz="1800" dirty="0" err="1" smtClean="0"/>
+              <a:t>plugins</a:t>
+            </a:r>
+            <a:r>
+              <a:rPr lang="nl-BE" sz="1800" dirty="0" smtClean="0"/>
+              <a:t>) (nadelen &gt; voordelen)</a:t>
+            </a:r>
+          </a:p>
+          <a:p>
+            <a:pPr lvl="1"/>
+            <a:r>
+              <a:rPr lang="nl-BE" sz="1800" dirty="0" smtClean="0"/>
+              <a:t>Gebruik maken van </a:t>
+            </a:r>
+            <a:r>
+              <a:rPr lang="nl-BE" sz="1800" dirty="0" err="1" smtClean="0"/>
+              <a:t>plugins</a:t>
+            </a:r>
+            <a:r>
+              <a:rPr lang="nl-BE" sz="1800" dirty="0" smtClean="0"/>
+              <a:t> (alles kan aangepast worden op 1 plaats</a:t>
+            </a:r>
+            <a:r>
+              <a:rPr lang="nl-BE" sz="1800" dirty="0" smtClean="0"/>
+              <a:t>)</a:t>
+            </a:r>
+            <a:endParaRPr lang="nl-BE" sz="1600" dirty="0" smtClean="0"/>
+          </a:p>
+          <a:p>
+            <a:pPr lvl="1"/>
+            <a:r>
+              <a:rPr lang="nl-BE" sz="1800" dirty="0" smtClean="0"/>
+              <a:t>Gratis opties</a:t>
+            </a:r>
+          </a:p>
+          <a:p>
+            <a:pPr lvl="2"/>
+            <a:r>
+              <a:rPr lang="nl-BE" sz="1600" dirty="0" err="1" smtClean="0"/>
+              <a:t>Ceceppa</a:t>
+            </a:r>
+            <a:r>
+              <a:rPr lang="nl-BE" sz="1600" dirty="0" smtClean="0"/>
+              <a:t> </a:t>
+            </a:r>
+            <a:r>
+              <a:rPr lang="nl-BE" sz="1600" dirty="0" err="1" smtClean="0"/>
+              <a:t>Multilingua</a:t>
+            </a:r>
+            <a:endParaRPr lang="nl-BE" sz="1600" dirty="0" smtClean="0"/>
+          </a:p>
+          <a:p>
+            <a:pPr lvl="2"/>
+            <a:r>
+              <a:rPr lang="nl-BE" sz="1600" dirty="0" smtClean="0"/>
+              <a:t>Polylang</a:t>
+            </a:r>
+          </a:p>
+          <a:p>
+            <a:pPr lvl="2"/>
+            <a:r>
+              <a:rPr lang="nl-BE" sz="1600" dirty="0" err="1" smtClean="0"/>
+              <a:t>Multilanguage</a:t>
+            </a:r>
+            <a:r>
+              <a:rPr lang="nl-BE" sz="1600" dirty="0" smtClean="0"/>
+              <a:t> </a:t>
+            </a:r>
+            <a:r>
+              <a:rPr lang="nl-BE" sz="1600" dirty="0" err="1" smtClean="0"/>
+              <a:t>by</a:t>
+            </a:r>
+            <a:r>
+              <a:rPr lang="nl-BE" sz="1600" dirty="0" smtClean="0"/>
+              <a:t> </a:t>
+            </a:r>
+            <a:r>
+              <a:rPr lang="nl-BE" sz="1600" dirty="0" err="1" smtClean="0"/>
+              <a:t>WebBestSoft</a:t>
+            </a:r>
+            <a:endParaRPr lang="nl-BE" sz="1600" dirty="0" smtClean="0"/>
+          </a:p>
+          <a:p>
+            <a:endParaRPr lang="nl-BE" sz="2000" dirty="0"/>
+          </a:p>
+          <a:p>
+            <a:r>
+              <a:rPr lang="nl-BE" sz="2000" dirty="0" smtClean="0"/>
+              <a:t>Beste = WPML + </a:t>
+            </a:r>
+            <a:r>
+              <a:rPr lang="nl-BE" sz="2000" dirty="0" err="1" smtClean="0"/>
+              <a:t>WooCommerce</a:t>
+            </a:r>
+            <a:r>
+              <a:rPr lang="nl-BE" sz="2000" dirty="0" smtClean="0"/>
+              <a:t> </a:t>
+            </a:r>
+            <a:r>
+              <a:rPr lang="nl-BE" sz="2000" dirty="0" err="1" smtClean="0"/>
+              <a:t>multilingual</a:t>
+            </a:r>
+            <a:r>
+              <a:rPr lang="nl-BE" sz="2000" dirty="0" smtClean="0"/>
+              <a:t> </a:t>
+            </a:r>
+            <a:r>
+              <a:rPr lang="nl-BE" sz="2000" dirty="0" smtClean="0"/>
+              <a:t>(ook </a:t>
+            </a:r>
+            <a:r>
+              <a:rPr lang="nl-BE" sz="2000" dirty="0" err="1" smtClean="0"/>
+              <a:t>multi</a:t>
+            </a:r>
+            <a:r>
+              <a:rPr lang="nl-BE" sz="2000" dirty="0" smtClean="0"/>
+              <a:t> </a:t>
+            </a:r>
+            <a:r>
+              <a:rPr lang="nl-BE" sz="2000" dirty="0" err="1" smtClean="0"/>
+              <a:t>currency</a:t>
+            </a:r>
+            <a:r>
+              <a:rPr lang="nl-BE" sz="2000" dirty="0" smtClean="0"/>
+              <a:t>) </a:t>
+            </a:r>
+            <a:r>
+              <a:rPr lang="nl-BE" sz="2000" dirty="0" smtClean="0">
+                <a:sym typeface="Wingdings" panose="05000000000000000000" pitchFamily="2" charset="2"/>
+              </a:rPr>
+              <a:t></a:t>
+            </a:r>
+            <a:r>
+              <a:rPr lang="nl-BE" sz="2000" dirty="0" smtClean="0"/>
+              <a:t> </a:t>
+            </a:r>
+            <a:r>
+              <a:rPr lang="nl-BE" sz="2000" dirty="0" smtClean="0"/>
+              <a:t>maar betalend…</a:t>
+            </a:r>
+          </a:p>
+          <a:p>
+            <a:endParaRPr lang="nl-BE" sz="2000" dirty="0"/>
+          </a:p>
+        </p:txBody>
+      </p:sp>
+    </p:spTree>
+    <p:extLst>
+      <p:ext uri="{BB962C8B-B14F-4D97-AF65-F5344CB8AC3E}">
+        <p14:creationId xmlns:p14="http://schemas.microsoft.com/office/powerpoint/2010/main" val="2837343598"/>
+      </p:ext>
+    </p:extLst>
+  </p:cSld>
+  <p:clrMapOvr>
+    <a:masterClrMapping/>
+  </p:clrMapOvr>
+  <p:timing>
+    <p:tnLst>
+      <p:par>
+        <p:cTn id="1" dur="indefinite" restart="never" nodeType="tmRoot">
+          <p:childTnLst>
+            <p:seq concurrent="1" nextAc="seek">
+              <p:cTn id="2" dur="indefinite" nodeType="mainSeq">
+                <p:childTnLst>
+                  <p:par>
+                    <p:cTn id="3" fill="hold">
+                      <p:stCondLst>
+                        <p:cond delay="indefinite"/>
+                      </p:stCondLst>
+                      <p:childTnLst>
+                        <p:par>
+                          <p:cTn id="4" fill="hold">
+                            <p:stCondLst>
+                              <p:cond delay="0"/>
+                            </p:stCondLst>
+                            <p:childTnLst>
+                              <p:par>
+                                <p:cTn id="5" presetID="10" presetClass="entr" presetSubtype="0" fill="hold" grpId="0" nodeType="clickEffect">
+                                  <p:stCondLst>
+                                    <p:cond delay="0"/>
+                                  </p:stCondLst>
+                                  <p:childTnLst>
+                                    <p:set>
+                                      <p:cBhvr>
+                                        <p:cTn id="6" dur="1" fill="hold">
+                                          <p:stCondLst>
+                                            <p:cond delay="0"/>
+                                          </p:stCondLst>
+                                        </p:cTn>
+                                        <p:tgtEl>
+                                          <p:spTgt spid="3">
+                                            <p:txEl>
+                                              <p:pRg st="0" end="0"/>
+                                            </p:txEl>
+                                          </p:spTgt>
+                                        </p:tgtEl>
+                                        <p:attrNameLst>
+                                          <p:attrName>style.visibility</p:attrName>
+                                        </p:attrNameLst>
+                                      </p:cBhvr>
+                                      <p:to>
+                                        <p:strVal val="visible"/>
+                                      </p:to>
+                                    </p:set>
+                                    <p:animEffect transition="in" filter="fade">
+                                      <p:cBhvr>
+                                        <p:cTn id="7" dur="500"/>
+                                        <p:tgtEl>
+                                          <p:spTgt spid="3">
+                                            <p:txEl>
+                                              <p:pRg st="0" end="0"/>
+                                            </p:txEl>
+                                          </p:spTgt>
+                                        </p:tgtEl>
+                                      </p:cBhvr>
+                                    </p:animEffect>
+                                  </p:childTnLst>
+                                </p:cTn>
+                              </p:par>
+                            </p:childTnLst>
+                          </p:cTn>
+                        </p:par>
+                      </p:childTnLst>
+                    </p:cTn>
+                  </p:par>
+                  <p:par>
+                    <p:cTn id="8" fill="hold">
+                      <p:stCondLst>
+                        <p:cond delay="indefinite"/>
+                      </p:stCondLst>
+                      <p:childTnLst>
+                        <p:par>
+                          <p:cTn id="9" fill="hold">
+                            <p:stCondLst>
+                              <p:cond delay="0"/>
+                            </p:stCondLst>
+                            <p:childTnLst>
+                              <p:par>
+                                <p:cTn id="10" presetID="10" presetClass="entr" presetSubtype="0" fill="hold" grpId="0" nodeType="clickEffect">
+                                  <p:stCondLst>
+                                    <p:cond delay="0"/>
+                                  </p:stCondLst>
+                                  <p:childTnLst>
+                                    <p:set>
+                                      <p:cBhvr>
+                                        <p:cTn id="11" dur="1" fill="hold">
+                                          <p:stCondLst>
+                                            <p:cond delay="0"/>
+                                          </p:stCondLst>
+                                        </p:cTn>
+                                        <p:tgtEl>
+                                          <p:spTgt spid="3">
+                                            <p:txEl>
+                                              <p:pRg st="1" end="1"/>
+                                            </p:txEl>
+                                          </p:spTgt>
+                                        </p:tgtEl>
+                                        <p:attrNameLst>
+                                          <p:attrName>style.visibility</p:attrName>
+                                        </p:attrNameLst>
+                                      </p:cBhvr>
+                                      <p:to>
+                                        <p:strVal val="visible"/>
+                                      </p:to>
+                                    </p:set>
+                                    <p:animEffect transition="in" filter="fade">
+                                      <p:cBhvr>
+                                        <p:cTn id="12" dur="500"/>
+                                        <p:tgtEl>
+                                          <p:spTgt spid="3">
+                                            <p:txEl>
+                                              <p:pRg st="1" end="1"/>
+                                            </p:txEl>
+                                          </p:spTgt>
+                                        </p:tgtEl>
+                                      </p:cBhvr>
+                                    </p:animEffect>
+                                  </p:childTnLst>
+                                </p:cTn>
+                              </p:par>
+                            </p:childTnLst>
+                          </p:cTn>
+                        </p:par>
+                      </p:childTnLst>
+                    </p:cTn>
+                  </p:par>
+                  <p:par>
+                    <p:cTn id="13" fill="hold">
+                      <p:stCondLst>
+                        <p:cond delay="indefinite"/>
+                      </p:stCondLst>
+                      <p:childTnLst>
+                        <p:par>
+                          <p:cTn id="14" fill="hold">
+                            <p:stCondLst>
+                              <p:cond delay="0"/>
+                            </p:stCondLst>
+                            <p:childTnLst>
+                              <p:par>
+                                <p:cTn id="15" presetID="10" presetClass="entr" presetSubtype="0" fill="hold" grpId="0" nodeType="clickEffect">
+                                  <p:stCondLst>
+                                    <p:cond delay="0"/>
+                                  </p:stCondLst>
+                                  <p:childTnLst>
+                                    <p:set>
+                                      <p:cBhvr>
+                                        <p:cTn id="16" dur="1" fill="hold">
+                                          <p:stCondLst>
+                                            <p:cond delay="0"/>
+                                          </p:stCondLst>
+                                        </p:cTn>
+                                        <p:tgtEl>
+                                          <p:spTgt spid="3">
+                                            <p:txEl>
+                                              <p:pRg st="2" end="2"/>
+                                            </p:txEl>
+                                          </p:spTgt>
+                                        </p:tgtEl>
+                                        <p:attrNameLst>
+                                          <p:attrName>style.visibility</p:attrName>
+                                        </p:attrNameLst>
+                                      </p:cBhvr>
+                                      <p:to>
+                                        <p:strVal val="visible"/>
+                                      </p:to>
+                                    </p:set>
+                                    <p:animEffect transition="in" filter="fade">
+                                      <p:cBhvr>
+                                        <p:cTn id="17" dur="500"/>
+                                        <p:tgtEl>
+                                          <p:spTgt spid="3">
+                                            <p:txEl>
+                                              <p:pRg st="2" end="2"/>
+                                            </p:txEl>
+                                          </p:spTgt>
+                                        </p:tgtEl>
+                                      </p:cBhvr>
+                                    </p:animEffect>
+                                  </p:childTnLst>
+                                </p:cTn>
+                              </p:par>
+                            </p:childTnLst>
+                          </p:cTn>
+                        </p:par>
+                      </p:childTnLst>
+                    </p:cTn>
+                  </p:par>
+                  <p:par>
+                    <p:cTn id="18" fill="hold">
+                      <p:stCondLst>
+                        <p:cond delay="indefinite"/>
+                      </p:stCondLst>
+                      <p:childTnLst>
+                        <p:par>
+                          <p:cTn id="19" fill="hold">
+                            <p:stCondLst>
+                              <p:cond delay="0"/>
+                            </p:stCondLst>
+                            <p:childTnLst>
+                              <p:par>
+                                <p:cTn id="20" presetID="10" presetClass="entr" presetSubtype="0" fill="hold" grpId="0" nodeType="clickEffect">
+                                  <p:stCondLst>
+                                    <p:cond delay="0"/>
+                                  </p:stCondLst>
+                                  <p:childTnLst>
+                                    <p:set>
+                                      <p:cBhvr>
+                                        <p:cTn id="21" dur="1" fill="hold">
+                                          <p:stCondLst>
+                                            <p:cond delay="0"/>
+                                          </p:stCondLst>
+                                        </p:cTn>
+                                        <p:tgtEl>
+                                          <p:spTgt spid="3">
+                                            <p:txEl>
+                                              <p:pRg st="3" end="3"/>
+                                            </p:txEl>
+                                          </p:spTgt>
+                                        </p:tgtEl>
+                                        <p:attrNameLst>
+                                          <p:attrName>style.visibility</p:attrName>
+                                        </p:attrNameLst>
+                                      </p:cBhvr>
+                                      <p:to>
+                                        <p:strVal val="visible"/>
+                                      </p:to>
+                                    </p:set>
+                                    <p:animEffect transition="in" filter="fade">
+                                      <p:cBhvr>
+                                        <p:cTn id="22" dur="500"/>
+                                        <p:tgtEl>
+                                          <p:spTgt spid="3">
+                                            <p:txEl>
+                                              <p:pRg st="3" end="3"/>
+                                            </p:txEl>
+                                          </p:spTgt>
+                                        </p:tgtEl>
+                                      </p:cBhvr>
+                                    </p:animEffect>
+                                  </p:childTnLst>
+                                </p:cTn>
+                              </p:par>
+                            </p:childTnLst>
+                          </p:cTn>
+                        </p:par>
+                      </p:childTnLst>
+                    </p:cTn>
+                  </p:par>
+                  <p:par>
+                    <p:cTn id="23" fill="hold">
+                      <p:stCondLst>
+                        <p:cond delay="indefinite"/>
+                      </p:stCondLst>
+                      <p:childTnLst>
+                        <p:par>
+                          <p:cTn id="24" fill="hold">
+                            <p:stCondLst>
+                              <p:cond delay="0"/>
+                            </p:stCondLst>
+                            <p:childTnLst>
+                              <p:par>
+                                <p:cTn id="25" presetID="10" presetClass="entr" presetSubtype="0" fill="hold" grpId="0" nodeType="clickEffect">
+                                  <p:stCondLst>
+                                    <p:cond delay="0"/>
+                                  </p:stCondLst>
+                                  <p:childTnLst>
+                                    <p:set>
+                                      <p:cBhvr>
+                                        <p:cTn id="26" dur="1" fill="hold">
+                                          <p:stCondLst>
+                                            <p:cond delay="0"/>
+                                          </p:stCondLst>
+                                        </p:cTn>
+                                        <p:tgtEl>
+                                          <p:spTgt spid="3">
+                                            <p:txEl>
+                                              <p:pRg st="4" end="4"/>
+                                            </p:txEl>
+                                          </p:spTgt>
+                                        </p:tgtEl>
+                                        <p:attrNameLst>
+                                          <p:attrName>style.visibility</p:attrName>
+                                        </p:attrNameLst>
+                                      </p:cBhvr>
+                                      <p:to>
+                                        <p:strVal val="visible"/>
+                                      </p:to>
+                                    </p:set>
+                                    <p:animEffect transition="in" filter="fade">
+                                      <p:cBhvr>
+                                        <p:cTn id="27" dur="500"/>
+                                        <p:tgtEl>
+                                          <p:spTgt spid="3">
+                                            <p:txEl>
+                                              <p:pRg st="4" end="4"/>
+                                            </p:txEl>
+                                          </p:spTgt>
+                                        </p:tgtEl>
+                                      </p:cBhvr>
+                                    </p:animEffect>
+                                  </p:childTnLst>
+                                </p:cTn>
+                              </p:par>
+                            </p:childTnLst>
+                          </p:cTn>
+                        </p:par>
+                      </p:childTnLst>
+                    </p:cTn>
+                  </p:par>
+                  <p:par>
+                    <p:cTn id="28" fill="hold">
+                      <p:stCondLst>
+                        <p:cond delay="indefinite"/>
+                      </p:stCondLst>
+                      <p:childTnLst>
+                        <p:par>
+                          <p:cTn id="29" fill="hold">
+                            <p:stCondLst>
+                              <p:cond delay="0"/>
+                            </p:stCondLst>
+                            <p:childTnLst>
+                              <p:par>
+                                <p:cTn id="30" presetID="10" presetClass="entr" presetSubtype="0" fill="hold" grpId="0" nodeType="clickEffect">
+                                  <p:stCondLst>
+                                    <p:cond delay="0"/>
+                                  </p:stCondLst>
+                                  <p:childTnLst>
+                                    <p:set>
+                                      <p:cBhvr>
+                                        <p:cTn id="31" dur="1" fill="hold">
+                                          <p:stCondLst>
+                                            <p:cond delay="0"/>
+                                          </p:stCondLst>
+                                        </p:cTn>
+                                        <p:tgtEl>
+                                          <p:spTgt spid="3">
+                                            <p:txEl>
+                                              <p:pRg st="5" end="5"/>
+                                            </p:txEl>
+                                          </p:spTgt>
+                                        </p:tgtEl>
+                                        <p:attrNameLst>
+                                          <p:attrName>style.visibility</p:attrName>
+                                        </p:attrNameLst>
+                                      </p:cBhvr>
+                                      <p:to>
+                                        <p:strVal val="visible"/>
+                                      </p:to>
+                                    </p:set>
+                                    <p:animEffect transition="in" filter="fade">
+                                      <p:cBhvr>
+                                        <p:cTn id="32" dur="500"/>
+                                        <p:tgtEl>
+                                          <p:spTgt spid="3">
+                                            <p:txEl>
+                                              <p:pRg st="5" end="5"/>
+                                            </p:txEl>
+                                          </p:spTgt>
+                                        </p:tgtEl>
+                                      </p:cBhvr>
+                                    </p:animEffect>
+                                  </p:childTnLst>
+                                </p:cTn>
+                              </p:par>
+                            </p:childTnLst>
+                          </p:cTn>
+                        </p:par>
+                      </p:childTnLst>
+                    </p:cTn>
+                  </p:par>
+                  <p:par>
+                    <p:cTn id="33" fill="hold">
+                      <p:stCondLst>
+                        <p:cond delay="indefinite"/>
+                      </p:stCondLst>
+                      <p:childTnLst>
+                        <p:par>
+                          <p:cTn id="34" fill="hold">
+                            <p:stCondLst>
+                              <p:cond delay="0"/>
+                            </p:stCondLst>
+                            <p:childTnLst>
+                              <p:par>
+                                <p:cTn id="35" presetID="10" presetClass="entr" presetSubtype="0" fill="hold" grpId="0" nodeType="clickEffect">
+                                  <p:stCondLst>
+                                    <p:cond delay="0"/>
+                                  </p:stCondLst>
+                                  <p:childTnLst>
+                                    <p:set>
+                                      <p:cBhvr>
+                                        <p:cTn id="36" dur="1" fill="hold">
+                                          <p:stCondLst>
+                                            <p:cond delay="0"/>
+                                          </p:stCondLst>
+                                        </p:cTn>
+                                        <p:tgtEl>
+                                          <p:spTgt spid="3">
+                                            <p:txEl>
+                                              <p:pRg st="6" end="6"/>
+                                            </p:txEl>
+                                          </p:spTgt>
+                                        </p:tgtEl>
+                                        <p:attrNameLst>
+                                          <p:attrName>style.visibility</p:attrName>
+                                        </p:attrNameLst>
+                                      </p:cBhvr>
+                                      <p:to>
+                                        <p:strVal val="visible"/>
+                                      </p:to>
+                                    </p:set>
+                                    <p:animEffect transition="in" filter="fade">
+                                      <p:cBhvr>
+                                        <p:cTn id="37" dur="500"/>
+                                        <p:tgtEl>
+                                          <p:spTgt spid="3">
+                                            <p:txEl>
+                                              <p:pRg st="6" end="6"/>
+                                            </p:txEl>
+                                          </p:spTgt>
+                                        </p:tgtEl>
+                                      </p:cBhvr>
+                                    </p:animEffect>
+                                  </p:childTnLst>
+                                </p:cTn>
+                              </p:par>
+                            </p:childTnLst>
+                          </p:cTn>
+                        </p:par>
+                      </p:childTnLst>
+                    </p:cTn>
+                  </p:par>
+                  <p:par>
+                    <p:cTn id="38" fill="hold">
+                      <p:stCondLst>
+                        <p:cond delay="indefinite"/>
+                      </p:stCondLst>
+                      <p:childTnLst>
+                        <p:par>
+                          <p:cTn id="39" fill="hold">
+                            <p:stCondLst>
+                              <p:cond delay="0"/>
+                            </p:stCondLst>
+                            <p:childTnLst>
+                              <p:par>
+                                <p:cTn id="40" presetID="10" presetClass="entr" presetSubtype="0" fill="hold" grpId="0" nodeType="clickEffect">
+                                  <p:stCondLst>
+                                    <p:cond delay="0"/>
+                                  </p:stCondLst>
+                                  <p:childTnLst>
+                                    <p:set>
+                                      <p:cBhvr>
+                                        <p:cTn id="41" dur="1" fill="hold">
+                                          <p:stCondLst>
+                                            <p:cond delay="0"/>
+                                          </p:stCondLst>
+                                        </p:cTn>
+                                        <p:tgtEl>
+                                          <p:spTgt spid="3">
+                                            <p:txEl>
+                                              <p:pRg st="8" end="8"/>
+                                            </p:txEl>
+                                          </p:spTgt>
+                                        </p:tgtEl>
+                                        <p:attrNameLst>
+                                          <p:attrName>style.visibility</p:attrName>
+                                        </p:attrNameLst>
+                                      </p:cBhvr>
+                                      <p:to>
+                                        <p:strVal val="visible"/>
+                                      </p:to>
+                                    </p:set>
+                                    <p:animEffect transition="in" filter="fade">
+                                      <p:cBhvr>
+                                        <p:cTn id="42" dur="500"/>
+                                        <p:tgtEl>
+                                          <p:spTgt spid="3">
+                                            <p:txEl>
+                                              <p:pRg st="8" end="8"/>
+                                            </p:txEl>
+                                          </p:spTgt>
+                                        </p:tgtEl>
+                                      </p:cBhvr>
+                                    </p:animEffect>
+                                  </p:childTnLst>
+                                </p:cTn>
+                              </p:par>
+                            </p:childTnLst>
+                          </p:cTn>
+                        </p:par>
+                      </p:childTnLst>
+                    </p:cTn>
+                  </p:par>
+                </p:childTnLst>
+              </p:cTn>
+              <p:prevCondLst>
+                <p:cond evt="onPrev" delay="0">
+                  <p:tgtEl>
+                    <p:sldTgt/>
+                  </p:tgtEl>
+                </p:cond>
+              </p:prevCondLst>
+              <p:nextCondLst>
+                <p:cond evt="onNext" delay="0">
+                  <p:tgtEl>
+                    <p:sldTgt/>
+                  </p:tgtEl>
+                </p:cond>
+              </p:nextCondLst>
+            </p:seq>
+          </p:childTnLst>
+        </p:cTn>
+      </p:par>
+    </p:tnLst>
+    <p:bldLst>
+      <p:bldP spid="3" grpId="0" build="p"/>
+    </p:bldLst>
   </p:timing>
 </p:sld>
 </file>
@@ -14088,20 +17142,12 @@
           <a:lstStyle/>
           <a:p>
             <a:r>
+              <a:rPr lang="nl-BE" dirty="0" smtClean="0"/>
+              <a:t>Voordelen van </a:t>
+            </a:r>
+            <a:r>
               <a:rPr lang="nl-BE" dirty="0" err="1" smtClean="0"/>
-              <a:t>Customization</a:t>
-            </a:r>
-            <a:r>
-              <a:rPr lang="nl-BE" dirty="0" smtClean="0"/>
-              <a:t> – </a:t>
-            </a:r>
-            <a:r>
-              <a:rPr lang="nl-BE" dirty="0" err="1" smtClean="0"/>
-              <a:t>multilingual</a:t>
-            </a:r>
-            <a:r>
-              <a:rPr lang="nl-BE" dirty="0" smtClean="0"/>
-              <a:t> </a:t>
+              <a:t>WooCommerce</a:t>
             </a:r>
             <a:endParaRPr lang="nl-BE" dirty="0"/>
           </a:p>
@@ -14119,227 +17165,64 @@
         </p:nvSpPr>
         <p:spPr>
           <a:xfrm>
-            <a:off x="677333" y="1731147"/>
-            <a:ext cx="11280887" cy="5126854"/>
+            <a:off x="677334" y="1704623"/>
+            <a:ext cx="8596668" cy="4336740"/>
           </a:xfrm>
         </p:spPr>
         <p:txBody>
-          <a:bodyPr>
-            <a:normAutofit/>
-          </a:bodyPr>
+          <a:bodyPr/>
           <a:lstStyle/>
           <a:p>
             <a:r>
-              <a:rPr lang="nl-BE" dirty="0" smtClean="0"/>
-              <a:t>Verschillende opties</a:t>
-            </a:r>
-          </a:p>
-          <a:p>
-            <a:pPr lvl="1"/>
-            <a:r>
-              <a:rPr lang="nl-BE" dirty="0" smtClean="0"/>
-              <a:t>Een hele nieuwe </a:t>
-            </a:r>
-            <a:r>
-              <a:rPr lang="nl-BE" dirty="0" err="1" smtClean="0"/>
+              <a:rPr lang="nl-BE" sz="2000" dirty="0" smtClean="0"/>
+              <a:t>Gebouwd op </a:t>
+            </a:r>
+            <a:r>
+              <a:rPr lang="nl-BE" sz="2000" dirty="0" err="1" smtClean="0"/>
               <a:t>WordPress</a:t>
             </a:r>
             <a:r>
-              <a:rPr lang="nl-BE" dirty="0" smtClean="0"/>
-              <a:t>-site aanmaken per taal (zonder </a:t>
-            </a:r>
-            <a:r>
-              <a:rPr lang="nl-BE" dirty="0" err="1" smtClean="0"/>
+              <a:rPr lang="nl-BE" sz="2000" dirty="0" smtClean="0"/>
+              <a:t> = CMS (gebruiksvriendelijk (</a:t>
+            </a:r>
+            <a:r>
+              <a:rPr lang="nl-BE" sz="2000" dirty="0" err="1" smtClean="0"/>
+              <a:t>drag</a:t>
+            </a:r>
+            <a:r>
+              <a:rPr lang="nl-BE" sz="2000" dirty="0" smtClean="0"/>
+              <a:t> &amp; drop, …))</a:t>
+            </a:r>
+          </a:p>
+          <a:p>
+            <a:r>
+              <a:rPr lang="nl-BE" sz="2000" dirty="0" smtClean="0"/>
+              <a:t>Gratis</a:t>
+            </a:r>
+          </a:p>
+          <a:p>
+            <a:r>
+              <a:rPr lang="nl-BE" sz="2000" dirty="0" smtClean="0"/>
+              <a:t>Veel beschikbare </a:t>
+            </a:r>
+            <a:r>
+              <a:rPr lang="nl-BE" sz="2000" dirty="0" err="1" smtClean="0"/>
               <a:t>plugins</a:t>
             </a:r>
-            <a:r>
-              <a:rPr lang="nl-BE" dirty="0" smtClean="0"/>
-              <a:t>) (nadelen &gt; voordelen)</a:t>
-            </a:r>
-          </a:p>
-          <a:p>
-            <a:pPr lvl="1"/>
-            <a:r>
-              <a:rPr lang="nl-BE" dirty="0" smtClean="0"/>
-              <a:t>Gebruik maken van </a:t>
-            </a:r>
-            <a:r>
-              <a:rPr lang="nl-BE" dirty="0" err="1" smtClean="0"/>
-              <a:t>plugins</a:t>
-            </a:r>
-            <a:r>
-              <a:rPr lang="nl-BE" dirty="0" smtClean="0"/>
-              <a:t> (alles kan aangepast worden op 1 plaats)</a:t>
-            </a:r>
-          </a:p>
-          <a:p>
-            <a:pPr lvl="2"/>
-            <a:r>
-              <a:rPr lang="nl-BE" dirty="0"/>
-              <a:t>Beste = WPML + </a:t>
-            </a:r>
-            <a:r>
-              <a:rPr lang="nl-BE" dirty="0" err="1"/>
-              <a:t>WooCommerce</a:t>
-            </a:r>
-            <a:r>
-              <a:rPr lang="nl-BE" dirty="0"/>
-              <a:t> </a:t>
-            </a:r>
-            <a:r>
-              <a:rPr lang="nl-BE" dirty="0" err="1"/>
-              <a:t>multilingual</a:t>
-            </a:r>
-            <a:r>
-              <a:rPr lang="nl-BE" dirty="0"/>
-              <a:t> </a:t>
-            </a:r>
-            <a:r>
-              <a:rPr lang="nl-BE" dirty="0" smtClean="0">
-                <a:sym typeface="Wingdings" panose="05000000000000000000" pitchFamily="2" charset="2"/>
-              </a:rPr>
-              <a:t></a:t>
-            </a:r>
-            <a:r>
-              <a:rPr lang="nl-BE" dirty="0" smtClean="0"/>
-              <a:t> </a:t>
-            </a:r>
-            <a:r>
-              <a:rPr lang="nl-BE" dirty="0"/>
-              <a:t>maar betalend</a:t>
-            </a:r>
-            <a:r>
-              <a:rPr lang="nl-BE" dirty="0" smtClean="0"/>
-              <a:t>…  (biedt zowel </a:t>
-            </a:r>
-            <a:r>
-              <a:rPr lang="nl-BE" dirty="0" err="1" smtClean="0"/>
-              <a:t>multilingual</a:t>
-            </a:r>
-            <a:r>
-              <a:rPr lang="nl-BE" dirty="0" smtClean="0"/>
-              <a:t> als </a:t>
-            </a:r>
-            <a:r>
-              <a:rPr lang="nl-BE" dirty="0" err="1" smtClean="0"/>
-              <a:t>multi</a:t>
-            </a:r>
-            <a:r>
-              <a:rPr lang="nl-BE" dirty="0" smtClean="0"/>
-              <a:t> </a:t>
-            </a:r>
-            <a:r>
-              <a:rPr lang="nl-BE" dirty="0" err="1" smtClean="0"/>
-              <a:t>currency</a:t>
-            </a:r>
-            <a:r>
-              <a:rPr lang="nl-BE" dirty="0" smtClean="0"/>
-              <a:t>)</a:t>
-            </a:r>
-            <a:endParaRPr lang="nl-BE" dirty="0"/>
-          </a:p>
-          <a:p>
-            <a:pPr lvl="2"/>
+            <a:endParaRPr lang="nl-BE" sz="2000" dirty="0" smtClean="0"/>
+          </a:p>
+          <a:p>
+            <a:endParaRPr lang="nl-BE" sz="2000" dirty="0" smtClean="0"/>
+          </a:p>
+          <a:p>
             <a:endParaRPr lang="nl-BE" dirty="0" smtClean="0"/>
-          </a:p>
-          <a:p>
-            <a:pPr lvl="1"/>
-            <a:r>
-              <a:rPr lang="nl-BE" dirty="0" smtClean="0"/>
-              <a:t>Gratis opties</a:t>
-            </a:r>
-          </a:p>
-          <a:p>
-            <a:pPr lvl="2"/>
-            <a:r>
-              <a:rPr lang="nl-BE" dirty="0" err="1" smtClean="0"/>
-              <a:t>Ceceppa</a:t>
-            </a:r>
-            <a:r>
-              <a:rPr lang="nl-BE" dirty="0" smtClean="0"/>
-              <a:t> </a:t>
-            </a:r>
-            <a:r>
-              <a:rPr lang="nl-BE" dirty="0" err="1" smtClean="0"/>
-              <a:t>Multilingua</a:t>
-            </a:r>
-            <a:endParaRPr lang="nl-BE" dirty="0" smtClean="0"/>
-          </a:p>
-          <a:p>
-            <a:pPr lvl="2"/>
-            <a:r>
-              <a:rPr lang="nl-BE" dirty="0" smtClean="0"/>
-              <a:t>Polylang</a:t>
-            </a:r>
-          </a:p>
-          <a:p>
-            <a:pPr lvl="2"/>
-            <a:r>
-              <a:rPr lang="nl-BE" dirty="0" err="1" smtClean="0"/>
-              <a:t>Multilanguage</a:t>
-            </a:r>
-            <a:r>
-              <a:rPr lang="nl-BE" dirty="0" smtClean="0"/>
-              <a:t> </a:t>
-            </a:r>
-            <a:r>
-              <a:rPr lang="nl-BE" dirty="0" err="1" smtClean="0"/>
-              <a:t>by</a:t>
-            </a:r>
-            <a:r>
-              <a:rPr lang="nl-BE" dirty="0" smtClean="0"/>
-              <a:t> </a:t>
-            </a:r>
-            <a:r>
-              <a:rPr lang="nl-BE" dirty="0" err="1" smtClean="0"/>
-              <a:t>WebBestSoft</a:t>
-            </a:r>
-            <a:endParaRPr lang="nl-BE" dirty="0" smtClean="0"/>
-          </a:p>
-          <a:p>
-            <a:pPr lvl="2"/>
-            <a:endParaRPr lang="nl-BE" dirty="0" smtClean="0"/>
-          </a:p>
-          <a:p>
-            <a:endParaRPr lang="nl-BE" dirty="0"/>
-          </a:p>
-          <a:p>
-            <a:endParaRPr lang="nl-BE" dirty="0" smtClean="0"/>
-          </a:p>
-          <a:p>
-            <a:endParaRPr lang="nl-BE" dirty="0"/>
-          </a:p>
-          <a:p>
-            <a:r>
-              <a:rPr lang="nl-BE" dirty="0" smtClean="0"/>
-              <a:t>Beste = WPML + </a:t>
-            </a:r>
-            <a:r>
-              <a:rPr lang="nl-BE" dirty="0" err="1" smtClean="0"/>
-              <a:t>WooCommerce</a:t>
-            </a:r>
-            <a:r>
-              <a:rPr lang="nl-BE" dirty="0" smtClean="0"/>
-              <a:t> </a:t>
-            </a:r>
-            <a:r>
-              <a:rPr lang="nl-BE" dirty="0" err="1" smtClean="0"/>
-              <a:t>multilingual</a:t>
-            </a:r>
-            <a:r>
-              <a:rPr lang="nl-BE" dirty="0" smtClean="0"/>
-              <a:t> -&gt; maar betalend…</a:t>
-            </a:r>
-          </a:p>
-          <a:p>
-            <a:endParaRPr lang="nl-BE" dirty="0"/>
           </a:p>
         </p:txBody>
       </p:sp>
     </p:spTree>
     <p:extLst>
       <p:ext uri="{BB962C8B-B14F-4D97-AF65-F5344CB8AC3E}">
-        <p14:creationId xmlns:p14="http://schemas.microsoft.com/office/powerpoint/2010/main" val="2837343598"/>
+        <p14:creationId xmlns:p14="http://schemas.microsoft.com/office/powerpoint/2010/main" val="2914578156"/>
       </p:ext>
     </p:extLst>
   </p:cSld>
@@ -14389,16 +17272,12 @@
           <a:lstStyle/>
           <a:p>
             <a:r>
+              <a:rPr lang="nl-BE" dirty="0" smtClean="0"/>
+              <a:t>Nadelen van </a:t>
+            </a:r>
+            <a:r>
               <a:rPr lang="nl-BE" dirty="0" err="1" smtClean="0"/>
-              <a:t>Customization</a:t>
-            </a:r>
-            <a:r>
-              <a:rPr lang="nl-BE" dirty="0" smtClean="0"/>
-              <a:t> - </a:t>
-            </a:r>
-            <a:r>
-              <a:rPr lang="nl-BE" dirty="0" err="1" smtClean="0"/>
-              <a:t>multilingual</a:t>
+              <a:t>WooCommerce</a:t>
             </a:r>
             <a:endParaRPr lang="nl-BE" dirty="0"/>
           </a:p>
@@ -14416,283 +17295,63 @@
         </p:nvSpPr>
         <p:spPr>
           <a:xfrm>
-            <a:off x="677333" y="2160589"/>
-            <a:ext cx="10739349" cy="4266844"/>
+            <a:off x="677333" y="1930401"/>
+            <a:ext cx="9189155" cy="4110962"/>
           </a:xfrm>
         </p:spPr>
         <p:txBody>
           <a:bodyPr>
-            <a:normAutofit lnSpcReduction="10000"/>
+            <a:normAutofit/>
           </a:bodyPr>
           <a:lstStyle/>
           <a:p>
             <a:r>
-              <a:rPr lang="nl-BE" dirty="0" smtClean="0"/>
-              <a:t>Goede vertaling voor standaard pagina’s en widgets, maar …</a:t>
-            </a:r>
-          </a:p>
-          <a:p>
-            <a:r>
-              <a:rPr lang="nl-BE" dirty="0" smtClean="0"/>
-              <a:t>Problemen met </a:t>
-            </a:r>
-            <a:r>
-              <a:rPr lang="nl-BE" dirty="0" err="1" smtClean="0"/>
-              <a:t>woocommerce</a:t>
-            </a:r>
-            <a:endParaRPr lang="nl-BE" dirty="0" smtClean="0"/>
-          </a:p>
-          <a:p>
-            <a:pPr lvl="1"/>
-            <a:r>
-              <a:rPr lang="nl-BE" dirty="0" smtClean="0"/>
-              <a:t>Producten worden voor elke taal apart aangemaakt </a:t>
-            </a:r>
-            <a:r>
-              <a:rPr lang="nl-BE" dirty="0" smtClean="0">
-                <a:sym typeface="Wingdings" panose="05000000000000000000" pitchFamily="2" charset="2"/>
-              </a:rPr>
-              <a:t> tenzij je extra </a:t>
-            </a:r>
-            <a:r>
-              <a:rPr lang="nl-BE" dirty="0" err="1" smtClean="0">
-                <a:sym typeface="Wingdings" panose="05000000000000000000" pitchFamily="2" charset="2"/>
-              </a:rPr>
-              <a:t>plugin</a:t>
-            </a:r>
-            <a:r>
-              <a:rPr lang="nl-BE" dirty="0" smtClean="0">
-                <a:sym typeface="Wingdings" panose="05000000000000000000" pitchFamily="2" charset="2"/>
-              </a:rPr>
-              <a:t> </a:t>
-            </a:r>
-            <a:r>
-              <a:rPr lang="nl-BE" dirty="0" err="1" smtClean="0">
-                <a:sym typeface="Wingdings" panose="05000000000000000000" pitchFamily="2" charset="2"/>
-              </a:rPr>
-              <a:t>Ceceppa</a:t>
-            </a:r>
-            <a:r>
-              <a:rPr lang="nl-BE" dirty="0" smtClean="0">
-                <a:sym typeface="Wingdings" panose="05000000000000000000" pitchFamily="2" charset="2"/>
-              </a:rPr>
-              <a:t> </a:t>
-            </a:r>
-            <a:r>
-              <a:rPr lang="nl-BE" dirty="0" err="1" smtClean="0">
-                <a:sym typeface="Wingdings" panose="05000000000000000000" pitchFamily="2" charset="2"/>
-              </a:rPr>
-              <a:t>Multilingua</a:t>
-            </a:r>
-            <a:r>
-              <a:rPr lang="nl-BE" dirty="0" smtClean="0">
-                <a:sym typeface="Wingdings" panose="05000000000000000000" pitchFamily="2" charset="2"/>
-              </a:rPr>
-              <a:t> </a:t>
-            </a:r>
-            <a:r>
-              <a:rPr lang="nl-BE" dirty="0" err="1" smtClean="0">
-                <a:sym typeface="Wingdings" panose="05000000000000000000" pitchFamily="2" charset="2"/>
-              </a:rPr>
-              <a:t>supprt</a:t>
-            </a:r>
-            <a:r>
-              <a:rPr lang="nl-BE" dirty="0" smtClean="0">
-                <a:sym typeface="Wingdings" panose="05000000000000000000" pitchFamily="2" charset="2"/>
-              </a:rPr>
-              <a:t> </a:t>
-            </a:r>
-            <a:r>
-              <a:rPr lang="nl-BE" dirty="0" err="1" smtClean="0">
-                <a:sym typeface="Wingdings" panose="05000000000000000000" pitchFamily="2" charset="2"/>
-              </a:rPr>
-              <a:t>for</a:t>
-            </a:r>
-            <a:r>
-              <a:rPr lang="nl-BE" dirty="0" smtClean="0">
-                <a:sym typeface="Wingdings" panose="05000000000000000000" pitchFamily="2" charset="2"/>
-              </a:rPr>
-              <a:t> </a:t>
-            </a:r>
-            <a:r>
-              <a:rPr lang="nl-BE" dirty="0" err="1" smtClean="0">
-                <a:sym typeface="Wingdings" panose="05000000000000000000" pitchFamily="2" charset="2"/>
-              </a:rPr>
-              <a:t>woocommerce</a:t>
-            </a:r>
-            <a:r>
-              <a:rPr lang="nl-BE" dirty="0" smtClean="0">
-                <a:sym typeface="Wingdings" panose="05000000000000000000" pitchFamily="2" charset="2"/>
-              </a:rPr>
-              <a:t> installeert</a:t>
-            </a:r>
-            <a:endParaRPr lang="nl-BE" dirty="0" smtClean="0"/>
-          </a:p>
-          <a:p>
-            <a:pPr lvl="1"/>
-            <a:r>
-              <a:rPr lang="nl-BE" dirty="0" smtClean="0"/>
-              <a:t>Dan nog kloppen de vertaalde teksten niet altijd (</a:t>
-            </a:r>
-            <a:r>
-              <a:rPr lang="nl-BE" dirty="0" err="1" smtClean="0"/>
+              <a:rPr lang="nl-BE" sz="2000" dirty="0" smtClean="0"/>
+              <a:t>Nieuwe orders krijgen geen label (in tegenstelling tot </a:t>
+            </a:r>
+            <a:r>
+              <a:rPr lang="nl-BE" sz="2000" dirty="0" err="1" smtClean="0"/>
+              <a:t>comments</a:t>
+            </a:r>
+            <a:r>
+              <a:rPr lang="nl-BE" sz="2000" dirty="0" smtClean="0"/>
+              <a:t> (reviews</a:t>
+            </a:r>
+            <a:r>
+              <a:rPr lang="nl-BE" sz="2000" dirty="0" smtClean="0"/>
+              <a:t>))</a:t>
+            </a:r>
+            <a:endParaRPr lang="nl-BE" sz="2000" dirty="0"/>
+          </a:p>
+          <a:p>
+            <a:r>
+              <a:rPr lang="nl-BE" sz="2000" dirty="0" smtClean="0"/>
+              <a:t>Foto’s </a:t>
+            </a:r>
+            <a:r>
+              <a:rPr lang="nl-BE" sz="2000" dirty="0" err="1" smtClean="0"/>
+              <a:t>thumbnails</a:t>
+            </a:r>
+            <a:r>
+              <a:rPr lang="nl-BE" sz="2000" dirty="0" smtClean="0"/>
+              <a:t> zijn niet altijd mooi uitgelijnd (</a:t>
+            </a:r>
+            <a:r>
+              <a:rPr lang="nl-BE" sz="2000" dirty="0" err="1" smtClean="0"/>
               <a:t>bvb</a:t>
             </a:r>
             <a:r>
-              <a:rPr lang="nl-BE" dirty="0" smtClean="0"/>
-              <a:t> Engelse tekst komt op Nederlandse pagina)</a:t>
-            </a:r>
-          </a:p>
-          <a:p>
-            <a:pPr lvl="1"/>
-            <a:r>
-              <a:rPr lang="nl-BE" dirty="0" smtClean="0"/>
-              <a:t>Regelmatig missing links </a:t>
-            </a:r>
-            <a:r>
-              <a:rPr lang="nl-BE" dirty="0" smtClean="0">
-                <a:sym typeface="Wingdings" panose="05000000000000000000" pitchFamily="2" charset="2"/>
-              </a:rPr>
-              <a:t> 400 error …</a:t>
-            </a:r>
-          </a:p>
-          <a:p>
-            <a:pPr lvl="1"/>
-            <a:r>
-              <a:rPr lang="nl-BE" dirty="0" err="1" smtClean="0">
-                <a:sym typeface="Wingdings" panose="05000000000000000000" pitchFamily="2" charset="2"/>
-              </a:rPr>
-              <a:t>Static</a:t>
-            </a:r>
-            <a:r>
-              <a:rPr lang="nl-BE" dirty="0" smtClean="0">
-                <a:sym typeface="Wingdings" panose="05000000000000000000" pitchFamily="2" charset="2"/>
-              </a:rPr>
-              <a:t> front page klopt niet met wat opgegeven wordt</a:t>
-            </a:r>
-          </a:p>
-          <a:p>
-            <a:pPr lvl="1"/>
-            <a:endParaRPr lang="nl-BE" dirty="0">
-              <a:sym typeface="Wingdings" panose="05000000000000000000" pitchFamily="2" charset="2"/>
-            </a:endParaRPr>
-          </a:p>
-          <a:p>
-            <a:r>
-              <a:rPr lang="nl-BE" dirty="0" smtClean="0">
-                <a:sym typeface="Wingdings" panose="05000000000000000000" pitchFamily="2" charset="2"/>
-              </a:rPr>
-              <a:t>Extra </a:t>
-            </a:r>
-            <a:r>
-              <a:rPr lang="nl-BE" dirty="0" err="1" smtClean="0">
-                <a:sym typeface="Wingdings" panose="05000000000000000000" pitchFamily="2" charset="2"/>
-              </a:rPr>
-              <a:t>add-on</a:t>
-            </a:r>
-            <a:r>
-              <a:rPr lang="nl-BE" dirty="0" smtClean="0">
-                <a:sym typeface="Wingdings" panose="05000000000000000000" pitchFamily="2" charset="2"/>
-              </a:rPr>
-              <a:t> van zelfde auteur  </a:t>
-            </a:r>
-            <a:r>
-              <a:rPr lang="en-US" dirty="0" err="1">
-                <a:sym typeface="Wingdings" panose="05000000000000000000" pitchFamily="2" charset="2"/>
-              </a:rPr>
-              <a:t>Ceceppa</a:t>
-            </a:r>
-            <a:r>
-              <a:rPr lang="en-US" dirty="0">
-                <a:sym typeface="Wingdings" panose="05000000000000000000" pitchFamily="2" charset="2"/>
-              </a:rPr>
-              <a:t> </a:t>
-            </a:r>
-            <a:r>
-              <a:rPr lang="en-US" dirty="0" err="1">
-                <a:sym typeface="Wingdings" panose="05000000000000000000" pitchFamily="2" charset="2"/>
-              </a:rPr>
-              <a:t>Multilingua</a:t>
-            </a:r>
-            <a:r>
-              <a:rPr lang="en-US" dirty="0">
-                <a:sym typeface="Wingdings" panose="05000000000000000000" pitchFamily="2" charset="2"/>
-              </a:rPr>
-              <a:t> support for </a:t>
-            </a:r>
-            <a:r>
-              <a:rPr lang="en-US" dirty="0" err="1">
-                <a:sym typeface="Wingdings" panose="05000000000000000000" pitchFamily="2" charset="2"/>
-              </a:rPr>
-              <a:t>WooCommerce</a:t>
-            </a:r>
-            <a:endParaRPr lang="nl-BE" dirty="0" smtClean="0">
-              <a:sym typeface="Wingdings" panose="05000000000000000000" pitchFamily="2" charset="2"/>
-            </a:endParaRPr>
-          </a:p>
-          <a:p>
-            <a:endParaRPr lang="nl-BE" dirty="0" smtClean="0"/>
-          </a:p>
-          <a:p>
-            <a:r>
-              <a:rPr lang="nl-BE" dirty="0" smtClean="0"/>
-              <a:t>Redelijk veel uitzoekwerk om </a:t>
-            </a:r>
-            <a:r>
-              <a:rPr lang="nl-BE" dirty="0" err="1" smtClean="0"/>
-              <a:t>bvb</a:t>
-            </a:r>
-            <a:r>
-              <a:rPr lang="nl-BE" dirty="0" smtClean="0"/>
-              <a:t> storepages te vertalen </a:t>
-            </a:r>
-            <a:r>
-              <a:rPr lang="nl-BE" dirty="0" smtClean="0">
-                <a:sym typeface="Wingdings" panose="05000000000000000000" pitchFamily="2" charset="2"/>
-              </a:rPr>
-              <a:t> ga naar je pages overzicht  </a:t>
-            </a:r>
-            <a:r>
-              <a:rPr lang="nl-BE" dirty="0" err="1" smtClean="0">
-                <a:sym typeface="Wingdings" panose="05000000000000000000" pitchFamily="2" charset="2"/>
-              </a:rPr>
-              <a:t>published</a:t>
-            </a:r>
-            <a:r>
-              <a:rPr lang="nl-BE" dirty="0" smtClean="0">
-                <a:sym typeface="Wingdings" panose="05000000000000000000" pitchFamily="2" charset="2"/>
-              </a:rPr>
-              <a:t>  </a:t>
-            </a:r>
-            <a:r>
-              <a:rPr lang="nl-BE" dirty="0" err="1" smtClean="0">
-                <a:sym typeface="Wingdings" panose="05000000000000000000" pitchFamily="2" charset="2"/>
-              </a:rPr>
-              <a:t>all</a:t>
-            </a:r>
-            <a:r>
-              <a:rPr lang="nl-BE" dirty="0" smtClean="0">
-                <a:sym typeface="Wingdings" panose="05000000000000000000" pitchFamily="2" charset="2"/>
-              </a:rPr>
-              <a:t> </a:t>
-            </a:r>
-            <a:r>
-              <a:rPr lang="nl-BE" dirty="0" err="1" smtClean="0">
-                <a:sym typeface="Wingdings" panose="05000000000000000000" pitchFamily="2" charset="2"/>
-              </a:rPr>
-              <a:t>languages</a:t>
-            </a:r>
-            <a:endParaRPr lang="nl-BE" dirty="0"/>
-          </a:p>
-          <a:p>
-            <a:endParaRPr lang="nl-BE" dirty="0" smtClean="0"/>
+              <a:rPr lang="nl-BE" sz="2000" dirty="0" smtClean="0"/>
+              <a:t> bij sales of naam over 2 lijntjes)</a:t>
+            </a:r>
+            <a:endParaRPr lang="nl-BE" sz="2000" dirty="0"/>
           </a:p>
         </p:txBody>
       </p:sp>
     </p:spTree>
     <p:extLst>
       <p:ext uri="{BB962C8B-B14F-4D97-AF65-F5344CB8AC3E}">
-        <p14:creationId xmlns:p14="http://schemas.microsoft.com/office/powerpoint/2010/main" val="637229172"/>
+        <p14:creationId xmlns:p14="http://schemas.microsoft.com/office/powerpoint/2010/main" val="1303247504"/>
       </p:ext>
     </p:extLst>
   </p:cSld>
@@ -14741,15 +17400,7 @@
           <a:bodyPr/>
           <a:lstStyle/>
           <a:p>
-            <a:r>
-              <a:rPr lang="nl-BE" dirty="0" smtClean="0"/>
-              <a:t>Voordelen van </a:t>
-            </a:r>
-            <a:r>
-              <a:rPr lang="nl-BE" dirty="0" err="1" smtClean="0"/>
-              <a:t>WooCommerce</a:t>
-            </a:r>
-            <a:endParaRPr lang="nl-BE" dirty="0"/>
+            <a:endParaRPr lang="nl-BE"/>
           </a:p>
         </p:txBody>
       </p:sp>
@@ -14768,40 +17419,14 @@
           <a:bodyPr/>
           <a:lstStyle/>
           <a:p>
-            <a:r>
-              <a:rPr lang="nl-BE" dirty="0" smtClean="0"/>
-              <a:t>Gebouwd op </a:t>
-            </a:r>
-            <a:r>
-              <a:rPr lang="nl-BE" dirty="0" err="1" smtClean="0"/>
-              <a:t>WordPress</a:t>
-            </a:r>
-            <a:endParaRPr lang="nl-BE" dirty="0" smtClean="0"/>
-          </a:p>
-          <a:p>
-            <a:pPr lvl="1"/>
-            <a:r>
-              <a:rPr lang="nl-BE" dirty="0" err="1" smtClean="0"/>
-              <a:t>WordPress</a:t>
-            </a:r>
-            <a:r>
-              <a:rPr lang="nl-BE" dirty="0" smtClean="0"/>
-              <a:t> = CMS </a:t>
-            </a:r>
-            <a:r>
-              <a:rPr lang="nl-BE" dirty="0" smtClean="0">
-                <a:sym typeface="Wingdings" panose="05000000000000000000" pitchFamily="2" charset="2"/>
-              </a:rPr>
-              <a:t> dus extra makkelijk in onderhoud</a:t>
-            </a:r>
-            <a:endParaRPr lang="nl-BE" dirty="0"/>
+            <a:endParaRPr lang="nl-BE"/>
           </a:p>
         </p:txBody>
       </p:sp>
     </p:spTree>
     <p:extLst>
       <p:ext uri="{BB962C8B-B14F-4D97-AF65-F5344CB8AC3E}">
-        <p14:creationId xmlns:p14="http://schemas.microsoft.com/office/powerpoint/2010/main" val="2914578156"/>
+        <p14:creationId xmlns:p14="http://schemas.microsoft.com/office/powerpoint/2010/main" val="1009187045"/>
       </p:ext>
     </p:extLst>
   </p:cSld>
@@ -14850,15 +17475,7 @@
           <a:bodyPr/>
           <a:lstStyle/>
           <a:p>
-            <a:r>
-              <a:rPr lang="nl-BE" dirty="0" smtClean="0"/>
-              <a:t>Nadelen van </a:t>
-            </a:r>
-            <a:r>
-              <a:rPr lang="nl-BE" dirty="0" err="1" smtClean="0"/>
-              <a:t>WooCommerce</a:t>
-            </a:r>
-            <a:endParaRPr lang="nl-BE" dirty="0"/>
+            <a:endParaRPr lang="nl-BE"/>
           </a:p>
         </p:txBody>
       </p:sp>
@@ -14877,55 +17494,14 @@
           <a:bodyPr/>
           <a:lstStyle/>
           <a:p>
-            <a:r>
-              <a:rPr lang="nl-BE" dirty="0" smtClean="0"/>
-              <a:t>Nieuwe orders krijgen geen label (in tegenstelling tot </a:t>
-            </a:r>
-            <a:r>
-              <a:rPr lang="nl-BE" dirty="0" err="1" smtClean="0"/>
-              <a:t>comments</a:t>
-            </a:r>
-            <a:r>
-              <a:rPr lang="nl-BE" dirty="0" smtClean="0"/>
-              <a:t> (reviews</a:t>
-            </a:r>
-            <a:r>
-              <a:rPr lang="nl-BE" dirty="0" smtClean="0"/>
-              <a:t>))</a:t>
-            </a:r>
-          </a:p>
-          <a:p>
-            <a:endParaRPr lang="nl-BE" dirty="0"/>
-          </a:p>
-          <a:p>
-            <a:r>
-              <a:rPr lang="nl-BE" dirty="0" smtClean="0"/>
-              <a:t>Foto’s </a:t>
-            </a:r>
-            <a:r>
-              <a:rPr lang="nl-BE" dirty="0" err="1" smtClean="0"/>
-              <a:t>thumbnails</a:t>
-            </a:r>
-            <a:r>
-              <a:rPr lang="nl-BE" dirty="0" smtClean="0"/>
-              <a:t> zijn niet altijd mooi uitgelijnd (</a:t>
-            </a:r>
-            <a:r>
-              <a:rPr lang="nl-BE" dirty="0" err="1" smtClean="0"/>
-              <a:t>bvb</a:t>
-            </a:r>
-            <a:r>
-              <a:rPr lang="nl-BE" dirty="0" smtClean="0"/>
-              <a:t> bij sales of naam over 2 lijntjes)</a:t>
-            </a:r>
-            <a:endParaRPr lang="nl-BE" dirty="0"/>
+            <a:endParaRPr lang="nl-BE"/>
           </a:p>
         </p:txBody>
       </p:sp>
     </p:spTree>
     <p:extLst>
       <p:ext uri="{BB962C8B-B14F-4D97-AF65-F5344CB8AC3E}">
-        <p14:creationId xmlns:p14="http://schemas.microsoft.com/office/powerpoint/2010/main" val="1303247504"/>
+        <p14:creationId xmlns:p14="http://schemas.microsoft.com/office/powerpoint/2010/main" val="3792477028"/>
       </p:ext>
     </p:extLst>
   </p:cSld>
@@ -14974,27 +17550,7 @@
           <a:bodyPr/>
           <a:lstStyle/>
           <a:p>
-            <a:r>
-              <a:rPr lang="nl-BE" dirty="0" smtClean="0"/>
-              <a:t>Nice </a:t>
-            </a:r>
-            <a:r>
-              <a:rPr lang="nl-BE" dirty="0" err="1" smtClean="0"/>
-              <a:t>to</a:t>
-            </a:r>
-            <a:r>
-              <a:rPr lang="nl-BE" dirty="0" smtClean="0"/>
-              <a:t> </a:t>
-            </a:r>
-            <a:r>
-              <a:rPr lang="nl-BE" dirty="0" err="1" smtClean="0"/>
-              <a:t>knows</a:t>
-            </a:r>
-            <a:r>
-              <a:rPr lang="nl-BE" dirty="0" smtClean="0"/>
-              <a:t> (niet uitgeprobeerd)</a:t>
-            </a:r>
-            <a:endParaRPr lang="nl-BE" dirty="0"/>
+            <a:endParaRPr lang="nl-BE"/>
           </a:p>
         </p:txBody>
       </p:sp>
@@ -15008,62 +17564,19 @@
             <p:ph idx="1"/>
           </p:nvPr>
         </p:nvSpPr>
-        <p:spPr>
-          <a:xfrm>
-            <a:off x="677333" y="2160589"/>
-            <a:ext cx="10480193" cy="3880773"/>
-          </a:xfrm>
-        </p:spPr>
+        <p:spPr/>
         <p:txBody>
           <a:bodyPr/>
           <a:lstStyle/>
           <a:p>
-            <a:r>
-              <a:rPr lang="nl-BE" dirty="0" err="1" smtClean="0"/>
-              <a:t>WooCommerce</a:t>
-            </a:r>
-            <a:r>
-              <a:rPr lang="nl-BE" dirty="0" smtClean="0"/>
-              <a:t> </a:t>
-            </a:r>
-            <a:r>
-              <a:rPr lang="nl-BE" dirty="0" err="1" smtClean="0"/>
-              <a:t>Stripe</a:t>
-            </a:r>
-            <a:r>
-              <a:rPr lang="nl-BE" dirty="0" smtClean="0"/>
-              <a:t> om online betalingen te verwerken = gratis (maar SSL certificaat vereist)</a:t>
-            </a:r>
-          </a:p>
-          <a:p>
-            <a:r>
-              <a:rPr lang="nl-BE" dirty="0" smtClean="0"/>
-              <a:t>WPML (</a:t>
-            </a:r>
-            <a:r>
-              <a:rPr lang="nl-BE" dirty="0" err="1" smtClean="0"/>
-              <a:t>WordPress</a:t>
-            </a:r>
-            <a:r>
-              <a:rPr lang="nl-BE" dirty="0" smtClean="0"/>
-              <a:t> </a:t>
-            </a:r>
-            <a:r>
-              <a:rPr lang="nl-BE" dirty="0" err="1" smtClean="0"/>
-              <a:t>Multilingual</a:t>
-            </a:r>
-            <a:r>
-              <a:rPr lang="nl-BE" dirty="0" smtClean="0"/>
-              <a:t>)</a:t>
-            </a:r>
-            <a:endParaRPr lang="nl-BE" dirty="0"/>
+            <a:endParaRPr lang="nl-BE"/>
           </a:p>
         </p:txBody>
       </p:sp>
     </p:spTree>
     <p:extLst>
       <p:ext uri="{BB962C8B-B14F-4D97-AF65-F5344CB8AC3E}">
-        <p14:creationId xmlns:p14="http://schemas.microsoft.com/office/powerpoint/2010/main" val="197106883"/>
+        <p14:creationId xmlns:p14="http://schemas.microsoft.com/office/powerpoint/2010/main" val="2958468963"/>
       </p:ext>
     </p:extLst>
   </p:cSld>
@@ -15140,46 +17653,43 @@
         </p:nvSpPr>
         <p:spPr/>
         <p:txBody>
-          <a:bodyPr/>
+          <a:bodyPr>
+            <a:normAutofit/>
+          </a:bodyPr>
           <a:lstStyle/>
           <a:p>
             <a:r>
-              <a:rPr lang="nl-BE" dirty="0" smtClean="0"/>
+              <a:rPr lang="nl-BE" sz="2000" dirty="0" smtClean="0"/>
               <a:t>Gratis </a:t>
             </a:r>
             <a:r>
-              <a:rPr lang="nl-BE" dirty="0" err="1" smtClean="0"/>
+              <a:rPr lang="nl-BE" sz="2000" dirty="0" err="1" smtClean="0"/>
               <a:t>WordPress</a:t>
             </a:r>
             <a:r>
-              <a:rPr lang="nl-BE" dirty="0" smtClean="0"/>
+              <a:rPr lang="nl-BE" sz="2000" dirty="0" smtClean="0"/>
               <a:t> </a:t>
             </a:r>
             <a:r>
-              <a:rPr lang="nl-BE" dirty="0" err="1" smtClean="0"/>
+              <a:rPr lang="nl-BE" sz="2000" dirty="0" err="1" smtClean="0"/>
               <a:t>plugin</a:t>
             </a:r>
-            <a:endParaRPr lang="nl-BE" dirty="0" smtClean="0"/>
-          </a:p>
-          <a:p>
-            <a:r>
-              <a:rPr lang="nl-BE" dirty="0" smtClean="0"/>
-              <a:t>E-commerce </a:t>
-            </a:r>
-            <a:r>
-              <a:rPr lang="nl-BE" dirty="0" smtClean="0"/>
-              <a:t>platform (webshop)</a:t>
-            </a:r>
-          </a:p>
-          <a:p>
-            <a:r>
-              <a:rPr lang="nl-BE" dirty="0" smtClean="0"/>
+            <a:endParaRPr lang="nl-BE" sz="2000" dirty="0" smtClean="0"/>
+          </a:p>
+          <a:p>
+            <a:r>
+              <a:rPr lang="nl-BE" sz="2000" dirty="0" smtClean="0"/>
+              <a:t>E-commerce platform (webshop)</a:t>
+            </a:r>
+          </a:p>
+          <a:p>
+            <a:r>
+              <a:rPr lang="nl-BE" sz="2000" dirty="0" smtClean="0"/>
               <a:t>Open source</a:t>
             </a:r>
-            <a:endParaRPr lang="nl-BE" dirty="0" smtClean="0"/>
-          </a:p>
-          <a:p>
-            <a:endParaRPr lang="nl-BE" dirty="0"/>
+          </a:p>
+          <a:p>
+            <a:endParaRPr lang="nl-BE" sz="2000" dirty="0"/>
           </a:p>
         </p:txBody>
       </p:sp>
@@ -15196,7 +17706,213 @@
   <p:timing>
     <p:tnLst>
       <p:par>
-        <p:cTn id="1" dur="indefinite" restart="never" nodeType="tmRoot"/>
+        <p:cTn id="1" dur="indefinite" restart="never" nodeType="tmRoot">
+          <p:childTnLst>
+            <p:seq concurrent="1" nextAc="seek">
+              <p:cTn id="2" dur="indefinite" nodeType="mainSeq">
+                <p:childTnLst>
+                  <p:par>
+                    <p:cTn id="3" fill="hold">
+                      <p:stCondLst>
+                        <p:cond delay="indefinite"/>
+                      </p:stCondLst>
+                      <p:childTnLst>
+                        <p:par>
+                          <p:cTn id="4" fill="hold">
+                            <p:stCondLst>
+                              <p:cond delay="0"/>
+                            </p:stCondLst>
+                            <p:childTnLst>
+                              <p:par>
+                                <p:cTn id="5" presetID="10" presetClass="entr" presetSubtype="0" fill="hold" nodeType="clickEffect">
+                                  <p:stCondLst>
+                                    <p:cond delay="0"/>
+                                  </p:stCondLst>
+                                  <p:childTnLst>
+                                    <p:set>
+                                      <p:cBhvr>
+                                        <p:cTn id="6" dur="1" fill="hold">
+                                          <p:stCondLst>
+                                            <p:cond delay="0"/>
+                                          </p:stCondLst>
+                                        </p:cTn>
+                                        <p:tgtEl>
+                                          <p:spTgt spid="3">
+                                            <p:txEl>
+                                              <p:pRg st="0" end="0"/>
+                                            </p:txEl>
+                                          </p:spTgt>
+                                        </p:tgtEl>
+                                        <p:attrNameLst>
+                                          <p:attrName>style.visibility</p:attrName>
+                                        </p:attrNameLst>
+                                      </p:cBhvr>
+                                      <p:to>
+                                        <p:strVal val="visible"/>
+                                      </p:to>
+                                    </p:set>
+                                    <p:animEffect transition="in" filter="fade">
+                                      <p:cBhvr>
+                                        <p:cTn id="7" dur="500"/>
+                                        <p:tgtEl>
+                                          <p:spTgt spid="3">
+                                            <p:txEl>
+                                              <p:pRg st="0" end="0"/>
+                                            </p:txEl>
+                                          </p:spTgt>
+                                        </p:tgtEl>
+                                      </p:cBhvr>
+                                    </p:animEffect>
+                                  </p:childTnLst>
+                                </p:cTn>
+                              </p:par>
+                            </p:childTnLst>
+                          </p:cTn>
+                        </p:par>
+                      </p:childTnLst>
+                    </p:cTn>
+                  </p:par>
+                  <p:par>
+                    <p:cTn id="8" fill="hold">
+                      <p:stCondLst>
+                        <p:cond delay="indefinite"/>
+                      </p:stCondLst>
+                      <p:childTnLst>
+                        <p:par>
+                          <p:cTn id="9" fill="hold">
+                            <p:stCondLst>
+                              <p:cond delay="0"/>
+                            </p:stCondLst>
+                            <p:childTnLst>
+                              <p:par>
+                                <p:cTn id="10" presetID="10" presetClass="entr" presetSubtype="0" fill="hold" nodeType="clickEffect">
+                                  <p:stCondLst>
+                                    <p:cond delay="0"/>
+                                  </p:stCondLst>
+                                  <p:childTnLst>
+                                    <p:set>
+                                      <p:cBhvr>
+                                        <p:cTn id="11" dur="1" fill="hold">
+                                          <p:stCondLst>
+                                            <p:cond delay="0"/>
+                                          </p:stCondLst>
+                                        </p:cTn>
+                                        <p:tgtEl>
+                                          <p:spTgt spid="3">
+                                            <p:txEl>
+                                              <p:pRg st="1" end="1"/>
+                                            </p:txEl>
+                                          </p:spTgt>
+                                        </p:tgtEl>
+                                        <p:attrNameLst>
+                                          <p:attrName>style.visibility</p:attrName>
+                                        </p:attrNameLst>
+                                      </p:cBhvr>
+                                      <p:to>
+                                        <p:strVal val="visible"/>
+                                      </p:to>
+                                    </p:set>
+                                    <p:animEffect transition="in" filter="fade">
+                                      <p:cBhvr>
+                                        <p:cTn id="12" dur="500"/>
+                                        <p:tgtEl>
+                                          <p:spTgt spid="3">
+                                            <p:txEl>
+                                              <p:pRg st="1" end="1"/>
+                                            </p:txEl>
+                                          </p:spTgt>
+                                        </p:tgtEl>
+                                      </p:cBhvr>
+                                    </p:animEffect>
+                                  </p:childTnLst>
+                                </p:cTn>
+                              </p:par>
+                            </p:childTnLst>
+                          </p:cTn>
+                        </p:par>
+                      </p:childTnLst>
+                    </p:cTn>
+                  </p:par>
+                  <p:par>
+                    <p:cTn id="13" fill="hold">
+                      <p:stCondLst>
+                        <p:cond delay="indefinite"/>
+                      </p:stCondLst>
+                      <p:childTnLst>
+                        <p:par>
+                          <p:cTn id="14" fill="hold">
+                            <p:stCondLst>
+                              <p:cond delay="0"/>
+                            </p:stCondLst>
+                            <p:childTnLst>
+                              <p:par>
+                                <p:cTn id="15" presetID="10" presetClass="entr" presetSubtype="0" fill="hold" nodeType="clickEffect">
+                                  <p:stCondLst>
+                                    <p:cond delay="0"/>
+                                  </p:stCondLst>
+                                  <p:childTnLst>
+                                    <p:set>
+                                      <p:cBhvr>
+                                        <p:cTn id="16" dur="1" fill="hold">
+                                          <p:stCondLst>
+                                            <p:cond delay="0"/>
+                                          </p:stCondLst>
+                                        </p:cTn>
+                                        <p:tgtEl>
+                                          <p:spTgt spid="3">
+                                            <p:txEl>
+                                              <p:pRg st="2" end="2"/>
+                                            </p:txEl>
+                                          </p:spTgt>
+                                        </p:tgtEl>
+                                        <p:attrNameLst>
+                                          <p:attrName>style.visibility</p:attrName>
+                                        </p:attrNameLst>
+                                      </p:cBhvr>
+                                      <p:to>
+                                        <p:strVal val="visible"/>
+                                      </p:to>
+                                    </p:set>
+                                    <p:animEffect transition="in" filter="fade">
+                                      <p:cBhvr>
+                                        <p:cTn id="17" dur="500"/>
+                                        <p:tgtEl>
+                                          <p:spTgt spid="3">
+                                            <p:txEl>
+                                              <p:pRg st="2" end="2"/>
+                                            </p:txEl>
+                                          </p:spTgt>
+                                        </p:tgtEl>
+                                      </p:cBhvr>
+                                    </p:animEffect>
+                                  </p:childTnLst>
+                                </p:cTn>
+                              </p:par>
+                            </p:childTnLst>
+                          </p:cTn>
+                        </p:par>
+                      </p:childTnLst>
+                    </p:cTn>
+                  </p:par>
+                </p:childTnLst>
+              </p:cTn>
+              <p:prevCondLst>
+                <p:cond evt="onPrev" delay="0">
+                  <p:tgtEl>
+                    <p:sldTgt/>
+                  </p:tgtEl>
+                </p:cond>
+              </p:prevCondLst>
+              <p:nextCondLst>
+                <p:cond evt="onNext" delay="0">
+                  <p:tgtEl>
+                    <p:sldTgt/>
+                  </p:tgtEl>
+                </p:cond>
+              </p:nextCondLst>
+            </p:seq>
+          </p:childTnLst>
+        </p:cTn>
       </p:par>
     </p:tnLst>
   </p:timing>
@@ -15969,51 +18685,53 @@
           </a:xfrm>
         </p:spPr>
         <p:txBody>
-          <a:bodyPr/>
+          <a:bodyPr>
+            <a:normAutofit/>
+          </a:bodyPr>
           <a:lstStyle/>
           <a:p>
             <a:r>
-              <a:rPr lang="nl-BE" dirty="0" smtClean="0"/>
+              <a:rPr lang="nl-BE" sz="2000" dirty="0" smtClean="0"/>
               <a:t>Via “</a:t>
             </a:r>
             <a:r>
-              <a:rPr lang="nl-BE" dirty="0" err="1" smtClean="0"/>
+              <a:rPr lang="nl-BE" sz="2000" dirty="0" err="1" smtClean="0"/>
               <a:t>add</a:t>
             </a:r>
             <a:r>
-              <a:rPr lang="nl-BE" dirty="0" smtClean="0"/>
+              <a:rPr lang="nl-BE" sz="2000" dirty="0" smtClean="0"/>
               <a:t> new </a:t>
             </a:r>
             <a:r>
-              <a:rPr lang="nl-BE" dirty="0" err="1" smtClean="0"/>
+              <a:rPr lang="nl-BE" sz="2000" dirty="0" err="1" smtClean="0"/>
               <a:t>plugin</a:t>
             </a:r>
             <a:r>
-              <a:rPr lang="nl-BE" dirty="0" smtClean="0"/>
+              <a:rPr lang="nl-BE" sz="2000" dirty="0" smtClean="0"/>
               <a:t>” van </a:t>
             </a:r>
             <a:r>
-              <a:rPr lang="nl-BE" dirty="0" err="1" smtClean="0"/>
+              <a:rPr lang="nl-BE" sz="2000" dirty="0" err="1" smtClean="0"/>
               <a:t>WordPress</a:t>
             </a:r>
             <a:r>
-              <a:rPr lang="nl-BE" dirty="0" smtClean="0"/>
+              <a:rPr lang="nl-BE" sz="2000" dirty="0" smtClean="0"/>
               <a:t> </a:t>
             </a:r>
             <a:r>
-              <a:rPr lang="nl-BE" dirty="0" smtClean="0">
+              <a:rPr lang="nl-BE" sz="2000" dirty="0" smtClean="0">
                 <a:sym typeface="Wingdings" panose="05000000000000000000" pitchFamily="2" charset="2"/>
               </a:rPr>
               <a:t> kan </a:t>
             </a:r>
             <a:r>
-              <a:rPr lang="nl-BE" dirty="0" err="1" smtClean="0">
+              <a:rPr lang="nl-BE" sz="2000" dirty="0" err="1" smtClean="0">
                 <a:sym typeface="Wingdings" panose="05000000000000000000" pitchFamily="2" charset="2"/>
               </a:rPr>
               <a:t>errors</a:t>
             </a:r>
             <a:r>
-              <a:rPr lang="nl-BE" dirty="0" smtClean="0">
+              <a:rPr lang="nl-BE" sz="2000" dirty="0" smtClean="0">
                 <a:sym typeface="Wingdings" panose="05000000000000000000" pitchFamily="2" charset="2"/>
               </a:rPr>
               <a:t> geven</a:t>
@@ -16021,7 +18739,7 @@
           </a:p>
           <a:p>
             <a:r>
-              <a:rPr lang="nl-BE" dirty="0" smtClean="0">
+              <a:rPr lang="nl-BE" sz="2000" dirty="0" smtClean="0">
                 <a:sym typeface="Wingdings" panose="05000000000000000000" pitchFamily="2" charset="2"/>
               </a:rPr>
               <a:t>Of:</a:t>
@@ -16029,7 +18747,7 @@
           </a:p>
           <a:p>
             <a:r>
-              <a:rPr lang="nl-BE" dirty="0" smtClean="0">
+              <a:rPr lang="nl-BE" sz="2000" dirty="0" smtClean="0">
                 <a:sym typeface="Wingdings" panose="05000000000000000000" pitchFamily="2" charset="2"/>
               </a:rPr>
               <a:t>Download zip van site</a:t>
@@ -16037,30 +18755,30 @@
           </a:p>
           <a:p>
             <a:r>
-              <a:rPr lang="nl-BE" dirty="0" err="1" smtClean="0">
+              <a:rPr lang="nl-BE" sz="2000" dirty="0" err="1" smtClean="0">
                 <a:sym typeface="Wingdings" panose="05000000000000000000" pitchFamily="2" charset="2"/>
               </a:rPr>
               <a:t>Unpack</a:t>
             </a:r>
             <a:r>
-              <a:rPr lang="nl-BE" dirty="0" smtClean="0">
+              <a:rPr lang="nl-BE" sz="2000" dirty="0" smtClean="0">
                 <a:sym typeface="Wingdings" panose="05000000000000000000" pitchFamily="2" charset="2"/>
               </a:rPr>
               <a:t> het in je </a:t>
             </a:r>
             <a:r>
-              <a:rPr lang="nl-BE" dirty="0" err="1" smtClean="0">
+              <a:rPr lang="nl-BE" sz="2000" dirty="0" err="1" smtClean="0">
                 <a:sym typeface="Wingdings" panose="05000000000000000000" pitchFamily="2" charset="2"/>
               </a:rPr>
               <a:t>plugins</a:t>
             </a:r>
             <a:r>
-              <a:rPr lang="nl-BE" dirty="0" smtClean="0">
+              <a:rPr lang="nl-BE" sz="2000" dirty="0" smtClean="0">
                 <a:sym typeface="Wingdings" panose="05000000000000000000" pitchFamily="2" charset="2"/>
               </a:rPr>
               <a:t> folder</a:t>
             </a:r>
-            <a:endParaRPr lang="nl-BE" dirty="0"/>
+            <a:endParaRPr lang="nl-BE" sz="2000" dirty="0"/>
           </a:p>
         </p:txBody>
       </p:sp>
@@ -17307,10 +20025,6 @@
               <a:rPr lang="nl-BE" sz="1800" dirty="0" smtClean="0"/>
               <a:t> pages</a:t>
             </a:r>
-            <a:r>
-              <a:rPr lang="nl-BE" sz="1800" dirty="0" smtClean="0"/>
-              <a:t/>
-            </a:r>
             <a:br>
               <a:rPr lang="nl-BE" sz="1800" dirty="0" smtClean="0"/>
             </a:br>
@@ -17664,8 +20378,8 @@
         </p:nvSpPr>
         <p:spPr>
           <a:xfrm>
-            <a:off x="677334" y="1736437"/>
-            <a:ext cx="8596668" cy="4304926"/>
+            <a:off x="677334" y="1546578"/>
+            <a:ext cx="8596668" cy="4494785"/>
           </a:xfrm>
         </p:spPr>
         <p:txBody>
@@ -17673,231 +20387,231 @@
           <a:lstStyle/>
           <a:p>
             <a:r>
-              <a:rPr lang="nl-BE" dirty="0" err="1" smtClean="0"/>
+              <a:rPr lang="nl-BE" sz="2000" dirty="0" err="1" smtClean="0"/>
               <a:t>WooCommerce</a:t>
             </a:r>
             <a:r>
-              <a:rPr lang="nl-BE" dirty="0" smtClean="0"/>
+              <a:rPr lang="nl-BE" sz="2000" dirty="0" smtClean="0"/>
               <a:t> </a:t>
             </a:r>
             <a:r>
-              <a:rPr lang="nl-BE" dirty="0" smtClean="0">
+              <a:rPr lang="nl-BE" sz="2000" dirty="0" smtClean="0">
                 <a:sym typeface="Wingdings" panose="05000000000000000000" pitchFamily="2" charset="2"/>
               </a:rPr>
               <a:t></a:t>
             </a:r>
             <a:r>
-              <a:rPr lang="nl-BE" dirty="0" smtClean="0"/>
+              <a:rPr lang="nl-BE" sz="2000" dirty="0" smtClean="0"/>
               <a:t> </a:t>
             </a:r>
             <a:r>
-              <a:rPr lang="nl-BE" dirty="0" err="1" smtClean="0"/>
+              <a:rPr lang="nl-BE" sz="2000" dirty="0" err="1" smtClean="0"/>
               <a:t>settings</a:t>
             </a:r>
             <a:r>
-              <a:rPr lang="nl-BE" dirty="0" smtClean="0"/>
+              <a:rPr lang="nl-BE" sz="2000" dirty="0" smtClean="0"/>
               <a:t> </a:t>
             </a:r>
           </a:p>
           <a:p>
             <a:pPr lvl="1"/>
             <a:r>
-              <a:rPr lang="nl-BE" dirty="0" smtClean="0"/>
+              <a:rPr lang="nl-BE" sz="1800" dirty="0" smtClean="0"/>
               <a:t>Winkellocatie, landen waar je verkoopt, betaalopties, …</a:t>
             </a:r>
-            <a:endParaRPr lang="nl-BE" dirty="0"/>
-          </a:p>
-          <a:p>
-            <a:r>
-              <a:rPr lang="nl-BE" dirty="0" err="1" smtClean="0"/>
+            <a:endParaRPr lang="nl-BE" sz="1800" dirty="0"/>
+          </a:p>
+          <a:p>
+            <a:r>
+              <a:rPr lang="nl-BE" sz="2000" dirty="0" err="1" smtClean="0"/>
               <a:t>Appearance</a:t>
             </a:r>
             <a:r>
-              <a:rPr lang="nl-BE" dirty="0" smtClean="0"/>
+              <a:rPr lang="nl-BE" sz="2000" dirty="0" smtClean="0"/>
               <a:t> </a:t>
             </a:r>
             <a:r>
-              <a:rPr lang="nl-BE" dirty="0" smtClean="0">
+              <a:rPr lang="nl-BE" sz="2000" dirty="0" smtClean="0">
                 <a:sym typeface="Wingdings" panose="05000000000000000000" pitchFamily="2" charset="2"/>
               </a:rPr>
               <a:t></a:t>
             </a:r>
             <a:r>
-              <a:rPr lang="nl-BE" dirty="0" smtClean="0"/>
+              <a:rPr lang="nl-BE" sz="2000" dirty="0" smtClean="0"/>
               <a:t> </a:t>
             </a:r>
             <a:r>
-              <a:rPr lang="nl-BE" dirty="0" err="1" smtClean="0"/>
+              <a:rPr lang="nl-BE" sz="2000" dirty="0" err="1" smtClean="0"/>
               <a:t>customize</a:t>
             </a:r>
             <a:r>
-              <a:rPr lang="nl-BE" dirty="0" smtClean="0"/>
+              <a:rPr lang="nl-BE" sz="2000" dirty="0" smtClean="0"/>
               <a:t> (</a:t>
             </a:r>
             <a:r>
-              <a:rPr lang="nl-BE" dirty="0" err="1" smtClean="0"/>
+              <a:rPr lang="nl-BE" sz="2000" dirty="0" err="1" smtClean="0"/>
               <a:t>quick</a:t>
             </a:r>
             <a:r>
-              <a:rPr lang="nl-BE" dirty="0" smtClean="0"/>
+              <a:rPr lang="nl-BE" sz="2000" dirty="0" smtClean="0"/>
               <a:t> menu &gt; font kleuren </a:t>
             </a:r>
             <a:r>
-              <a:rPr lang="nl-BE" dirty="0" err="1" smtClean="0"/>
+              <a:rPr lang="nl-BE" sz="2000" dirty="0" err="1" smtClean="0"/>
               <a:t>etc</a:t>
             </a:r>
             <a:r>
-              <a:rPr lang="nl-BE" dirty="0" smtClean="0"/>
+              <a:rPr lang="nl-BE" sz="2000" dirty="0" smtClean="0"/>
               <a:t>)</a:t>
             </a:r>
           </a:p>
           <a:p>
             <a:r>
-              <a:rPr lang="nl-BE" dirty="0" err="1" smtClean="0"/>
+              <a:rPr lang="nl-BE" sz="2000" dirty="0" err="1" smtClean="0"/>
               <a:t>Appearance</a:t>
             </a:r>
             <a:r>
-              <a:rPr lang="nl-BE" dirty="0" smtClean="0"/>
+              <a:rPr lang="nl-BE" sz="2000" dirty="0" smtClean="0"/>
               <a:t> </a:t>
             </a:r>
             <a:r>
-              <a:rPr lang="nl-BE" dirty="0" smtClean="0">
+              <a:rPr lang="nl-BE" sz="2000" dirty="0" smtClean="0">
                 <a:sym typeface="Wingdings" panose="05000000000000000000" pitchFamily="2" charset="2"/>
               </a:rPr>
               <a:t></a:t>
             </a:r>
             <a:r>
-              <a:rPr lang="nl-BE" dirty="0" smtClean="0"/>
+              <a:rPr lang="nl-BE" sz="2000" dirty="0" smtClean="0"/>
               <a:t> widgets (search, cart, </a:t>
             </a:r>
             <a:r>
-              <a:rPr lang="nl-BE" dirty="0" err="1" smtClean="0"/>
+              <a:rPr lang="nl-BE" sz="2000" dirty="0" err="1" smtClean="0"/>
               <a:t>recently</a:t>
             </a:r>
             <a:r>
-              <a:rPr lang="nl-BE" dirty="0" smtClean="0"/>
+              <a:rPr lang="nl-BE" sz="2000" dirty="0" smtClean="0"/>
               <a:t> </a:t>
             </a:r>
             <a:r>
-              <a:rPr lang="nl-BE" dirty="0" err="1" smtClean="0"/>
+              <a:rPr lang="nl-BE" sz="2000" dirty="0" err="1" smtClean="0"/>
               <a:t>viewed</a:t>
             </a:r>
             <a:r>
-              <a:rPr lang="nl-BE" dirty="0" smtClean="0"/>
+              <a:rPr lang="nl-BE" sz="2000" dirty="0" smtClean="0"/>
               <a:t>)</a:t>
             </a:r>
           </a:p>
           <a:p>
             <a:r>
-              <a:rPr lang="nl-BE" dirty="0" err="1" smtClean="0"/>
+              <a:rPr lang="nl-BE" sz="2000" dirty="0" err="1" smtClean="0"/>
               <a:t>Appearance</a:t>
             </a:r>
             <a:r>
-              <a:rPr lang="nl-BE" dirty="0" smtClean="0"/>
+              <a:rPr lang="nl-BE" sz="2000" dirty="0" smtClean="0"/>
               <a:t> </a:t>
             </a:r>
             <a:r>
-              <a:rPr lang="nl-BE" dirty="0">
+              <a:rPr lang="nl-BE" sz="2000" dirty="0">
                 <a:sym typeface="Wingdings" panose="05000000000000000000" pitchFamily="2" charset="2"/>
               </a:rPr>
               <a:t> </a:t>
             </a:r>
             <a:r>
-              <a:rPr lang="nl-BE" dirty="0" smtClean="0">
+              <a:rPr lang="nl-BE" sz="2000" dirty="0" smtClean="0">
                 <a:sym typeface="Wingdings" panose="05000000000000000000" pitchFamily="2" charset="2"/>
               </a:rPr>
               <a:t>menu’s</a:t>
             </a:r>
-            <a:endParaRPr lang="nl-BE" dirty="0">
+            <a:endParaRPr lang="nl-BE" sz="2000" dirty="0">
               <a:sym typeface="Wingdings" panose="05000000000000000000" pitchFamily="2" charset="2"/>
             </a:endParaRPr>
           </a:p>
           <a:p>
             <a:pPr lvl="1"/>
             <a:r>
-              <a:rPr lang="nl-BE" dirty="0" err="1">
+              <a:rPr lang="nl-BE" sz="1800" dirty="0" err="1">
                 <a:sym typeface="Wingdings" panose="05000000000000000000" pitchFamily="2" charset="2"/>
               </a:rPr>
               <a:t>WooCommerce</a:t>
             </a:r>
             <a:r>
-              <a:rPr lang="nl-BE" dirty="0">
+              <a:rPr lang="nl-BE" sz="1800" dirty="0">
                 <a:sym typeface="Wingdings" panose="05000000000000000000" pitchFamily="2" charset="2"/>
               </a:rPr>
               <a:t> geeft meerdere </a:t>
             </a:r>
             <a:r>
-              <a:rPr lang="nl-BE" dirty="0" smtClean="0">
+              <a:rPr lang="nl-BE" sz="1800" dirty="0" smtClean="0">
                 <a:sym typeface="Wingdings" panose="05000000000000000000" pitchFamily="2" charset="2"/>
               </a:rPr>
               <a:t>menumogelijkheden</a:t>
             </a:r>
-            <a:endParaRPr lang="nl-BE" dirty="0">
+            <a:endParaRPr lang="nl-BE" sz="1800" dirty="0">
               <a:sym typeface="Wingdings" panose="05000000000000000000" pitchFamily="2" charset="2"/>
             </a:endParaRPr>
           </a:p>
           <a:p>
             <a:pPr lvl="2"/>
             <a:r>
-              <a:rPr lang="nl-BE" dirty="0" err="1">
+              <a:rPr lang="nl-BE" sz="1600" dirty="0" err="1">
                 <a:sym typeface="Wingdings" panose="05000000000000000000" pitchFamily="2" charset="2"/>
               </a:rPr>
               <a:t>Products</a:t>
             </a:r>
-            <a:endParaRPr lang="nl-BE" dirty="0">
+            <a:endParaRPr lang="nl-BE" sz="1600" dirty="0">
               <a:sym typeface="Wingdings" panose="05000000000000000000" pitchFamily="2" charset="2"/>
             </a:endParaRPr>
           </a:p>
           <a:p>
             <a:pPr lvl="2"/>
             <a:r>
-              <a:rPr lang="nl-BE" dirty="0">
+              <a:rPr lang="nl-BE" sz="1600" dirty="0">
                 <a:sym typeface="Wingdings" panose="05000000000000000000" pitchFamily="2" charset="2"/>
               </a:rPr>
               <a:t>Product </a:t>
             </a:r>
             <a:r>
-              <a:rPr lang="nl-BE" dirty="0" err="1">
+              <a:rPr lang="nl-BE" sz="1600" dirty="0" err="1">
                 <a:sym typeface="Wingdings" panose="05000000000000000000" pitchFamily="2" charset="2"/>
               </a:rPr>
               <a:t>categories</a:t>
             </a:r>
             <a:r>
-              <a:rPr lang="nl-BE" dirty="0">
+              <a:rPr lang="nl-BE" sz="1600" dirty="0">
                 <a:sym typeface="Wingdings" panose="05000000000000000000" pitchFamily="2" charset="2"/>
               </a:rPr>
               <a:t>  </a:t>
             </a:r>
             <a:r>
-              <a:rPr lang="nl-BE" dirty="0" err="1">
+              <a:rPr lang="nl-BE" sz="1600" dirty="0" err="1">
                 <a:sym typeface="Wingdings" panose="05000000000000000000" pitchFamily="2" charset="2"/>
               </a:rPr>
               <a:t>dropdown</a:t>
             </a:r>
             <a:r>
-              <a:rPr lang="nl-BE" dirty="0">
+              <a:rPr lang="nl-BE" sz="1600" dirty="0">
                 <a:sym typeface="Wingdings" panose="05000000000000000000" pitchFamily="2" charset="2"/>
               </a:rPr>
               <a:t> = gewoon slepen</a:t>
             </a:r>
-            <a:endParaRPr lang="nl-BE" dirty="0"/>
+            <a:endParaRPr lang="nl-BE" sz="1600" dirty="0"/>
           </a:p>
           <a:p>
             <a:pPr lvl="1"/>
             <a:r>
-              <a:rPr lang="nl-BE" dirty="0" smtClean="0"/>
+              <a:rPr lang="nl-BE" sz="1800" dirty="0" smtClean="0"/>
               <a:t>Als je deze niet te zien krijgt </a:t>
             </a:r>
             <a:r>
-              <a:rPr lang="nl-BE" dirty="0" smtClean="0">
+              <a:rPr lang="nl-BE" sz="1800" dirty="0" smtClean="0">
                 <a:sym typeface="Wingdings" panose="05000000000000000000" pitchFamily="2" charset="2"/>
               </a:rPr>
               <a:t> rechtsboven  screen options!</a:t>
             </a:r>
-            <a:endParaRPr lang="nl-BE" dirty="0" smtClean="0"/>
-          </a:p>
-          <a:p>
-            <a:endParaRPr lang="nl-BE" dirty="0" smtClean="0"/>
+            <a:endParaRPr lang="nl-BE" sz="1800" dirty="0" smtClean="0"/>
+          </a:p>
+          <a:p>
+            <a:endParaRPr lang="nl-BE" sz="2000" dirty="0" smtClean="0"/>
           </a:p>
           <a:p>
             <a:endParaRPr lang="nl-BE" dirty="0"/>
@@ -18929,100 +21643,102 @@
         </p:nvSpPr>
         <p:spPr/>
         <p:txBody>
-          <a:bodyPr/>
+          <a:bodyPr>
+            <a:normAutofit/>
+          </a:bodyPr>
           <a:lstStyle/>
           <a:p>
             <a:r>
-              <a:rPr lang="nl-BE" dirty="0" smtClean="0"/>
+              <a:rPr lang="nl-BE" sz="2000" dirty="0" smtClean="0"/>
               <a:t>Simpel product</a:t>
             </a:r>
           </a:p>
           <a:p>
             <a:r>
-              <a:rPr lang="nl-BE" dirty="0" smtClean="0"/>
+              <a:rPr lang="nl-BE" sz="2000" dirty="0" smtClean="0"/>
               <a:t>Variabel product</a:t>
             </a:r>
           </a:p>
           <a:p>
             <a:pPr lvl="1"/>
             <a:r>
-              <a:rPr lang="nl-BE" dirty="0" smtClean="0"/>
+              <a:rPr lang="nl-BE" sz="1800" dirty="0" smtClean="0"/>
               <a:t>Attributen</a:t>
             </a:r>
           </a:p>
           <a:p>
             <a:pPr lvl="1"/>
             <a:r>
-              <a:rPr lang="nl-BE" dirty="0" smtClean="0"/>
+              <a:rPr lang="nl-BE" sz="1800" dirty="0" smtClean="0"/>
               <a:t>Variaties</a:t>
             </a:r>
-            <a:endParaRPr lang="nl-BE" dirty="0"/>
-          </a:p>
-          <a:p>
-            <a:r>
-              <a:rPr lang="nl-BE" dirty="0" smtClean="0"/>
+            <a:endParaRPr lang="nl-BE" sz="1800" dirty="0"/>
+          </a:p>
+          <a:p>
+            <a:r>
+              <a:rPr lang="nl-BE" sz="2000" dirty="0" smtClean="0"/>
               <a:t>Gegroepeerde producten</a:t>
             </a:r>
           </a:p>
           <a:p>
             <a:r>
-              <a:rPr lang="nl-BE" dirty="0" smtClean="0"/>
+              <a:rPr lang="nl-BE" sz="2000" dirty="0" smtClean="0"/>
               <a:t>Externe /</a:t>
             </a:r>
             <a:r>
-              <a:rPr lang="nl-BE" dirty="0" err="1" smtClean="0"/>
+              <a:rPr lang="nl-BE" sz="2000" dirty="0" err="1" smtClean="0"/>
               <a:t>affiliate</a:t>
             </a:r>
             <a:r>
-              <a:rPr lang="nl-BE" dirty="0" smtClean="0"/>
+              <a:rPr lang="nl-BE" sz="2000" dirty="0" smtClean="0"/>
               <a:t> producten</a:t>
             </a:r>
           </a:p>
           <a:p>
             <a:r>
-              <a:rPr lang="nl-BE" dirty="0" smtClean="0"/>
+              <a:rPr lang="nl-BE" sz="2000" dirty="0" smtClean="0"/>
               <a:t>Downloadbare producten</a:t>
             </a:r>
           </a:p>
           <a:p>
             <a:pPr lvl="1"/>
             <a:r>
-              <a:rPr lang="nl-BE" dirty="0" smtClean="0"/>
+              <a:rPr lang="nl-BE" sz="1800" dirty="0" smtClean="0"/>
               <a:t>Je kan ook de max </a:t>
             </a:r>
             <a:r>
-              <a:rPr lang="nl-BE" dirty="0" err="1" smtClean="0"/>
+              <a:rPr lang="nl-BE" sz="1800" dirty="0" err="1" smtClean="0"/>
               <a:t>size</a:t>
             </a:r>
             <a:r>
-              <a:rPr lang="nl-BE" dirty="0"/>
+              <a:rPr lang="nl-BE" sz="1800" dirty="0"/>
               <a:t> bepalen (</a:t>
             </a:r>
             <a:r>
-              <a:rPr lang="nl-BE" dirty="0">
+              <a:rPr lang="nl-BE" sz="1800" dirty="0">
                 <a:hlinkClick r:id="rId3"/>
               </a:rPr>
               <a:t>https://</a:t>
             </a:r>
             <a:r>
-              <a:rPr lang="nl-BE" dirty="0" smtClean="0">
+              <a:rPr lang="nl-BE" sz="1800" dirty="0" smtClean="0">
                 <a:hlinkClick r:id="rId3"/>
               </a:rPr>
               <a:t>www.youtube.com/watch?v=bw54E8Rylww</a:t>
             </a:r>
             <a:r>
-              <a:rPr lang="nl-BE" dirty="0" smtClean="0"/>
+              <a:rPr lang="nl-BE" sz="1800" dirty="0" smtClean="0"/>
               <a:t>) </a:t>
             </a:r>
           </a:p>
           <a:p>
-            <a:endParaRPr lang="nl-BE" dirty="0"/>
-          </a:p>
-          <a:p>
-            <a:endParaRPr lang="nl-BE" dirty="0" smtClean="0"/>
-          </a:p>
-          <a:p>
-            <a:endParaRPr lang="nl-BE" dirty="0"/>
+            <a:endParaRPr lang="nl-BE" sz="2000" dirty="0"/>
+          </a:p>
+          <a:p>
+            <a:endParaRPr lang="nl-BE" sz="2000" dirty="0" smtClean="0"/>
+          </a:p>
+          <a:p>
+            <a:endParaRPr lang="nl-BE" sz="2000" dirty="0"/>
           </a:p>
         </p:txBody>
       </p:sp>

--- a/new_technology/Wordpress - WooCommerce.pptx
+++ b/new_technology/Wordpress - WooCommerce.pptx
@@ -5,7 +5,7 @@
     <p:sldMasterId id="2147483660" r:id="rId1"/>
   </p:sldMasterIdLst>
   <p:notesMasterIdLst>
-    <p:notesMasterId r:id="rId36"/>
+    <p:notesMasterId r:id="rId29"/>
   </p:notesMasterIdLst>
   <p:sldIdLst>
     <p:sldId id="256" r:id="rId2"/>
@@ -35,13 +35,6 @@
     <p:sldId id="264" r:id="rId26"/>
     <p:sldId id="286" r:id="rId27"/>
     <p:sldId id="294" r:id="rId28"/>
-    <p:sldId id="295" r:id="rId29"/>
-    <p:sldId id="296" r:id="rId30"/>
-    <p:sldId id="281" r:id="rId31"/>
-    <p:sldId id="282" r:id="rId32"/>
-    <p:sldId id="268" r:id="rId33"/>
-    <p:sldId id="269" r:id="rId34"/>
-    <p:sldId id="265" r:id="rId35"/>
   </p:sldIdLst>
   <p:sldSz cx="12192000" cy="6858000"/>
   <p:notesSz cx="6858000" cy="9144000"/>
@@ -230,7 +223,7 @@
           <a:p>
             <a:fld id="{30EE4EB7-2E26-49B8-8006-3D54FC956F81}" type="datetimeFigureOut">
               <a:rPr lang="nl-BE" smtClean="0"/>
-              <a:t>10/11/2016</a:t>
+              <a:t>11/11/2016</a:t>
             </a:fld>
             <a:endParaRPr lang="nl-BE"/>
           </a:p>
@@ -2332,7 +2325,7 @@
           <a:p>
             <a:fld id="{A9D523DF-0EA4-4117-A99B-D3A7F1E0B22C}" type="datetimeFigureOut">
               <a:rPr lang="nl-BE" smtClean="0"/>
-              <a:t>10/11/2016</a:t>
+              <a:t>11/11/2016</a:t>
             </a:fld>
             <a:endParaRPr lang="nl-BE"/>
           </a:p>
@@ -2583,7 +2576,7 @@
           <a:p>
             <a:fld id="{A9D523DF-0EA4-4117-A99B-D3A7F1E0B22C}" type="datetimeFigureOut">
               <a:rPr lang="nl-BE" smtClean="0"/>
-              <a:t>10/11/2016</a:t>
+              <a:t>11/11/2016</a:t>
             </a:fld>
             <a:endParaRPr lang="nl-BE"/>
           </a:p>
@@ -2897,7 +2890,7 @@
           <a:p>
             <a:fld id="{A9D523DF-0EA4-4117-A99B-D3A7F1E0B22C}" type="datetimeFigureOut">
               <a:rPr lang="nl-BE" smtClean="0"/>
-              <a:t>10/11/2016</a:t>
+              <a:t>11/11/2016</a:t>
             </a:fld>
             <a:endParaRPr lang="nl-BE"/>
           </a:p>
@@ -3238,7 +3231,7 @@
           <a:p>
             <a:fld id="{A9D523DF-0EA4-4117-A99B-D3A7F1E0B22C}" type="datetimeFigureOut">
               <a:rPr lang="nl-BE" smtClean="0"/>
-              <a:t>10/11/2016</a:t>
+              <a:t>11/11/2016</a:t>
             </a:fld>
             <a:endParaRPr lang="nl-BE"/>
           </a:p>
@@ -3552,7 +3545,7 @@
           <a:p>
             <a:fld id="{A9D523DF-0EA4-4117-A99B-D3A7F1E0B22C}" type="datetimeFigureOut">
               <a:rPr lang="nl-BE" smtClean="0"/>
-              <a:t>10/11/2016</a:t>
+              <a:t>11/11/2016</a:t>
             </a:fld>
             <a:endParaRPr lang="nl-BE"/>
           </a:p>
@@ -3945,7 +3938,7 @@
           <a:p>
             <a:fld id="{A9D523DF-0EA4-4117-A99B-D3A7F1E0B22C}" type="datetimeFigureOut">
               <a:rPr lang="nl-BE" smtClean="0"/>
-              <a:t>10/11/2016</a:t>
+              <a:t>11/11/2016</a:t>
             </a:fld>
             <a:endParaRPr lang="nl-BE"/>
           </a:p>
@@ -4115,7 +4108,7 @@
           <a:p>
             <a:fld id="{A9D523DF-0EA4-4117-A99B-D3A7F1E0B22C}" type="datetimeFigureOut">
               <a:rPr lang="nl-BE" smtClean="0"/>
-              <a:t>10/11/2016</a:t>
+              <a:t>11/11/2016</a:t>
             </a:fld>
             <a:endParaRPr lang="nl-BE"/>
           </a:p>
@@ -4295,7 +4288,7 @@
           <a:p>
             <a:fld id="{A9D523DF-0EA4-4117-A99B-D3A7F1E0B22C}" type="datetimeFigureOut">
               <a:rPr lang="nl-BE" smtClean="0"/>
-              <a:t>10/11/2016</a:t>
+              <a:t>11/11/2016</a:t>
             </a:fld>
             <a:endParaRPr lang="nl-BE"/>
           </a:p>
@@ -4471,7 +4464,7 @@
           <a:p>
             <a:fld id="{A9D523DF-0EA4-4117-A99B-D3A7F1E0B22C}" type="datetimeFigureOut">
               <a:rPr lang="nl-BE" smtClean="0"/>
-              <a:t>10/11/2016</a:t>
+              <a:t>11/11/2016</a:t>
             </a:fld>
             <a:endParaRPr lang="nl-BE"/>
           </a:p>
@@ -4718,7 +4711,7 @@
           <a:p>
             <a:fld id="{A9D523DF-0EA4-4117-A99B-D3A7F1E0B22C}" type="datetimeFigureOut">
               <a:rPr lang="nl-BE" smtClean="0"/>
-              <a:t>10/11/2016</a:t>
+              <a:t>11/11/2016</a:t>
             </a:fld>
             <a:endParaRPr lang="nl-BE"/>
           </a:p>
@@ -4950,7 +4943,7 @@
           <a:p>
             <a:fld id="{A9D523DF-0EA4-4117-A99B-D3A7F1E0B22C}" type="datetimeFigureOut">
               <a:rPr lang="nl-BE" smtClean="0"/>
-              <a:t>10/11/2016</a:t>
+              <a:t>11/11/2016</a:t>
             </a:fld>
             <a:endParaRPr lang="nl-BE"/>
           </a:p>
@@ -5324,7 +5317,7 @@
           <a:p>
             <a:fld id="{A9D523DF-0EA4-4117-A99B-D3A7F1E0B22C}" type="datetimeFigureOut">
               <a:rPr lang="nl-BE" smtClean="0"/>
-              <a:t>10/11/2016</a:t>
+              <a:t>11/11/2016</a:t>
             </a:fld>
             <a:endParaRPr lang="nl-BE"/>
           </a:p>
@@ -5447,7 +5440,7 @@
           <a:p>
             <a:fld id="{A9D523DF-0EA4-4117-A99B-D3A7F1E0B22C}" type="datetimeFigureOut">
               <a:rPr lang="nl-BE" smtClean="0"/>
-              <a:t>10/11/2016</a:t>
+              <a:t>11/11/2016</a:t>
             </a:fld>
             <a:endParaRPr lang="nl-BE"/>
           </a:p>
@@ -5542,7 +5535,7 @@
           <a:p>
             <a:fld id="{A9D523DF-0EA4-4117-A99B-D3A7F1E0B22C}" type="datetimeFigureOut">
               <a:rPr lang="nl-BE" smtClean="0"/>
-              <a:t>10/11/2016</a:t>
+              <a:t>11/11/2016</a:t>
             </a:fld>
             <a:endParaRPr lang="nl-BE"/>
           </a:p>
@@ -5797,7 +5790,7 @@
           <a:p>
             <a:fld id="{A9D523DF-0EA4-4117-A99B-D3A7F1E0B22C}" type="datetimeFigureOut">
               <a:rPr lang="nl-BE" smtClean="0"/>
-              <a:t>10/11/2016</a:t>
+              <a:t>11/11/2016</a:t>
             </a:fld>
             <a:endParaRPr lang="nl-BE"/>
           </a:p>
@@ -6060,7 +6053,7 @@
           <a:p>
             <a:fld id="{A9D523DF-0EA4-4117-A99B-D3A7F1E0B22C}" type="datetimeFigureOut">
               <a:rPr lang="nl-BE" smtClean="0"/>
-              <a:t>10/11/2016</a:t>
+              <a:t>11/11/2016</a:t>
             </a:fld>
             <a:endParaRPr lang="nl-BE"/>
           </a:p>
@@ -6803,7 +6796,7 @@
           <a:p>
             <a:fld id="{A9D523DF-0EA4-4117-A99B-D3A7F1E0B22C}" type="datetimeFigureOut">
               <a:rPr lang="nl-BE" smtClean="0"/>
-              <a:t>10/11/2016</a:t>
+              <a:t>11/11/2016</a:t>
             </a:fld>
             <a:endParaRPr lang="nl-BE"/>
           </a:p>
@@ -12147,17 +12140,12 @@
               <a:rPr lang="nl-BE" sz="2000" dirty="0" smtClean="0"/>
               <a:t>Standaard geïmplementeerd:</a:t>
             </a:r>
-            <a:endParaRPr lang="nl-BE" sz="2000" dirty="0" smtClean="0"/>
           </a:p>
           <a:p>
             <a:pPr lvl="1"/>
             <a:r>
               <a:rPr lang="nl-BE" sz="1800" dirty="0" smtClean="0"/>
-              <a:t>Cash on </a:t>
-            </a:r>
-            <a:r>
-              <a:rPr lang="nl-BE" sz="1800" dirty="0" smtClean="0"/>
-              <a:t>delivery</a:t>
+              <a:t>Cash on delivery</a:t>
             </a:r>
           </a:p>
           <a:p>
@@ -12178,7 +12166,6 @@
               <a:rPr lang="nl-BE" sz="1800" dirty="0" smtClean="0"/>
               <a:t>BACS (bankoverschrijvingen)</a:t>
             </a:r>
-            <a:endParaRPr lang="nl-BE" sz="1800" dirty="0" smtClean="0"/>
           </a:p>
           <a:p>
             <a:pPr lvl="1"/>
@@ -12196,19 +12183,7 @@
             </a:r>
             <a:r>
               <a:rPr lang="nl-BE" sz="1800" dirty="0" smtClean="0"/>
-              <a:t> </a:t>
-            </a:r>
-            <a:r>
-              <a:rPr lang="nl-BE" sz="1800" dirty="0" smtClean="0"/>
-              <a:t>business account </a:t>
-            </a:r>
-            <a:r>
-              <a:rPr lang="nl-BE" sz="1800" dirty="0" smtClean="0"/>
-              <a:t>vereist</a:t>
-            </a:r>
-            <a:r>
-              <a:rPr lang="nl-BE" sz="1800" dirty="0" smtClean="0"/>
-              <a:t>) (</a:t>
+              <a:t> business account vereist) (</a:t>
             </a:r>
             <a:r>
               <a:rPr lang="nl-BE" sz="1800" dirty="0" err="1" smtClean="0"/>
@@ -12266,7 +12241,6 @@
               <a:rPr lang="nl-BE" sz="1800" dirty="0" smtClean="0"/>
               <a:t> (credit card)</a:t>
             </a:r>
-            <a:endParaRPr lang="nl-BE" sz="1800" dirty="0" smtClean="0"/>
           </a:p>
           <a:p>
             <a:endParaRPr lang="nl-BE" sz="2000" dirty="0" smtClean="0"/>
@@ -13729,11 +13703,7 @@
             <a:pPr lvl="1"/>
             <a:r>
               <a:rPr lang="nl-BE" sz="1800" dirty="0" smtClean="0"/>
-              <a:t>Opzetten </a:t>
-            </a:r>
-            <a:r>
-              <a:rPr lang="nl-BE" sz="1800" dirty="0" smtClean="0"/>
-              <a:t>per regio (land, staat, postcode, …)</a:t>
+              <a:t>Opzetten per regio (land, staat, postcode, …)</a:t>
             </a:r>
           </a:p>
           <a:p>
@@ -13758,22 +13728,14 @@
             <a:pPr lvl="1"/>
             <a:r>
               <a:rPr lang="nl-BE" sz="1800" dirty="0" smtClean="0"/>
-              <a:t>Bepalen </a:t>
-            </a:r>
+              <a:t>Bepalen of het voor het hele winkelwagentje geldt, of per product</a:t>
+            </a:r>
+          </a:p>
+          <a:p>
+            <a:pPr lvl="1"/>
             <a:r>
               <a:rPr lang="nl-BE" sz="1800" dirty="0" smtClean="0"/>
-              <a:t>of het voor het hele winkelwagentje geldt, of per product</a:t>
-            </a:r>
-          </a:p>
-          <a:p>
-            <a:pPr lvl="1"/>
-            <a:r>
-              <a:rPr lang="nl-BE" sz="1800" dirty="0" smtClean="0"/>
-              <a:t>Bepalen of het een percentage of vast bedrag </a:t>
-            </a:r>
-            <a:r>
-              <a:rPr lang="nl-BE" sz="1800" dirty="0" smtClean="0"/>
-              <a:t>is</a:t>
+              <a:t>Bepalen of het een percentage of vast bedrag is</a:t>
             </a:r>
             <a:endParaRPr lang="nl-BE" sz="1800" dirty="0"/>
           </a:p>
@@ -16449,11 +16411,7 @@
             </a:r>
             <a:r>
               <a:rPr lang="nl-BE" sz="1800" dirty="0" smtClean="0"/>
-              <a:t> (alles kan aangepast worden op 1 plaats</a:t>
-            </a:r>
-            <a:r>
-              <a:rPr lang="nl-BE" sz="1800" dirty="0" smtClean="0"/>
-              <a:t>)</a:t>
+              <a:t> (alles kan aangepast worden op 1 plaats)</a:t>
             </a:r>
             <a:endParaRPr lang="nl-BE" sz="1600" dirty="0" smtClean="0"/>
           </a:p>
@@ -16533,11 +16491,7 @@
             </a:r>
             <a:r>
               <a:rPr lang="nl-BE" sz="2000" dirty="0" smtClean="0"/>
-              <a:t> </a:t>
-            </a:r>
-            <a:r>
-              <a:rPr lang="nl-BE" sz="2000" dirty="0" smtClean="0"/>
-              <a:t>(ook </a:t>
+              <a:t> (ook </a:t>
             </a:r>
             <a:r>
               <a:rPr lang="nl-BE" sz="2000" dirty="0" err="1" smtClean="0"/>
@@ -16563,11 +16517,7 @@
             </a:r>
             <a:r>
               <a:rPr lang="nl-BE" sz="2000" dirty="0" smtClean="0"/>
-              <a:t> </a:t>
-            </a:r>
-            <a:r>
-              <a:rPr lang="nl-BE" sz="2000" dirty="0" smtClean="0"/>
-              <a:t>maar betalend…</a:t>
+              <a:t> maar betalend…</a:t>
             </a:r>
           </a:p>
           <a:p>
@@ -17315,11 +17265,7 @@
             </a:r>
             <a:r>
               <a:rPr lang="nl-BE" sz="2000" dirty="0" smtClean="0"/>
-              <a:t> (reviews</a:t>
-            </a:r>
-            <a:r>
-              <a:rPr lang="nl-BE" sz="2000" dirty="0" smtClean="0"/>
-              <a:t>))</a:t>
+              <a:t> (reviews))</a:t>
             </a:r>
             <a:endParaRPr lang="nl-BE" sz="2000" dirty="0"/>
           </a:p>
@@ -17426,170 +17372,13 @@
     </p:spTree>
     <p:extLst>
       <p:ext uri="{BB962C8B-B14F-4D97-AF65-F5344CB8AC3E}">
-        <p14:creationId xmlns:p14="http://schemas.microsoft.com/office/powerpoint/2010/main" val="1009187045"/>
+        <p14:creationId xmlns:p14="http://schemas.microsoft.com/office/powerpoint/2010/main" val="1310473736"/>
       </p:ext>
     </p:extLst>
   </p:cSld>
   <p:clrMapOvr>
     <a:masterClrMapping/>
   </p:clrMapOvr>
-  <p:timing>
-    <p:tnLst>
-      <p:par>
-        <p:cTn id="1" dur="indefinite" restart="never" nodeType="tmRoot"/>
-      </p:par>
-    </p:tnLst>
-  </p:timing>
-</p:sld>
-</file>
-
-<file path=ppt/slides/slide28.xml><?xml version="1.0" encoding="utf-8"?>
-<p:sld xmlns:a="http://schemas.openxmlformats.org/drawingml/2006/main" xmlns:r="http://schemas.openxmlformats.org/officeDocument/2006/relationships" xmlns:p="http://schemas.openxmlformats.org/presentationml/2006/main">
-  <p:cSld>
-    <p:spTree>
-      <p:nvGrpSpPr>
-        <p:cNvPr id="1" name=""/>
-        <p:cNvGrpSpPr/>
-        <p:nvPr/>
-      </p:nvGrpSpPr>
-      <p:grpSpPr>
-        <a:xfrm>
-          <a:off x="0" y="0"/>
-          <a:ext cx="0" cy="0"/>
-          <a:chOff x="0" y="0"/>
-          <a:chExt cx="0" cy="0"/>
-        </a:xfrm>
-      </p:grpSpPr>
-      <p:sp>
-        <p:nvSpPr>
-          <p:cNvPr id="2" name="Titel 1"/>
-          <p:cNvSpPr>
-            <a:spLocks noGrp="1"/>
-          </p:cNvSpPr>
-          <p:nvPr>
-            <p:ph type="title"/>
-          </p:nvPr>
-        </p:nvSpPr>
-        <p:spPr/>
-        <p:txBody>
-          <a:bodyPr/>
-          <a:lstStyle/>
-          <a:p>
-            <a:endParaRPr lang="nl-BE"/>
-          </a:p>
-        </p:txBody>
-      </p:sp>
-      <p:sp>
-        <p:nvSpPr>
-          <p:cNvPr id="3" name="Tijdelijke aanduiding voor inhoud 2"/>
-          <p:cNvSpPr>
-            <a:spLocks noGrp="1"/>
-          </p:cNvSpPr>
-          <p:nvPr>
-            <p:ph idx="1"/>
-          </p:nvPr>
-        </p:nvSpPr>
-        <p:spPr/>
-        <p:txBody>
-          <a:bodyPr/>
-          <a:lstStyle/>
-          <a:p>
-            <a:endParaRPr lang="nl-BE"/>
-          </a:p>
-        </p:txBody>
-      </p:sp>
-    </p:spTree>
-    <p:extLst>
-      <p:ext uri="{BB962C8B-B14F-4D97-AF65-F5344CB8AC3E}">
-        <p14:creationId xmlns:p14="http://schemas.microsoft.com/office/powerpoint/2010/main" val="3792477028"/>
-      </p:ext>
-    </p:extLst>
-  </p:cSld>
-  <p:clrMapOvr>
-    <a:masterClrMapping/>
-  </p:clrMapOvr>
-  <p:timing>
-    <p:tnLst>
-      <p:par>
-        <p:cTn id="1" dur="indefinite" restart="never" nodeType="tmRoot"/>
-      </p:par>
-    </p:tnLst>
-  </p:timing>
-</p:sld>
-</file>
-
-<file path=ppt/slides/slide29.xml><?xml version="1.0" encoding="utf-8"?>
-<p:sld xmlns:a="http://schemas.openxmlformats.org/drawingml/2006/main" xmlns:r="http://schemas.openxmlformats.org/officeDocument/2006/relationships" xmlns:p="http://schemas.openxmlformats.org/presentationml/2006/main">
-  <p:cSld>
-    <p:spTree>
-      <p:nvGrpSpPr>
-        <p:cNvPr id="1" name=""/>
-        <p:cNvGrpSpPr/>
-        <p:nvPr/>
-      </p:nvGrpSpPr>
-      <p:grpSpPr>
-        <a:xfrm>
-          <a:off x="0" y="0"/>
-          <a:ext cx="0" cy="0"/>
-          <a:chOff x="0" y="0"/>
-          <a:chExt cx="0" cy="0"/>
-        </a:xfrm>
-      </p:grpSpPr>
-      <p:sp>
-        <p:nvSpPr>
-          <p:cNvPr id="2" name="Titel 1"/>
-          <p:cNvSpPr>
-            <a:spLocks noGrp="1"/>
-          </p:cNvSpPr>
-          <p:nvPr>
-            <p:ph type="title"/>
-          </p:nvPr>
-        </p:nvSpPr>
-        <p:spPr/>
-        <p:txBody>
-          <a:bodyPr/>
-          <a:lstStyle/>
-          <a:p>
-            <a:endParaRPr lang="nl-BE"/>
-          </a:p>
-        </p:txBody>
-      </p:sp>
-      <p:sp>
-        <p:nvSpPr>
-          <p:cNvPr id="3" name="Tijdelijke aanduiding voor inhoud 2"/>
-          <p:cNvSpPr>
-            <a:spLocks noGrp="1"/>
-          </p:cNvSpPr>
-          <p:nvPr>
-            <p:ph idx="1"/>
-          </p:nvPr>
-        </p:nvSpPr>
-        <p:spPr/>
-        <p:txBody>
-          <a:bodyPr/>
-          <a:lstStyle/>
-          <a:p>
-            <a:endParaRPr lang="nl-BE"/>
-          </a:p>
-        </p:txBody>
-      </p:sp>
-    </p:spTree>
-    <p:extLst>
-      <p:ext uri="{BB962C8B-B14F-4D97-AF65-F5344CB8AC3E}">
-        <p14:creationId xmlns:p14="http://schemas.microsoft.com/office/powerpoint/2010/main" val="2958468963"/>
-      </p:ext>
-    </p:extLst>
-  </p:cSld>
-  <p:clrMapOvr>
-    <a:masterClrMapping/>
-  </p:clrMapOvr>
-  <p:timing>
-    <p:tnLst>
-      <p:par>
-        <p:cTn id="1" dur="indefinite" restart="never" nodeType="tmRoot"/>
-      </p:par>
-    </p:tnLst>
-  </p:timing>
 </p:sld>
 </file>
 
@@ -17913,711 +17702,6 @@
             </p:seq>
           </p:childTnLst>
         </p:cTn>
-      </p:par>
-    </p:tnLst>
-  </p:timing>
-</p:sld>
-</file>
-
-<file path=ppt/slides/slide30.xml><?xml version="1.0" encoding="utf-8"?>
-<p:sld xmlns:a="http://schemas.openxmlformats.org/drawingml/2006/main" xmlns:r="http://schemas.openxmlformats.org/officeDocument/2006/relationships" xmlns:p="http://schemas.openxmlformats.org/presentationml/2006/main">
-  <p:cSld>
-    <p:spTree>
-      <p:nvGrpSpPr>
-        <p:cNvPr id="1" name=""/>
-        <p:cNvGrpSpPr/>
-        <p:nvPr/>
-      </p:nvGrpSpPr>
-      <p:grpSpPr>
-        <a:xfrm>
-          <a:off x="0" y="0"/>
-          <a:ext cx="0" cy="0"/>
-          <a:chOff x="0" y="0"/>
-          <a:chExt cx="0" cy="0"/>
-        </a:xfrm>
-      </p:grpSpPr>
-      <p:sp>
-        <p:nvSpPr>
-          <p:cNvPr id="2" name="Titel 1"/>
-          <p:cNvSpPr>
-            <a:spLocks noGrp="1"/>
-          </p:cNvSpPr>
-          <p:nvPr>
-            <p:ph type="title"/>
-          </p:nvPr>
-        </p:nvSpPr>
-        <p:spPr/>
-        <p:txBody>
-          <a:bodyPr/>
-          <a:lstStyle/>
-          <a:p>
-            <a:r>
-              <a:rPr lang="nl-BE" dirty="0" smtClean="0"/>
-              <a:t>Misschien nog te bespreken</a:t>
-            </a:r>
-            <a:endParaRPr lang="nl-BE" dirty="0"/>
-          </a:p>
-        </p:txBody>
-      </p:sp>
-      <p:sp>
-        <p:nvSpPr>
-          <p:cNvPr id="3" name="Tijdelijke aanduiding voor inhoud 2"/>
-          <p:cNvSpPr>
-            <a:spLocks noGrp="1"/>
-          </p:cNvSpPr>
-          <p:nvPr>
-            <p:ph idx="1"/>
-          </p:nvPr>
-        </p:nvSpPr>
-        <p:spPr/>
-        <p:txBody>
-          <a:bodyPr/>
-          <a:lstStyle/>
-          <a:p>
-            <a:r>
-              <a:rPr lang="nl-BE" dirty="0" err="1" smtClean="0"/>
-              <a:t>Taxes</a:t>
-            </a:r>
-            <a:endParaRPr lang="nl-BE" dirty="0" smtClean="0"/>
-          </a:p>
-          <a:p>
-            <a:r>
-              <a:rPr lang="nl-BE" dirty="0" err="1" smtClean="0"/>
-              <a:t>Shipping</a:t>
-            </a:r>
-            <a:r>
-              <a:rPr lang="nl-BE" dirty="0" smtClean="0"/>
-              <a:t> classes</a:t>
-            </a:r>
-          </a:p>
-          <a:p>
-            <a:r>
-              <a:rPr lang="nl-BE" dirty="0" smtClean="0"/>
-              <a:t>Import product images </a:t>
-            </a:r>
-            <a:r>
-              <a:rPr lang="nl-BE" dirty="0" err="1" smtClean="0"/>
-              <a:t>from</a:t>
-            </a:r>
-            <a:r>
-              <a:rPr lang="nl-BE" dirty="0" smtClean="0"/>
-              <a:t> computer </a:t>
-            </a:r>
-            <a:r>
-              <a:rPr lang="nl-BE" dirty="0" err="1" smtClean="0"/>
-              <a:t>location</a:t>
-            </a:r>
-            <a:endParaRPr lang="nl-BE" dirty="0"/>
-          </a:p>
-          <a:p>
-            <a:endParaRPr lang="nl-BE" dirty="0" smtClean="0"/>
-          </a:p>
-          <a:p>
-            <a:r>
-              <a:rPr lang="nl-BE" dirty="0" err="1" smtClean="0"/>
-              <a:t>Remove</a:t>
-            </a:r>
-            <a:r>
-              <a:rPr lang="nl-BE" dirty="0" smtClean="0"/>
-              <a:t> automatic </a:t>
-            </a:r>
-            <a:r>
-              <a:rPr lang="nl-BE" dirty="0" err="1" smtClean="0"/>
-              <a:t>related</a:t>
-            </a:r>
-            <a:r>
-              <a:rPr lang="nl-BE" dirty="0" smtClean="0"/>
-              <a:t> </a:t>
-            </a:r>
-            <a:r>
-              <a:rPr lang="nl-BE" dirty="0" err="1" smtClean="0"/>
-              <a:t>products</a:t>
-            </a:r>
-            <a:r>
-              <a:rPr lang="nl-BE" dirty="0"/>
-              <a:t> (</a:t>
-            </a:r>
-            <a:r>
-              <a:rPr lang="nl-BE" dirty="0">
-                <a:hlinkClick r:id="rId2"/>
-              </a:rPr>
-              <a:t>https://docs.woocommerce.com/document/remove-related-posts-output</a:t>
-            </a:r>
-            <a:r>
-              <a:rPr lang="nl-BE" dirty="0" smtClean="0">
-                <a:hlinkClick r:id="rId2"/>
-              </a:rPr>
-              <a:t>/</a:t>
-            </a:r>
-            <a:r>
-              <a:rPr lang="nl-BE" dirty="0" smtClean="0"/>
-              <a:t>)</a:t>
-            </a:r>
-          </a:p>
-          <a:p>
-            <a:r>
-              <a:rPr lang="nl-BE" dirty="0" smtClean="0"/>
-              <a:t>Tags</a:t>
-            </a:r>
-          </a:p>
-          <a:p>
-            <a:r>
-              <a:rPr lang="nl-BE" dirty="0" err="1" smtClean="0"/>
-              <a:t>Logout</a:t>
-            </a:r>
-            <a:r>
-              <a:rPr lang="nl-BE" dirty="0" smtClean="0"/>
-              <a:t> button </a:t>
-            </a:r>
-            <a:r>
-              <a:rPr lang="nl-BE" dirty="0" err="1" smtClean="0"/>
-              <a:t>rechtsbovenaan</a:t>
-            </a:r>
-            <a:r>
-              <a:rPr lang="nl-BE" dirty="0" smtClean="0"/>
-              <a:t> &gt; ok</a:t>
-            </a:r>
-          </a:p>
-          <a:p>
-            <a:r>
-              <a:rPr lang="nl-BE" dirty="0" smtClean="0"/>
-              <a:t>Order van </a:t>
-            </a:r>
-            <a:r>
-              <a:rPr lang="nl-BE" dirty="0" err="1" smtClean="0"/>
-              <a:t>downloadable</a:t>
-            </a:r>
-            <a:r>
-              <a:rPr lang="nl-BE" dirty="0" smtClean="0"/>
-              <a:t> product afhandelen</a:t>
-            </a:r>
-            <a:endParaRPr lang="nl-BE" dirty="0"/>
-          </a:p>
-        </p:txBody>
-      </p:sp>
-    </p:spTree>
-    <p:extLst>
-      <p:ext uri="{BB962C8B-B14F-4D97-AF65-F5344CB8AC3E}">
-        <p14:creationId xmlns:p14="http://schemas.microsoft.com/office/powerpoint/2010/main" val="3901404828"/>
-      </p:ext>
-    </p:extLst>
-  </p:cSld>
-  <p:clrMapOvr>
-    <a:masterClrMapping/>
-  </p:clrMapOvr>
-  <p:timing>
-    <p:tnLst>
-      <p:par>
-        <p:cTn id="1" dur="indefinite" restart="never" nodeType="tmRoot"/>
-      </p:par>
-    </p:tnLst>
-  </p:timing>
-</p:sld>
-</file>
-
-<file path=ppt/slides/slide31.xml><?xml version="1.0" encoding="utf-8"?>
-<p:sld xmlns:a="http://schemas.openxmlformats.org/drawingml/2006/main" xmlns:r="http://schemas.openxmlformats.org/officeDocument/2006/relationships" xmlns:p="http://schemas.openxmlformats.org/presentationml/2006/main">
-  <p:cSld>
-    <p:spTree>
-      <p:nvGrpSpPr>
-        <p:cNvPr id="1" name=""/>
-        <p:cNvGrpSpPr/>
-        <p:nvPr/>
-      </p:nvGrpSpPr>
-      <p:grpSpPr>
-        <a:xfrm>
-          <a:off x="0" y="0"/>
-          <a:ext cx="0" cy="0"/>
-          <a:chOff x="0" y="0"/>
-          <a:chExt cx="0" cy="0"/>
-        </a:xfrm>
-      </p:grpSpPr>
-      <p:sp>
-        <p:nvSpPr>
-          <p:cNvPr id="2" name="Titel 1"/>
-          <p:cNvSpPr>
-            <a:spLocks noGrp="1"/>
-          </p:cNvSpPr>
-          <p:nvPr>
-            <p:ph type="title"/>
-          </p:nvPr>
-        </p:nvSpPr>
-        <p:spPr/>
-        <p:txBody>
-          <a:bodyPr/>
-          <a:lstStyle/>
-          <a:p>
-            <a:endParaRPr lang="nl-BE"/>
-          </a:p>
-        </p:txBody>
-      </p:sp>
-      <p:sp>
-        <p:nvSpPr>
-          <p:cNvPr id="3" name="Tijdelijke aanduiding voor inhoud 2"/>
-          <p:cNvSpPr>
-            <a:spLocks noGrp="1"/>
-          </p:cNvSpPr>
-          <p:nvPr>
-            <p:ph idx="1"/>
-          </p:nvPr>
-        </p:nvSpPr>
-        <p:spPr/>
-        <p:txBody>
-          <a:bodyPr/>
-          <a:lstStyle/>
-          <a:p>
-            <a:endParaRPr lang="nl-BE"/>
-          </a:p>
-        </p:txBody>
-      </p:sp>
-    </p:spTree>
-    <p:extLst>
-      <p:ext uri="{BB962C8B-B14F-4D97-AF65-F5344CB8AC3E}">
-        <p14:creationId xmlns:p14="http://schemas.microsoft.com/office/powerpoint/2010/main" val="2624506105"/>
-      </p:ext>
-    </p:extLst>
-  </p:cSld>
-  <p:clrMapOvr>
-    <a:masterClrMapping/>
-  </p:clrMapOvr>
-  <p:timing>
-    <p:tnLst>
-      <p:par>
-        <p:cTn id="1" dur="indefinite" restart="never" nodeType="tmRoot"/>
-      </p:par>
-    </p:tnLst>
-  </p:timing>
-</p:sld>
-</file>
-
-<file path=ppt/slides/slide32.xml><?xml version="1.0" encoding="utf-8"?>
-<p:sld xmlns:a="http://schemas.openxmlformats.org/drawingml/2006/main" xmlns:r="http://schemas.openxmlformats.org/officeDocument/2006/relationships" xmlns:p="http://schemas.openxmlformats.org/presentationml/2006/main">
-  <p:cSld>
-    <p:spTree>
-      <p:nvGrpSpPr>
-        <p:cNvPr id="1" name=""/>
-        <p:cNvGrpSpPr/>
-        <p:nvPr/>
-      </p:nvGrpSpPr>
-      <p:grpSpPr>
-        <a:xfrm>
-          <a:off x="0" y="0"/>
-          <a:ext cx="0" cy="0"/>
-          <a:chOff x="0" y="0"/>
-          <a:chExt cx="0" cy="0"/>
-        </a:xfrm>
-      </p:grpSpPr>
-      <p:sp>
-        <p:nvSpPr>
-          <p:cNvPr id="2" name="Titel 1"/>
-          <p:cNvSpPr>
-            <a:spLocks noGrp="1"/>
-          </p:cNvSpPr>
-          <p:nvPr>
-            <p:ph type="title"/>
-          </p:nvPr>
-        </p:nvSpPr>
-        <p:spPr/>
-        <p:txBody>
-          <a:bodyPr/>
-          <a:lstStyle/>
-          <a:p>
-            <a:endParaRPr lang="nl-BE"/>
-          </a:p>
-        </p:txBody>
-      </p:sp>
-      <p:sp>
-        <p:nvSpPr>
-          <p:cNvPr id="3" name="Tijdelijke aanduiding voor inhoud 2"/>
-          <p:cNvSpPr>
-            <a:spLocks noGrp="1"/>
-          </p:cNvSpPr>
-          <p:nvPr>
-            <p:ph idx="1"/>
-          </p:nvPr>
-        </p:nvSpPr>
-        <p:spPr/>
-        <p:txBody>
-          <a:bodyPr/>
-          <a:lstStyle/>
-          <a:p>
-            <a:r>
-              <a:rPr lang="nl-BE" dirty="0" smtClean="0"/>
-              <a:t>Als je de weergave van je shop homepagina wil aanpassen:</a:t>
-            </a:r>
-          </a:p>
-          <a:p>
-            <a:pPr lvl="1"/>
-            <a:r>
-              <a:rPr lang="nl-BE" dirty="0" err="1" smtClean="0"/>
-              <a:t>Woocommerce</a:t>
-            </a:r>
-            <a:r>
-              <a:rPr lang="nl-BE" dirty="0" smtClean="0"/>
-              <a:t> &gt; </a:t>
-            </a:r>
-            <a:r>
-              <a:rPr lang="nl-BE" dirty="0" err="1" smtClean="0"/>
-              <a:t>settings</a:t>
-            </a:r>
-            <a:r>
-              <a:rPr lang="nl-BE" dirty="0" smtClean="0"/>
-              <a:t> &gt; </a:t>
-            </a:r>
-            <a:r>
-              <a:rPr lang="nl-BE" dirty="0" err="1" smtClean="0"/>
-              <a:t>products</a:t>
-            </a:r>
-            <a:r>
-              <a:rPr lang="nl-BE" dirty="0" smtClean="0"/>
-              <a:t> &gt; display</a:t>
-            </a:r>
-          </a:p>
-          <a:p>
-            <a:endParaRPr lang="nl-BE" dirty="0"/>
-          </a:p>
-          <a:p>
-            <a:r>
-              <a:rPr lang="nl-BE" dirty="0" smtClean="0"/>
-              <a:t>Tags instellen om producten </a:t>
-            </a:r>
-            <a:r>
-              <a:rPr lang="nl-BE" dirty="0" err="1" smtClean="0"/>
-              <a:t>zoekbaar</a:t>
-            </a:r>
-            <a:r>
-              <a:rPr lang="nl-BE" dirty="0" smtClean="0"/>
-              <a:t> te maken</a:t>
-            </a:r>
-          </a:p>
-          <a:p>
-            <a:endParaRPr lang="nl-BE" dirty="0"/>
-          </a:p>
-        </p:txBody>
-      </p:sp>
-    </p:spTree>
-    <p:extLst>
-      <p:ext uri="{BB962C8B-B14F-4D97-AF65-F5344CB8AC3E}">
-        <p14:creationId xmlns:p14="http://schemas.microsoft.com/office/powerpoint/2010/main" val="704007822"/>
-      </p:ext>
-    </p:extLst>
-  </p:cSld>
-  <p:clrMapOvr>
-    <a:masterClrMapping/>
-  </p:clrMapOvr>
-  <p:timing>
-    <p:tnLst>
-      <p:par>
-        <p:cTn id="1" dur="indefinite" restart="never" nodeType="tmRoot"/>
-      </p:par>
-    </p:tnLst>
-  </p:timing>
-</p:sld>
-</file>
-
-<file path=ppt/slides/slide33.xml><?xml version="1.0" encoding="utf-8"?>
-<p:sld xmlns:a="http://schemas.openxmlformats.org/drawingml/2006/main" xmlns:r="http://schemas.openxmlformats.org/officeDocument/2006/relationships" xmlns:p="http://schemas.openxmlformats.org/presentationml/2006/main">
-  <p:cSld>
-    <p:spTree>
-      <p:nvGrpSpPr>
-        <p:cNvPr id="1" name=""/>
-        <p:cNvGrpSpPr/>
-        <p:nvPr/>
-      </p:nvGrpSpPr>
-      <p:grpSpPr>
-        <a:xfrm>
-          <a:off x="0" y="0"/>
-          <a:ext cx="0" cy="0"/>
-          <a:chOff x="0" y="0"/>
-          <a:chExt cx="0" cy="0"/>
-        </a:xfrm>
-      </p:grpSpPr>
-      <p:sp>
-        <p:nvSpPr>
-          <p:cNvPr id="2" name="Titel 1"/>
-          <p:cNvSpPr>
-            <a:spLocks noGrp="1"/>
-          </p:cNvSpPr>
-          <p:nvPr>
-            <p:ph type="title"/>
-          </p:nvPr>
-        </p:nvSpPr>
-        <p:spPr/>
-        <p:txBody>
-          <a:bodyPr/>
-          <a:lstStyle/>
-          <a:p>
-            <a:endParaRPr lang="nl-BE"/>
-          </a:p>
-        </p:txBody>
-      </p:sp>
-      <p:sp>
-        <p:nvSpPr>
-          <p:cNvPr id="3" name="Tijdelijke aanduiding voor inhoud 2"/>
-          <p:cNvSpPr>
-            <a:spLocks noGrp="1"/>
-          </p:cNvSpPr>
-          <p:nvPr>
-            <p:ph idx="1"/>
-          </p:nvPr>
-        </p:nvSpPr>
-        <p:spPr/>
-        <p:txBody>
-          <a:bodyPr/>
-          <a:lstStyle/>
-          <a:p>
-            <a:endParaRPr lang="nl-BE"/>
-          </a:p>
-        </p:txBody>
-      </p:sp>
-      <p:pic>
-        <p:nvPicPr>
-          <p:cNvPr id="4" name="Afbeelding 3"/>
-          <p:cNvPicPr>
-            <a:picLocks noChangeAspect="1"/>
-          </p:cNvPicPr>
-          <p:nvPr/>
-        </p:nvPicPr>
-        <p:blipFill>
-          <a:blip r:embed="rId2"/>
-          <a:stretch>
-            <a:fillRect/>
-          </a:stretch>
-        </p:blipFill>
-        <p:spPr>
-          <a:xfrm>
-            <a:off x="276225" y="1152525"/>
-            <a:ext cx="11639550" cy="4552950"/>
-          </a:xfrm>
-          <a:prstGeom prst="rect">
-            <a:avLst/>
-          </a:prstGeom>
-        </p:spPr>
-      </p:pic>
-      <p:sp>
-        <p:nvSpPr>
-          <p:cNvPr id="5" name="Rechthoek 4"/>
-          <p:cNvSpPr/>
-          <p:nvPr/>
-        </p:nvSpPr>
-        <p:spPr>
-          <a:xfrm>
-            <a:off x="307910" y="4264090"/>
-            <a:ext cx="737119" cy="223934"/>
-          </a:xfrm>
-          <a:prstGeom prst="rect">
-            <a:avLst/>
-          </a:prstGeom>
-          <a:solidFill>
-            <a:srgbClr val="9C5D90">
-              <a:alpha val="50196"/>
-            </a:srgbClr>
-          </a:solidFill>
-        </p:spPr>
-        <p:style>
-          <a:lnRef idx="2">
-            <a:schemeClr val="accent1">
-              <a:shade val="50000"/>
-            </a:schemeClr>
-          </a:lnRef>
-          <a:fillRef idx="1">
-            <a:schemeClr val="accent1"/>
-          </a:fillRef>
-          <a:effectRef idx="0">
-            <a:schemeClr val="accent1"/>
-          </a:effectRef>
-          <a:fontRef idx="minor">
-            <a:schemeClr val="lt1"/>
-          </a:fontRef>
-        </p:style>
-        <p:txBody>
-          <a:bodyPr rtlCol="0" anchor="ctr"/>
-          <a:lstStyle/>
-          <a:p>
-            <a:pPr algn="ctr"/>
-            <a:endParaRPr lang="nl-BE"/>
-          </a:p>
-        </p:txBody>
-      </p:sp>
-      <p:sp>
-        <p:nvSpPr>
-          <p:cNvPr id="6" name="Rechthoek 5"/>
-          <p:cNvSpPr/>
-          <p:nvPr/>
-        </p:nvSpPr>
-        <p:spPr>
-          <a:xfrm>
-            <a:off x="4929674" y="1393371"/>
-            <a:ext cx="737119" cy="223934"/>
-          </a:xfrm>
-          <a:prstGeom prst="rect">
-            <a:avLst/>
-          </a:prstGeom>
-          <a:solidFill>
-            <a:srgbClr val="9C5D90">
-              <a:alpha val="50196"/>
-            </a:srgbClr>
-          </a:solidFill>
-        </p:spPr>
-        <p:style>
-          <a:lnRef idx="2">
-            <a:schemeClr val="accent1">
-              <a:shade val="50000"/>
-            </a:schemeClr>
-          </a:lnRef>
-          <a:fillRef idx="1">
-            <a:schemeClr val="accent1"/>
-          </a:fillRef>
-          <a:effectRef idx="0">
-            <a:schemeClr val="accent1"/>
-          </a:effectRef>
-          <a:fontRef idx="minor">
-            <a:schemeClr val="lt1"/>
-          </a:fontRef>
-        </p:style>
-        <p:txBody>
-          <a:bodyPr rtlCol="0" anchor="ctr"/>
-          <a:lstStyle/>
-          <a:p>
-            <a:pPr algn="ctr"/>
-            <a:endParaRPr lang="nl-BE"/>
-          </a:p>
-        </p:txBody>
-      </p:sp>
-      <p:sp>
-        <p:nvSpPr>
-          <p:cNvPr id="7" name="Rechthoek 6"/>
-          <p:cNvSpPr/>
-          <p:nvPr/>
-        </p:nvSpPr>
-        <p:spPr>
-          <a:xfrm>
-            <a:off x="4192555" y="4460031"/>
-            <a:ext cx="1900335" cy="223936"/>
-          </a:xfrm>
-          <a:prstGeom prst="rect">
-            <a:avLst/>
-          </a:prstGeom>
-          <a:solidFill>
-            <a:srgbClr val="9C5D90">
-              <a:alpha val="50196"/>
-            </a:srgbClr>
-          </a:solidFill>
-        </p:spPr>
-        <p:style>
-          <a:lnRef idx="2">
-            <a:schemeClr val="accent1">
-              <a:shade val="50000"/>
-            </a:schemeClr>
-          </a:lnRef>
-          <a:fillRef idx="1">
-            <a:schemeClr val="accent1"/>
-          </a:fillRef>
-          <a:effectRef idx="0">
-            <a:schemeClr val="accent1"/>
-          </a:effectRef>
-          <a:fontRef idx="minor">
-            <a:schemeClr val="lt1"/>
-          </a:fontRef>
-        </p:style>
-        <p:txBody>
-          <a:bodyPr rtlCol="0" anchor="ctr"/>
-          <a:lstStyle/>
-          <a:p>
-            <a:pPr algn="ctr"/>
-            <a:endParaRPr lang="nl-BE"/>
-          </a:p>
-        </p:txBody>
-      </p:sp>
-    </p:spTree>
-    <p:extLst>
-      <p:ext uri="{BB962C8B-B14F-4D97-AF65-F5344CB8AC3E}">
-        <p14:creationId xmlns:p14="http://schemas.microsoft.com/office/powerpoint/2010/main" val="3240805425"/>
-      </p:ext>
-    </p:extLst>
-  </p:cSld>
-  <p:clrMapOvr>
-    <a:masterClrMapping/>
-  </p:clrMapOvr>
-  <p:timing>
-    <p:tnLst>
-      <p:par>
-        <p:cTn id="1" dur="indefinite" restart="never" nodeType="tmRoot"/>
-      </p:par>
-    </p:tnLst>
-  </p:timing>
-</p:sld>
-</file>
-
-<file path=ppt/slides/slide34.xml><?xml version="1.0" encoding="utf-8"?>
-<p:sld xmlns:a="http://schemas.openxmlformats.org/drawingml/2006/main" xmlns:r="http://schemas.openxmlformats.org/officeDocument/2006/relationships" xmlns:p="http://schemas.openxmlformats.org/presentationml/2006/main">
-  <p:cSld>
-    <p:spTree>
-      <p:nvGrpSpPr>
-        <p:cNvPr id="1" name=""/>
-        <p:cNvGrpSpPr/>
-        <p:nvPr/>
-      </p:nvGrpSpPr>
-      <p:grpSpPr>
-        <a:xfrm>
-          <a:off x="0" y="0"/>
-          <a:ext cx="0" cy="0"/>
-          <a:chOff x="0" y="0"/>
-          <a:chExt cx="0" cy="0"/>
-        </a:xfrm>
-      </p:grpSpPr>
-      <p:sp>
-        <p:nvSpPr>
-          <p:cNvPr id="2" name="Titel 1"/>
-          <p:cNvSpPr>
-            <a:spLocks noGrp="1"/>
-          </p:cNvSpPr>
-          <p:nvPr>
-            <p:ph type="title"/>
-          </p:nvPr>
-        </p:nvSpPr>
-        <p:spPr/>
-        <p:txBody>
-          <a:bodyPr/>
-          <a:lstStyle/>
-          <a:p>
-            <a:endParaRPr lang="nl-BE"/>
-          </a:p>
-        </p:txBody>
-      </p:sp>
-      <p:sp>
-        <p:nvSpPr>
-          <p:cNvPr id="3" name="Tijdelijke aanduiding voor inhoud 2"/>
-          <p:cNvSpPr>
-            <a:spLocks noGrp="1"/>
-          </p:cNvSpPr>
-          <p:nvPr>
-            <p:ph idx="1"/>
-          </p:nvPr>
-        </p:nvSpPr>
-        <p:spPr/>
-        <p:txBody>
-          <a:bodyPr/>
-          <a:lstStyle/>
-          <a:p>
-            <a:endParaRPr lang="nl-BE"/>
-          </a:p>
-        </p:txBody>
-      </p:sp>
-    </p:spTree>
-    <p:extLst>
-      <p:ext uri="{BB962C8B-B14F-4D97-AF65-F5344CB8AC3E}">
-        <p14:creationId xmlns:p14="http://schemas.microsoft.com/office/powerpoint/2010/main" val="76186825"/>
-      </p:ext>
-    </p:extLst>
-  </p:cSld>
-  <p:clrMapOvr>
-    <a:masterClrMapping/>
-  </p:clrMapOvr>
-  <p:timing>
-    <p:tnLst>
-      <p:par>
-        <p:cTn id="1" dur="indefinite" restart="never" nodeType="tmRoot"/>
       </p:par>
     </p:tnLst>
   </p:timing>
